--- a/Don‘t Get Kicked.pptx
+++ b/Don‘t Get Kicked.pptx
@@ -5,17 +5,22 @@
     <p:sldMasterId id="2147483660" r:id="rId1"/>
   </p:sldMasterIdLst>
   <p:notesMasterIdLst>
-    <p:notesMasterId r:id="rId10"/>
+    <p:notesMasterId r:id="rId15"/>
   </p:notesMasterIdLst>
   <p:sldIdLst>
     <p:sldId id="256" r:id="rId2"/>
     <p:sldId id="257" r:id="rId3"/>
     <p:sldId id="258" r:id="rId4"/>
     <p:sldId id="259" r:id="rId5"/>
-    <p:sldId id="260" r:id="rId6"/>
-    <p:sldId id="261" r:id="rId7"/>
-    <p:sldId id="262" r:id="rId8"/>
-    <p:sldId id="263" r:id="rId9"/>
+    <p:sldId id="269" r:id="rId6"/>
+    <p:sldId id="270" r:id="rId7"/>
+    <p:sldId id="271" r:id="rId8"/>
+    <p:sldId id="272" r:id="rId9"/>
+    <p:sldId id="273" r:id="rId10"/>
+    <p:sldId id="274" r:id="rId11"/>
+    <p:sldId id="275" r:id="rId12"/>
+    <p:sldId id="276" r:id="rId13"/>
+    <p:sldId id="277" r:id="rId14"/>
   </p:sldIdLst>
   <p:sldSz cx="12192000" cy="6858000"/>
   <p:notesSz cx="6858000" cy="9144000"/>
@@ -480,750 +485,6 @@
     </a:lvl9pPr>
   </p:notesStyle>
 </p:notesMaster>
-</file>
-
-<file path=ppt/notesSlides/notesSlide1.xml><?xml version="1.0" encoding="utf-8"?>
-<p:notes xmlns:a="http://schemas.openxmlformats.org/drawingml/2006/main" xmlns:r="http://schemas.openxmlformats.org/officeDocument/2006/relationships" xmlns:p="http://schemas.openxmlformats.org/presentationml/2006/main">
-  <p:cSld>
-    <p:spTree>
-      <p:nvGrpSpPr>
-        <p:cNvPr id="1" name=""/>
-        <p:cNvGrpSpPr/>
-        <p:nvPr/>
-      </p:nvGrpSpPr>
-      <p:grpSpPr>
-        <a:xfrm>
-          <a:off x="0" y="0"/>
-          <a:ext cx="0" cy="0"/>
-          <a:chOff x="0" y="0"/>
-          <a:chExt cx="0" cy="0"/>
-        </a:xfrm>
-      </p:grpSpPr>
-      <p:sp>
-        <p:nvSpPr>
-          <p:cNvPr id="2" name="Folienbildplatzhalter 1"/>
-          <p:cNvSpPr>
-            <a:spLocks noGrp="1" noRot="1" noChangeAspect="1"/>
-          </p:cNvSpPr>
-          <p:nvPr>
-            <p:ph type="sldImg"/>
-          </p:nvPr>
-        </p:nvSpPr>
-        <p:spPr/>
-      </p:sp>
-      <p:sp>
-        <p:nvSpPr>
-          <p:cNvPr id="3" name="Notizenplatzhalter 2"/>
-          <p:cNvSpPr>
-            <a:spLocks noGrp="1"/>
-          </p:cNvSpPr>
-          <p:nvPr>
-            <p:ph type="body" idx="1"/>
-          </p:nvPr>
-        </p:nvSpPr>
-        <p:spPr/>
-        <p:txBody>
-          <a:bodyPr/>
-          <a:lstStyle/>
-          <a:p>
-            <a:r>
-              <a:rPr lang="de-DE" dirty="0"/>
-              <a:t>Auktionsdetails:</a:t>
-            </a:r>
-          </a:p>
-          <a:p>
-            <a:pPr marL="171450" indent="-171450">
-              <a:buFontTx/>
-              <a:buChar char="-"/>
-            </a:pPr>
-            <a:r>
-              <a:rPr lang="de-DE" dirty="0"/>
-              <a:t>Wo </a:t>
-            </a:r>
-          </a:p>
-          <a:p>
-            <a:pPr marL="171450" indent="-171450">
-              <a:buFontTx/>
-              <a:buChar char="-"/>
-            </a:pPr>
-            <a:r>
-              <a:rPr lang="de-DE" dirty="0"/>
-              <a:t>Wann</a:t>
-            </a:r>
-          </a:p>
-          <a:p>
-            <a:pPr marL="171450" indent="-171450">
-              <a:buFontTx/>
-              <a:buChar char="-"/>
-            </a:pPr>
-            <a:r>
-              <a:rPr lang="de-DE" dirty="0"/>
-              <a:t>Anschaffungskosten</a:t>
-            </a:r>
-          </a:p>
-          <a:p>
-            <a:pPr marL="171450" indent="-171450">
-              <a:buFontTx/>
-              <a:buChar char="-"/>
-            </a:pPr>
-            <a:endParaRPr lang="de-DE" dirty="0"/>
-          </a:p>
-          <a:p>
-            <a:pPr marL="0" indent="0">
-              <a:buFontTx/>
-              <a:buNone/>
-            </a:pPr>
-            <a:r>
-              <a:rPr lang="de-DE" dirty="0"/>
-              <a:t>Fahrzeugdetails:</a:t>
-            </a:r>
-          </a:p>
-          <a:p>
-            <a:pPr marL="171450" indent="-171450">
-              <a:buFontTx/>
-              <a:buChar char="-"/>
-            </a:pPr>
-            <a:r>
-              <a:rPr lang="de-DE" dirty="0"/>
-              <a:t>Hersteller</a:t>
-            </a:r>
-          </a:p>
-          <a:p>
-            <a:pPr marL="171450" indent="-171450">
-              <a:buFontTx/>
-              <a:buChar char="-"/>
-            </a:pPr>
-            <a:r>
-              <a:rPr lang="de-DE" dirty="0"/>
-              <a:t>Model</a:t>
-            </a:r>
-          </a:p>
-          <a:p>
-            <a:pPr marL="171450" indent="-171450">
-              <a:buFontTx/>
-              <a:buChar char="-"/>
-            </a:pPr>
-            <a:r>
-              <a:rPr lang="de-DE" dirty="0"/>
-              <a:t>Kilometerstand</a:t>
-            </a:r>
-          </a:p>
-          <a:p>
-            <a:pPr marL="171450" indent="-171450">
-              <a:buFontTx/>
-              <a:buChar char="-"/>
-            </a:pPr>
-            <a:r>
-              <a:rPr lang="de-DE" dirty="0"/>
-              <a:t>Alter</a:t>
-            </a:r>
-          </a:p>
-          <a:p>
-            <a:pPr marL="171450" indent="-171450">
-              <a:buFontTx/>
-              <a:buChar char="-"/>
-            </a:pPr>
-            <a:r>
-              <a:rPr lang="de-DE" dirty="0"/>
-              <a:t>Farbe</a:t>
-            </a:r>
-          </a:p>
-          <a:p>
-            <a:pPr marL="0" indent="0">
-              <a:buFontTx/>
-              <a:buNone/>
-            </a:pPr>
-            <a:endParaRPr lang="de-DE" dirty="0"/>
-          </a:p>
-          <a:p>
-            <a:pPr marL="0" indent="0">
-              <a:buFontTx/>
-              <a:buNone/>
-            </a:pPr>
-            <a:r>
-              <a:rPr lang="de-DE" dirty="0"/>
-              <a:t>Fahrzeugpreis</a:t>
-            </a:r>
-          </a:p>
-          <a:p>
-            <a:pPr marL="171450" indent="-171450">
-              <a:buFontTx/>
-              <a:buChar char="-"/>
-            </a:pPr>
-            <a:r>
-              <a:rPr lang="de-DE" dirty="0"/>
-              <a:t>Mannheim Markt Report (Richtwert für Gebrauchtwagenpreise)</a:t>
-            </a:r>
-          </a:p>
-          <a:p>
-            <a:pPr marL="171450" indent="-171450">
-              <a:buFontTx/>
-              <a:buChar char="-"/>
-            </a:pPr>
-            <a:r>
-              <a:rPr lang="de-DE" dirty="0"/>
-              <a:t>Durchschnittspreise des Fahrzeugs in verschiedenen Zeiten unter verschiedenen Konditionen</a:t>
-            </a:r>
-          </a:p>
-          <a:p>
-            <a:pPr marL="171450" indent="-171450">
-              <a:buFontTx/>
-              <a:buChar char="-"/>
-            </a:pPr>
-            <a:endParaRPr lang="de-DE" dirty="0"/>
-          </a:p>
-          <a:p>
-            <a:pPr marL="0" indent="0">
-              <a:buFontTx/>
-              <a:buNone/>
-            </a:pPr>
-            <a:r>
-              <a:rPr lang="de-DE" dirty="0"/>
-              <a:t>Zielvariable</a:t>
-            </a:r>
-          </a:p>
-          <a:p>
-            <a:pPr marL="171450" indent="-171450">
-              <a:buFontTx/>
-              <a:buChar char="-"/>
-            </a:pPr>
-            <a:r>
-              <a:rPr lang="de-DE" dirty="0"/>
-              <a:t>IsBadBuy (1 = Fehlkauf 0 = kein Fehlkauf)</a:t>
-            </a:r>
-          </a:p>
-        </p:txBody>
-      </p:sp>
-      <p:sp>
-        <p:nvSpPr>
-          <p:cNvPr id="4" name="Foliennummernplatzhalter 3"/>
-          <p:cNvSpPr>
-            <a:spLocks noGrp="1"/>
-          </p:cNvSpPr>
-          <p:nvPr>
-            <p:ph type="sldNum" sz="quarter" idx="5"/>
-          </p:nvPr>
-        </p:nvSpPr>
-        <p:spPr/>
-        <p:txBody>
-          <a:bodyPr/>
-          <a:lstStyle/>
-          <a:p>
-            <a:fld id="{2328B0CD-612B-4A03-889C-A6BD40BB4E0B}" type="slidenum">
-              <a:rPr lang="de-DE" smtClean="0"/>
-              <a:t>6</a:t>
-            </a:fld>
-            <a:endParaRPr lang="de-DE"/>
-          </a:p>
-        </p:txBody>
-      </p:sp>
-    </p:spTree>
-    <p:extLst>
-      <p:ext uri="{BB962C8B-B14F-4D97-AF65-F5344CB8AC3E}">
-        <p14:creationId xmlns:p14="http://schemas.microsoft.com/office/powerpoint/2010/main" val="1764975787"/>
-      </p:ext>
-    </p:extLst>
-  </p:cSld>
-  <p:clrMapOvr>
-    <a:masterClrMapping/>
-  </p:clrMapOvr>
-</p:notes>
-</file>
-
-<file path=ppt/notesSlides/notesSlide2.xml><?xml version="1.0" encoding="utf-8"?>
-<p:notes xmlns:a="http://schemas.openxmlformats.org/drawingml/2006/main" xmlns:r="http://schemas.openxmlformats.org/officeDocument/2006/relationships" xmlns:p="http://schemas.openxmlformats.org/presentationml/2006/main">
-  <p:cSld>
-    <p:spTree>
-      <p:nvGrpSpPr>
-        <p:cNvPr id="1" name=""/>
-        <p:cNvGrpSpPr/>
-        <p:nvPr/>
-      </p:nvGrpSpPr>
-      <p:grpSpPr>
-        <a:xfrm>
-          <a:off x="0" y="0"/>
-          <a:ext cx="0" cy="0"/>
-          <a:chOff x="0" y="0"/>
-          <a:chExt cx="0" cy="0"/>
-        </a:xfrm>
-      </p:grpSpPr>
-      <p:sp>
-        <p:nvSpPr>
-          <p:cNvPr id="2" name="Folienbildplatzhalter 1"/>
-          <p:cNvSpPr>
-            <a:spLocks noGrp="1" noRot="1" noChangeAspect="1"/>
-          </p:cNvSpPr>
-          <p:nvPr>
-            <p:ph type="sldImg"/>
-          </p:nvPr>
-        </p:nvSpPr>
-        <p:spPr/>
-      </p:sp>
-      <p:sp>
-        <p:nvSpPr>
-          <p:cNvPr id="3" name="Notizenplatzhalter 2"/>
-          <p:cNvSpPr>
-            <a:spLocks noGrp="1"/>
-          </p:cNvSpPr>
-          <p:nvPr>
-            <p:ph type="body" idx="1"/>
-          </p:nvPr>
-        </p:nvSpPr>
-        <p:spPr/>
-        <p:txBody>
-          <a:bodyPr/>
-          <a:lstStyle/>
-          <a:p>
-            <a:r>
-              <a:rPr lang="de-DE" dirty="0"/>
-              <a:t>Auktionsdetails:</a:t>
-            </a:r>
-          </a:p>
-          <a:p>
-            <a:pPr marL="171450" indent="-171450">
-              <a:buFontTx/>
-              <a:buChar char="-"/>
-            </a:pPr>
-            <a:r>
-              <a:rPr lang="de-DE" dirty="0"/>
-              <a:t>Wo </a:t>
-            </a:r>
-          </a:p>
-          <a:p>
-            <a:pPr marL="171450" indent="-171450">
-              <a:buFontTx/>
-              <a:buChar char="-"/>
-            </a:pPr>
-            <a:r>
-              <a:rPr lang="de-DE" dirty="0"/>
-              <a:t>Wann</a:t>
-            </a:r>
-          </a:p>
-          <a:p>
-            <a:pPr marL="171450" indent="-171450">
-              <a:buFontTx/>
-              <a:buChar char="-"/>
-            </a:pPr>
-            <a:r>
-              <a:rPr lang="de-DE" dirty="0"/>
-              <a:t>Anschaffungskosten</a:t>
-            </a:r>
-          </a:p>
-          <a:p>
-            <a:pPr marL="171450" indent="-171450">
-              <a:buFontTx/>
-              <a:buChar char="-"/>
-            </a:pPr>
-            <a:endParaRPr lang="de-DE" dirty="0"/>
-          </a:p>
-          <a:p>
-            <a:pPr marL="0" indent="0">
-              <a:buFontTx/>
-              <a:buNone/>
-            </a:pPr>
-            <a:r>
-              <a:rPr lang="de-DE" dirty="0"/>
-              <a:t>Fahrzeugdetails:</a:t>
-            </a:r>
-          </a:p>
-          <a:p>
-            <a:pPr marL="171450" indent="-171450">
-              <a:buFontTx/>
-              <a:buChar char="-"/>
-            </a:pPr>
-            <a:r>
-              <a:rPr lang="de-DE" dirty="0"/>
-              <a:t>Hersteller</a:t>
-            </a:r>
-          </a:p>
-          <a:p>
-            <a:pPr marL="171450" indent="-171450">
-              <a:buFontTx/>
-              <a:buChar char="-"/>
-            </a:pPr>
-            <a:r>
-              <a:rPr lang="de-DE" dirty="0"/>
-              <a:t>Model</a:t>
-            </a:r>
-          </a:p>
-          <a:p>
-            <a:pPr marL="171450" indent="-171450">
-              <a:buFontTx/>
-              <a:buChar char="-"/>
-            </a:pPr>
-            <a:r>
-              <a:rPr lang="de-DE" dirty="0"/>
-              <a:t>Kilometerstand</a:t>
-            </a:r>
-          </a:p>
-          <a:p>
-            <a:pPr marL="171450" indent="-171450">
-              <a:buFontTx/>
-              <a:buChar char="-"/>
-            </a:pPr>
-            <a:r>
-              <a:rPr lang="de-DE" dirty="0"/>
-              <a:t>Alter</a:t>
-            </a:r>
-          </a:p>
-          <a:p>
-            <a:pPr marL="171450" indent="-171450">
-              <a:buFontTx/>
-              <a:buChar char="-"/>
-            </a:pPr>
-            <a:r>
-              <a:rPr lang="de-DE" dirty="0"/>
-              <a:t>Farbe</a:t>
-            </a:r>
-          </a:p>
-          <a:p>
-            <a:pPr marL="0" indent="0">
-              <a:buFontTx/>
-              <a:buNone/>
-            </a:pPr>
-            <a:endParaRPr lang="de-DE" dirty="0"/>
-          </a:p>
-          <a:p>
-            <a:pPr marL="0" indent="0">
-              <a:buFontTx/>
-              <a:buNone/>
-            </a:pPr>
-            <a:r>
-              <a:rPr lang="de-DE" dirty="0"/>
-              <a:t>Fahrzeugpreis</a:t>
-            </a:r>
-          </a:p>
-          <a:p>
-            <a:pPr marL="171450" indent="-171450">
-              <a:buFontTx/>
-              <a:buChar char="-"/>
-            </a:pPr>
-            <a:r>
-              <a:rPr lang="de-DE" dirty="0"/>
-              <a:t>Mannheim Markt Report (Richtwert für Gebrauchtwagenpreise)</a:t>
-            </a:r>
-          </a:p>
-          <a:p>
-            <a:pPr marL="171450" indent="-171450">
-              <a:buFontTx/>
-              <a:buChar char="-"/>
-            </a:pPr>
-            <a:r>
-              <a:rPr lang="de-DE" dirty="0"/>
-              <a:t>Durchschnittspreise des Fahrzeugs in verschiedenen Zeiten unter verschiedenen Konditionen</a:t>
-            </a:r>
-          </a:p>
-          <a:p>
-            <a:pPr marL="171450" indent="-171450">
-              <a:buFontTx/>
-              <a:buChar char="-"/>
-            </a:pPr>
-            <a:endParaRPr lang="de-DE" dirty="0"/>
-          </a:p>
-          <a:p>
-            <a:pPr marL="0" indent="0">
-              <a:buFontTx/>
-              <a:buNone/>
-            </a:pPr>
-            <a:r>
-              <a:rPr lang="de-DE" dirty="0"/>
-              <a:t>Zielvariable</a:t>
-            </a:r>
-          </a:p>
-          <a:p>
-            <a:pPr marL="171450" indent="-171450">
-              <a:buFontTx/>
-              <a:buChar char="-"/>
-            </a:pPr>
-            <a:r>
-              <a:rPr lang="de-DE" dirty="0"/>
-              <a:t>IsBadBuy (1 = Fehlkauf 0 = kein Fehlkauf)</a:t>
-            </a:r>
-          </a:p>
-        </p:txBody>
-      </p:sp>
-      <p:sp>
-        <p:nvSpPr>
-          <p:cNvPr id="4" name="Foliennummernplatzhalter 3"/>
-          <p:cNvSpPr>
-            <a:spLocks noGrp="1"/>
-          </p:cNvSpPr>
-          <p:nvPr>
-            <p:ph type="sldNum" sz="quarter" idx="5"/>
-          </p:nvPr>
-        </p:nvSpPr>
-        <p:spPr/>
-        <p:txBody>
-          <a:bodyPr/>
-          <a:lstStyle/>
-          <a:p>
-            <a:fld id="{2328B0CD-612B-4A03-889C-A6BD40BB4E0B}" type="slidenum">
-              <a:rPr lang="de-DE" smtClean="0"/>
-              <a:t>7</a:t>
-            </a:fld>
-            <a:endParaRPr lang="de-DE"/>
-          </a:p>
-        </p:txBody>
-      </p:sp>
-    </p:spTree>
-    <p:extLst>
-      <p:ext uri="{BB962C8B-B14F-4D97-AF65-F5344CB8AC3E}">
-        <p14:creationId xmlns:p14="http://schemas.microsoft.com/office/powerpoint/2010/main" val="2953816267"/>
-      </p:ext>
-    </p:extLst>
-  </p:cSld>
-  <p:clrMapOvr>
-    <a:masterClrMapping/>
-  </p:clrMapOvr>
-</p:notes>
-</file>
-
-<file path=ppt/notesSlides/notesSlide3.xml><?xml version="1.0" encoding="utf-8"?>
-<p:notes xmlns:a="http://schemas.openxmlformats.org/drawingml/2006/main" xmlns:r="http://schemas.openxmlformats.org/officeDocument/2006/relationships" xmlns:p="http://schemas.openxmlformats.org/presentationml/2006/main">
-  <p:cSld>
-    <p:spTree>
-      <p:nvGrpSpPr>
-        <p:cNvPr id="1" name=""/>
-        <p:cNvGrpSpPr/>
-        <p:nvPr/>
-      </p:nvGrpSpPr>
-      <p:grpSpPr>
-        <a:xfrm>
-          <a:off x="0" y="0"/>
-          <a:ext cx="0" cy="0"/>
-          <a:chOff x="0" y="0"/>
-          <a:chExt cx="0" cy="0"/>
-        </a:xfrm>
-      </p:grpSpPr>
-      <p:sp>
-        <p:nvSpPr>
-          <p:cNvPr id="2" name="Folienbildplatzhalter 1"/>
-          <p:cNvSpPr>
-            <a:spLocks noGrp="1" noRot="1" noChangeAspect="1"/>
-          </p:cNvSpPr>
-          <p:nvPr>
-            <p:ph type="sldImg"/>
-          </p:nvPr>
-        </p:nvSpPr>
-        <p:spPr/>
-      </p:sp>
-      <p:sp>
-        <p:nvSpPr>
-          <p:cNvPr id="3" name="Notizenplatzhalter 2"/>
-          <p:cNvSpPr>
-            <a:spLocks noGrp="1"/>
-          </p:cNvSpPr>
-          <p:nvPr>
-            <p:ph type="body" idx="1"/>
-          </p:nvPr>
-        </p:nvSpPr>
-        <p:spPr/>
-        <p:txBody>
-          <a:bodyPr/>
-          <a:lstStyle/>
-          <a:p>
-            <a:r>
-              <a:rPr lang="de-DE" dirty="0"/>
-              <a:t>Auktionsdetails:</a:t>
-            </a:r>
-          </a:p>
-          <a:p>
-            <a:pPr marL="171450" indent="-171450">
-              <a:buFontTx/>
-              <a:buChar char="-"/>
-            </a:pPr>
-            <a:r>
-              <a:rPr lang="de-DE" dirty="0"/>
-              <a:t>Wo </a:t>
-            </a:r>
-          </a:p>
-          <a:p>
-            <a:pPr marL="171450" indent="-171450">
-              <a:buFontTx/>
-              <a:buChar char="-"/>
-            </a:pPr>
-            <a:r>
-              <a:rPr lang="de-DE" dirty="0"/>
-              <a:t>Wann</a:t>
-            </a:r>
-          </a:p>
-          <a:p>
-            <a:pPr marL="171450" indent="-171450">
-              <a:buFontTx/>
-              <a:buChar char="-"/>
-            </a:pPr>
-            <a:r>
-              <a:rPr lang="de-DE" dirty="0"/>
-              <a:t>Anschaffungskosten</a:t>
-            </a:r>
-          </a:p>
-          <a:p>
-            <a:pPr marL="171450" indent="-171450">
-              <a:buFontTx/>
-              <a:buChar char="-"/>
-            </a:pPr>
-            <a:endParaRPr lang="de-DE" dirty="0"/>
-          </a:p>
-          <a:p>
-            <a:pPr marL="0" indent="0">
-              <a:buFontTx/>
-              <a:buNone/>
-            </a:pPr>
-            <a:r>
-              <a:rPr lang="de-DE" dirty="0"/>
-              <a:t>Fahrzeugdetails:</a:t>
-            </a:r>
-          </a:p>
-          <a:p>
-            <a:pPr marL="171450" indent="-171450">
-              <a:buFontTx/>
-              <a:buChar char="-"/>
-            </a:pPr>
-            <a:r>
-              <a:rPr lang="de-DE" dirty="0"/>
-              <a:t>Hersteller</a:t>
-            </a:r>
-          </a:p>
-          <a:p>
-            <a:pPr marL="171450" indent="-171450">
-              <a:buFontTx/>
-              <a:buChar char="-"/>
-            </a:pPr>
-            <a:r>
-              <a:rPr lang="de-DE" dirty="0"/>
-              <a:t>Model</a:t>
-            </a:r>
-          </a:p>
-          <a:p>
-            <a:pPr marL="171450" indent="-171450">
-              <a:buFontTx/>
-              <a:buChar char="-"/>
-            </a:pPr>
-            <a:r>
-              <a:rPr lang="de-DE" dirty="0"/>
-              <a:t>Kilometerstand</a:t>
-            </a:r>
-          </a:p>
-          <a:p>
-            <a:pPr marL="171450" indent="-171450">
-              <a:buFontTx/>
-              <a:buChar char="-"/>
-            </a:pPr>
-            <a:r>
-              <a:rPr lang="de-DE" dirty="0"/>
-              <a:t>Alter</a:t>
-            </a:r>
-          </a:p>
-          <a:p>
-            <a:pPr marL="171450" indent="-171450">
-              <a:buFontTx/>
-              <a:buChar char="-"/>
-            </a:pPr>
-            <a:r>
-              <a:rPr lang="de-DE" dirty="0"/>
-              <a:t>Farbe</a:t>
-            </a:r>
-          </a:p>
-          <a:p>
-            <a:pPr marL="0" indent="0">
-              <a:buFontTx/>
-              <a:buNone/>
-            </a:pPr>
-            <a:endParaRPr lang="de-DE" dirty="0"/>
-          </a:p>
-          <a:p>
-            <a:pPr marL="0" indent="0">
-              <a:buFontTx/>
-              <a:buNone/>
-            </a:pPr>
-            <a:r>
-              <a:rPr lang="de-DE" dirty="0"/>
-              <a:t>Fahrzeugpreis</a:t>
-            </a:r>
-          </a:p>
-          <a:p>
-            <a:pPr marL="171450" indent="-171450">
-              <a:buFontTx/>
-              <a:buChar char="-"/>
-            </a:pPr>
-            <a:r>
-              <a:rPr lang="de-DE" dirty="0"/>
-              <a:t>Mannheim Markt Report (Richtwert für Gebrauchtwagenpreise)</a:t>
-            </a:r>
-          </a:p>
-          <a:p>
-            <a:pPr marL="171450" indent="-171450">
-              <a:buFontTx/>
-              <a:buChar char="-"/>
-            </a:pPr>
-            <a:r>
-              <a:rPr lang="de-DE" dirty="0"/>
-              <a:t>Durchschnittspreise des Fahrzeugs in verschiedenen Zeiten unter verschiedenen Konditionen</a:t>
-            </a:r>
-          </a:p>
-          <a:p>
-            <a:pPr marL="171450" indent="-171450">
-              <a:buFontTx/>
-              <a:buChar char="-"/>
-            </a:pPr>
-            <a:endParaRPr lang="de-DE" dirty="0"/>
-          </a:p>
-          <a:p>
-            <a:pPr marL="0" indent="0">
-              <a:buFontTx/>
-              <a:buNone/>
-            </a:pPr>
-            <a:r>
-              <a:rPr lang="de-DE" dirty="0"/>
-              <a:t>Zielvariable</a:t>
-            </a:r>
-          </a:p>
-          <a:p>
-            <a:pPr marL="171450" indent="-171450">
-              <a:buFontTx/>
-              <a:buChar char="-"/>
-            </a:pPr>
-            <a:r>
-              <a:rPr lang="de-DE" dirty="0"/>
-              <a:t>IsBadBuy (1 = Fehlkauf 0 = kein Fehlkauf)</a:t>
-            </a:r>
-          </a:p>
-        </p:txBody>
-      </p:sp>
-      <p:sp>
-        <p:nvSpPr>
-          <p:cNvPr id="4" name="Foliennummernplatzhalter 3"/>
-          <p:cNvSpPr>
-            <a:spLocks noGrp="1"/>
-          </p:cNvSpPr>
-          <p:nvPr>
-            <p:ph type="sldNum" sz="quarter" idx="5"/>
-          </p:nvPr>
-        </p:nvSpPr>
-        <p:spPr/>
-        <p:txBody>
-          <a:bodyPr/>
-          <a:lstStyle/>
-          <a:p>
-            <a:fld id="{2328B0CD-612B-4A03-889C-A6BD40BB4E0B}" type="slidenum">
-              <a:rPr lang="de-DE" smtClean="0"/>
-              <a:t>8</a:t>
-            </a:fld>
-            <a:endParaRPr lang="de-DE"/>
-          </a:p>
-        </p:txBody>
-      </p:sp>
-    </p:spTree>
-    <p:extLst>
-      <p:ext uri="{BB962C8B-B14F-4D97-AF65-F5344CB8AC3E}">
-        <p14:creationId xmlns:p14="http://schemas.microsoft.com/office/powerpoint/2010/main" val="1765481542"/>
-      </p:ext>
-    </p:extLst>
-  </p:cSld>
-  <p:clrMapOvr>
-    <a:masterClrMapping/>
-  </p:clrMapOvr>
-</p:notes>
 </file>
 
 <file path=ppt/slideLayouts/slideLayout1.xml><?xml version="1.0" encoding="utf-8"?>
@@ -4718,6 +3979,2628 @@
 </p:sld>
 </file>
 
+<file path=ppt/slides/slide10.xml><?xml version="1.0" encoding="utf-8"?>
+<p:sld xmlns:a="http://schemas.openxmlformats.org/drawingml/2006/main" xmlns:r="http://schemas.openxmlformats.org/officeDocument/2006/relationships" xmlns:p="http://schemas.openxmlformats.org/presentationml/2006/main">
+  <p:cSld>
+    <p:bg>
+      <p:bgPr>
+        <a:solidFill>
+          <a:schemeClr val="bg1"/>
+        </a:solidFill>
+        <a:effectLst/>
+      </p:bgPr>
+    </p:bg>
+    <p:spTree>
+      <p:nvGrpSpPr>
+        <p:cNvPr id="1" name=""/>
+        <p:cNvGrpSpPr/>
+        <p:nvPr/>
+      </p:nvGrpSpPr>
+      <p:grpSpPr>
+        <a:xfrm>
+          <a:off x="0" y="0"/>
+          <a:ext cx="0" cy="0"/>
+          <a:chOff x="0" y="0"/>
+          <a:chExt cx="0" cy="0"/>
+        </a:xfrm>
+      </p:grpSpPr>
+      <p:sp>
+        <p:nvSpPr>
+          <p:cNvPr id="8" name="Rectangle 7">
+            <a:extLst>
+              <a:ext uri="{FF2B5EF4-FFF2-40B4-BE49-F238E27FC236}">
+                <a16:creationId xmlns:a16="http://schemas.microsoft.com/office/drawing/2014/main" id="{33801627-6861-4EA9-BE98-E0CE33A894D9}"/>
+              </a:ext>
+              <a:ext uri="{C183D7F6-B498-43B3-948B-1728B52AA6E4}">
+                <adec:decorative xmlns:adec="http://schemas.microsoft.com/office/drawing/2017/decorative" val="1"/>
+              </a:ext>
+            </a:extLst>
+          </p:cNvPr>
+          <p:cNvSpPr>
+            <a:spLocks noGrp="1" noRot="1" noChangeAspect="1" noMove="1" noResize="1" noEditPoints="1" noAdjustHandles="1" noChangeArrowheads="1" noChangeShapeType="1" noTextEdit="1"/>
+          </p:cNvSpPr>
+          <p:nvPr>
+            <p:extLst>
+              <p:ext uri="{386F3935-93C4-4BCD-93E2-E3B085C9AB24}">
+                <p16:designElem xmlns:p16="http://schemas.microsoft.com/office/powerpoint/2015/main" val="1"/>
+              </p:ext>
+            </p:extLst>
+          </p:nvPr>
+        </p:nvSpPr>
+        <p:spPr>
+          <a:xfrm>
+            <a:off x="1" y="0"/>
+            <a:ext cx="643466" cy="6858000"/>
+          </a:xfrm>
+          <a:prstGeom prst="rect">
+            <a:avLst/>
+          </a:prstGeom>
+          <a:solidFill>
+            <a:srgbClr val="0D0D0D"/>
+          </a:solidFill>
+          <a:ln>
+            <a:noFill/>
+          </a:ln>
+        </p:spPr>
+        <p:style>
+          <a:lnRef idx="2">
+            <a:schemeClr val="accent1">
+              <a:shade val="50000"/>
+            </a:schemeClr>
+          </a:lnRef>
+          <a:fillRef idx="1">
+            <a:schemeClr val="accent1"/>
+          </a:fillRef>
+          <a:effectRef idx="0">
+            <a:schemeClr val="accent1"/>
+          </a:effectRef>
+          <a:fontRef idx="minor">
+            <a:schemeClr val="lt1"/>
+          </a:fontRef>
+        </p:style>
+        <p:txBody>
+          <a:bodyPr rtlCol="0" anchor="ctr"/>
+          <a:lstStyle/>
+          <a:p>
+            <a:pPr algn="ctr"/>
+            <a:endParaRPr lang="en-US"/>
+          </a:p>
+        </p:txBody>
+      </p:sp>
+      <p:sp>
+        <p:nvSpPr>
+          <p:cNvPr id="10" name="Rectangle 9">
+            <a:extLst>
+              <a:ext uri="{FF2B5EF4-FFF2-40B4-BE49-F238E27FC236}">
+                <a16:creationId xmlns:a16="http://schemas.microsoft.com/office/drawing/2014/main" id="{93C1483F-490E-4C8A-8765-1F8AF0C67D5F}"/>
+              </a:ext>
+              <a:ext uri="{C183D7F6-B498-43B3-948B-1728B52AA6E4}">
+                <adec:decorative xmlns:adec="http://schemas.microsoft.com/office/drawing/2017/decorative" val="1"/>
+              </a:ext>
+            </a:extLst>
+          </p:cNvPr>
+          <p:cNvSpPr>
+            <a:spLocks noGrp="1" noRot="1" noChangeAspect="1" noMove="1" noResize="1" noEditPoints="1" noAdjustHandles="1" noChangeArrowheads="1" noChangeShapeType="1" noTextEdit="1"/>
+          </p:cNvSpPr>
+          <p:nvPr>
+            <p:extLst>
+              <p:ext uri="{386F3935-93C4-4BCD-93E2-E3B085C9AB24}">
+                <p16:designElem xmlns:p16="http://schemas.microsoft.com/office/powerpoint/2015/main" val="1"/>
+              </p:ext>
+            </p:extLst>
+          </p:nvPr>
+        </p:nvSpPr>
+        <p:spPr>
+          <a:xfrm>
+            <a:off x="643466" y="0"/>
+            <a:ext cx="3736189" cy="6858000"/>
+          </a:xfrm>
+          <a:prstGeom prst="rect">
+            <a:avLst/>
+          </a:prstGeom>
+          <a:solidFill>
+            <a:srgbClr val="292929"/>
+          </a:solidFill>
+          <a:ln>
+            <a:noFill/>
+          </a:ln>
+        </p:spPr>
+        <p:style>
+          <a:lnRef idx="2">
+            <a:schemeClr val="accent1">
+              <a:shade val="50000"/>
+            </a:schemeClr>
+          </a:lnRef>
+          <a:fillRef idx="1">
+            <a:schemeClr val="accent1"/>
+          </a:fillRef>
+          <a:effectRef idx="0">
+            <a:schemeClr val="accent1"/>
+          </a:effectRef>
+          <a:fontRef idx="minor">
+            <a:schemeClr val="lt1"/>
+          </a:fontRef>
+        </p:style>
+        <p:txBody>
+          <a:bodyPr rtlCol="0" anchor="ctr"/>
+          <a:lstStyle/>
+          <a:p>
+            <a:pPr algn="ctr"/>
+            <a:endParaRPr lang="en-US"/>
+          </a:p>
+        </p:txBody>
+      </p:sp>
+      <p:sp>
+        <p:nvSpPr>
+          <p:cNvPr id="2" name="Titel 1">
+            <a:extLst>
+              <a:ext uri="{FF2B5EF4-FFF2-40B4-BE49-F238E27FC236}">
+                <a16:creationId xmlns:a16="http://schemas.microsoft.com/office/drawing/2014/main" id="{084D98EA-66CF-4F5F-9E2A-4B03A441BEB9}"/>
+              </a:ext>
+            </a:extLst>
+          </p:cNvPr>
+          <p:cNvSpPr>
+            <a:spLocks noGrp="1"/>
+          </p:cNvSpPr>
+          <p:nvPr>
+            <p:ph type="title"/>
+          </p:nvPr>
+        </p:nvSpPr>
+        <p:spPr>
+          <a:xfrm>
+            <a:off x="965198" y="643466"/>
+            <a:ext cx="3092718" cy="5528734"/>
+          </a:xfrm>
+          <a:noFill/>
+        </p:spPr>
+        <p:txBody>
+          <a:bodyPr anchor="t">
+            <a:normAutofit/>
+          </a:bodyPr>
+          <a:lstStyle/>
+          <a:p>
+            <a:r>
+              <a:rPr lang="de-DE" sz="2800" dirty="0">
+                <a:solidFill>
+                  <a:srgbClr val="FFFFFF"/>
+                </a:solidFill>
+              </a:rPr>
+              <a:t>Modeling</a:t>
+            </a:r>
+            <a:br>
+              <a:rPr lang="de-DE" sz="2800" dirty="0">
+                <a:solidFill>
+                  <a:srgbClr val="FFFFFF"/>
+                </a:solidFill>
+              </a:rPr>
+            </a:br>
+            <a:r>
+              <a:rPr lang="de-DE" sz="2800" dirty="0">
+                <a:solidFill>
+                  <a:srgbClr val="FFFFFF"/>
+                </a:solidFill>
+              </a:rPr>
+              <a:t>(</a:t>
+            </a:r>
+            <a:r>
+              <a:rPr lang="de-DE" sz="2800" dirty="0" err="1">
+                <a:solidFill>
+                  <a:srgbClr val="FFFFFF"/>
+                </a:solidFill>
+              </a:rPr>
+              <a:t>to</a:t>
+            </a:r>
+            <a:r>
+              <a:rPr lang="de-DE" sz="2800" dirty="0">
+                <a:solidFill>
+                  <a:srgbClr val="FFFFFF"/>
+                </a:solidFill>
+              </a:rPr>
+              <a:t> do)</a:t>
+            </a:r>
+          </a:p>
+        </p:txBody>
+      </p:sp>
+      <p:sp useBgFill="1">
+        <p:nvSpPr>
+          <p:cNvPr id="12" name="Rectangle 11">
+            <a:extLst>
+              <a:ext uri="{FF2B5EF4-FFF2-40B4-BE49-F238E27FC236}">
+                <a16:creationId xmlns:a16="http://schemas.microsoft.com/office/drawing/2014/main" id="{0249BF42-D05C-4553-9417-7B8695759291}"/>
+              </a:ext>
+              <a:ext uri="{C183D7F6-B498-43B3-948B-1728B52AA6E4}">
+                <adec:decorative xmlns:adec="http://schemas.microsoft.com/office/drawing/2017/decorative" val="1"/>
+              </a:ext>
+            </a:extLst>
+          </p:cNvPr>
+          <p:cNvSpPr>
+            <a:spLocks noGrp="1" noRot="1" noChangeAspect="1" noMove="1" noResize="1" noEditPoints="1" noAdjustHandles="1" noChangeArrowheads="1" noChangeShapeType="1" noTextEdit="1"/>
+          </p:cNvSpPr>
+          <p:nvPr>
+            <p:extLst>
+              <p:ext uri="{386F3935-93C4-4BCD-93E2-E3B085C9AB24}">
+                <p16:designElem xmlns:p16="http://schemas.microsoft.com/office/powerpoint/2015/main" val="1"/>
+              </p:ext>
+            </p:extLst>
+          </p:nvPr>
+        </p:nvSpPr>
+        <p:spPr>
+          <a:xfrm>
+            <a:off x="4379654" y="0"/>
+            <a:ext cx="6913185" cy="6858000"/>
+          </a:xfrm>
+          <a:prstGeom prst="rect">
+            <a:avLst/>
+          </a:prstGeom>
+          <a:ln>
+            <a:noFill/>
+          </a:ln>
+        </p:spPr>
+        <p:style>
+          <a:lnRef idx="2">
+            <a:schemeClr val="accent1">
+              <a:shade val="50000"/>
+            </a:schemeClr>
+          </a:lnRef>
+          <a:fillRef idx="1">
+            <a:schemeClr val="accent1"/>
+          </a:fillRef>
+          <a:effectRef idx="0">
+            <a:schemeClr val="accent1"/>
+          </a:effectRef>
+          <a:fontRef idx="minor">
+            <a:schemeClr val="lt1"/>
+          </a:fontRef>
+        </p:style>
+        <p:txBody>
+          <a:bodyPr rtlCol="0" anchor="ctr"/>
+          <a:lstStyle/>
+          <a:p>
+            <a:pPr algn="ctr"/>
+            <a:endParaRPr lang="en-US"/>
+          </a:p>
+        </p:txBody>
+      </p:sp>
+      <p:sp>
+        <p:nvSpPr>
+          <p:cNvPr id="13" name="Inhaltsplatzhalter 2">
+            <a:extLst>
+              <a:ext uri="{FF2B5EF4-FFF2-40B4-BE49-F238E27FC236}">
+                <a16:creationId xmlns:a16="http://schemas.microsoft.com/office/drawing/2014/main" id="{5D98CB0D-C00E-4ECA-B926-D323B162B34E}"/>
+              </a:ext>
+            </a:extLst>
+          </p:cNvPr>
+          <p:cNvSpPr txBox="1">
+            <a:spLocks/>
+          </p:cNvSpPr>
+          <p:nvPr/>
+        </p:nvSpPr>
+        <p:spPr>
+          <a:xfrm>
+            <a:off x="4701386" y="643466"/>
+            <a:ext cx="6525416" cy="6017107"/>
+          </a:xfrm>
+          <a:prstGeom prst="rect">
+            <a:avLst/>
+          </a:prstGeom>
+        </p:spPr>
+        <p:txBody>
+          <a:bodyPr vert="horz" lIns="91440" tIns="45720" rIns="91440" bIns="45720" rtlCol="0">
+            <a:normAutofit/>
+          </a:bodyPr>
+          <a:lstStyle>
+            <a:lvl1pPr marL="182880" indent="-182880" algn="l" defTabSz="914400" rtl="0" eaLnBrk="1" latinLnBrk="0" hangingPunct="1">
+              <a:lnSpc>
+                <a:spcPct val="95000"/>
+              </a:lnSpc>
+              <a:spcBef>
+                <a:spcPts val="1400"/>
+              </a:spcBef>
+              <a:spcAft>
+                <a:spcPts val="200"/>
+              </a:spcAft>
+              <a:buClr>
+                <a:schemeClr val="accent1"/>
+              </a:buClr>
+              <a:buSzPct val="80000"/>
+              <a:buFont typeface="Arial" pitchFamily="34" charset="0"/>
+              <a:buChar char="•"/>
+              <a:defRPr sz="1800" kern="1200" spc="10" baseline="0">
+                <a:solidFill>
+                  <a:schemeClr val="tx1"/>
+                </a:solidFill>
+                <a:latin typeface="+mn-lt"/>
+                <a:ea typeface="+mn-ea"/>
+                <a:cs typeface="+mn-cs"/>
+              </a:defRPr>
+            </a:lvl1pPr>
+            <a:lvl2pPr marL="457200" indent="-182880" algn="l" defTabSz="914400" rtl="0" eaLnBrk="1" latinLnBrk="0" hangingPunct="1">
+              <a:lnSpc>
+                <a:spcPct val="90000"/>
+              </a:lnSpc>
+              <a:spcBef>
+                <a:spcPts val="300"/>
+              </a:spcBef>
+              <a:spcAft>
+                <a:spcPts val="300"/>
+              </a:spcAft>
+              <a:buClr>
+                <a:schemeClr val="accent1"/>
+              </a:buClr>
+              <a:buFont typeface="Wingdings 2" pitchFamily="18" charset="2"/>
+              <a:buChar char=""/>
+              <a:defRPr sz="1600" kern="1200">
+                <a:solidFill>
+                  <a:schemeClr val="tx1">
+                    <a:lumMod val="85000"/>
+                    <a:lumOff val="15000"/>
+                  </a:schemeClr>
+                </a:solidFill>
+                <a:latin typeface="+mn-lt"/>
+                <a:ea typeface="+mn-ea"/>
+                <a:cs typeface="+mn-cs"/>
+              </a:defRPr>
+            </a:lvl2pPr>
+            <a:lvl3pPr marL="731520" indent="-182880" algn="l" defTabSz="914400" rtl="0" eaLnBrk="1" latinLnBrk="0" hangingPunct="1">
+              <a:lnSpc>
+                <a:spcPct val="90000"/>
+              </a:lnSpc>
+              <a:spcBef>
+                <a:spcPts val="300"/>
+              </a:spcBef>
+              <a:spcAft>
+                <a:spcPts val="300"/>
+              </a:spcAft>
+              <a:buClr>
+                <a:schemeClr val="accent1"/>
+              </a:buClr>
+              <a:buFont typeface="Wingdings 2" pitchFamily="18" charset="2"/>
+              <a:buChar char=""/>
+              <a:defRPr sz="1400" kern="1200">
+                <a:solidFill>
+                  <a:schemeClr val="tx1">
+                    <a:lumMod val="85000"/>
+                    <a:lumOff val="15000"/>
+                  </a:schemeClr>
+                </a:solidFill>
+                <a:latin typeface="+mn-lt"/>
+                <a:ea typeface="+mn-ea"/>
+                <a:cs typeface="+mn-cs"/>
+              </a:defRPr>
+            </a:lvl3pPr>
+            <a:lvl4pPr marL="1005840" indent="-182880" algn="l" defTabSz="914400" rtl="0" eaLnBrk="1" latinLnBrk="0" hangingPunct="1">
+              <a:lnSpc>
+                <a:spcPct val="90000"/>
+              </a:lnSpc>
+              <a:spcBef>
+                <a:spcPts val="300"/>
+              </a:spcBef>
+              <a:spcAft>
+                <a:spcPts val="300"/>
+              </a:spcAft>
+              <a:buClr>
+                <a:schemeClr val="accent1"/>
+              </a:buClr>
+              <a:buFont typeface="Wingdings 2" pitchFamily="18" charset="2"/>
+              <a:buChar char=""/>
+              <a:defRPr sz="1400" kern="1200">
+                <a:solidFill>
+                  <a:schemeClr val="tx1">
+                    <a:lumMod val="85000"/>
+                    <a:lumOff val="15000"/>
+                  </a:schemeClr>
+                </a:solidFill>
+                <a:latin typeface="+mn-lt"/>
+                <a:ea typeface="+mn-ea"/>
+                <a:cs typeface="+mn-cs"/>
+              </a:defRPr>
+            </a:lvl4pPr>
+            <a:lvl5pPr marL="1280160" indent="-182880" algn="l" defTabSz="914400" rtl="0" eaLnBrk="1" latinLnBrk="0" hangingPunct="1">
+              <a:lnSpc>
+                <a:spcPct val="90000"/>
+              </a:lnSpc>
+              <a:spcBef>
+                <a:spcPts val="300"/>
+              </a:spcBef>
+              <a:spcAft>
+                <a:spcPts val="300"/>
+              </a:spcAft>
+              <a:buClr>
+                <a:schemeClr val="accent1"/>
+              </a:buClr>
+              <a:buFont typeface="Wingdings 2" pitchFamily="18" charset="2"/>
+              <a:buChar char=""/>
+              <a:defRPr sz="1400" kern="1200">
+                <a:solidFill>
+                  <a:schemeClr val="tx1">
+                    <a:lumMod val="85000"/>
+                    <a:lumOff val="15000"/>
+                  </a:schemeClr>
+                </a:solidFill>
+                <a:latin typeface="+mn-lt"/>
+                <a:ea typeface="+mn-ea"/>
+                <a:cs typeface="+mn-cs"/>
+              </a:defRPr>
+            </a:lvl5pPr>
+            <a:lvl6pPr marL="1600000" indent="-228600" algn="l" defTabSz="914400" rtl="0" eaLnBrk="1" latinLnBrk="0" hangingPunct="1">
+              <a:lnSpc>
+                <a:spcPct val="90000"/>
+              </a:lnSpc>
+              <a:spcBef>
+                <a:spcPts val="300"/>
+              </a:spcBef>
+              <a:spcAft>
+                <a:spcPts val="300"/>
+              </a:spcAft>
+              <a:buClr>
+                <a:schemeClr val="accent1"/>
+              </a:buClr>
+              <a:buFont typeface="Wingdings 2" pitchFamily="18" charset="2"/>
+              <a:buChar char=""/>
+              <a:defRPr sz="1400" kern="1200">
+                <a:solidFill>
+                  <a:schemeClr val="tx1">
+                    <a:lumMod val="85000"/>
+                    <a:lumOff val="15000"/>
+                  </a:schemeClr>
+                </a:solidFill>
+                <a:latin typeface="+mn-lt"/>
+                <a:ea typeface="+mn-ea"/>
+                <a:cs typeface="+mn-cs"/>
+              </a:defRPr>
+            </a:lvl6pPr>
+            <a:lvl7pPr marL="1900000" indent="-228600" algn="l" defTabSz="914400" rtl="0" eaLnBrk="1" latinLnBrk="0" hangingPunct="1">
+              <a:lnSpc>
+                <a:spcPct val="90000"/>
+              </a:lnSpc>
+              <a:spcBef>
+                <a:spcPts val="300"/>
+              </a:spcBef>
+              <a:spcAft>
+                <a:spcPts val="300"/>
+              </a:spcAft>
+              <a:buClr>
+                <a:schemeClr val="accent1"/>
+              </a:buClr>
+              <a:buFont typeface="Wingdings 2" pitchFamily="18" charset="2"/>
+              <a:buChar char=""/>
+              <a:defRPr sz="1400" kern="1200">
+                <a:solidFill>
+                  <a:schemeClr val="tx1">
+                    <a:lumMod val="85000"/>
+                    <a:lumOff val="15000"/>
+                  </a:schemeClr>
+                </a:solidFill>
+                <a:latin typeface="+mn-lt"/>
+                <a:ea typeface="+mn-ea"/>
+                <a:cs typeface="+mn-cs"/>
+              </a:defRPr>
+            </a:lvl7pPr>
+            <a:lvl8pPr marL="2200000" indent="-228600" algn="l" defTabSz="914400" rtl="0" eaLnBrk="1" latinLnBrk="0" hangingPunct="1">
+              <a:lnSpc>
+                <a:spcPct val="90000"/>
+              </a:lnSpc>
+              <a:spcBef>
+                <a:spcPts val="300"/>
+              </a:spcBef>
+              <a:spcAft>
+                <a:spcPts val="300"/>
+              </a:spcAft>
+              <a:buClr>
+                <a:schemeClr val="accent1"/>
+              </a:buClr>
+              <a:buFont typeface="Wingdings 2" pitchFamily="18" charset="2"/>
+              <a:buChar char=""/>
+              <a:defRPr sz="1400" kern="1200">
+                <a:solidFill>
+                  <a:schemeClr val="tx1">
+                    <a:lumMod val="85000"/>
+                    <a:lumOff val="15000"/>
+                  </a:schemeClr>
+                </a:solidFill>
+                <a:latin typeface="+mn-lt"/>
+                <a:ea typeface="+mn-ea"/>
+                <a:cs typeface="+mn-cs"/>
+              </a:defRPr>
+            </a:lvl8pPr>
+            <a:lvl9pPr marL="2500000" indent="-228600" algn="l" defTabSz="914400" rtl="0" eaLnBrk="1" latinLnBrk="0" hangingPunct="1">
+              <a:lnSpc>
+                <a:spcPct val="90000"/>
+              </a:lnSpc>
+              <a:spcBef>
+                <a:spcPts val="300"/>
+              </a:spcBef>
+              <a:spcAft>
+                <a:spcPts val="300"/>
+              </a:spcAft>
+              <a:buClr>
+                <a:schemeClr val="accent1"/>
+              </a:buClr>
+              <a:buFont typeface="Wingdings 2" pitchFamily="18" charset="2"/>
+              <a:buChar char=""/>
+              <a:defRPr sz="1400" kern="1200">
+                <a:solidFill>
+                  <a:schemeClr val="tx1">
+                    <a:lumMod val="85000"/>
+                    <a:lumOff val="15000"/>
+                  </a:schemeClr>
+                </a:solidFill>
+                <a:latin typeface="+mn-lt"/>
+                <a:ea typeface="+mn-ea"/>
+                <a:cs typeface="+mn-cs"/>
+              </a:defRPr>
+            </a:lvl9pPr>
+          </a:lstStyle>
+          <a:p>
+            <a:r>
+              <a:rPr lang="de-DE" sz="2400" dirty="0"/>
+              <a:t>Wähle Modellierungstechnik</a:t>
+            </a:r>
+          </a:p>
+          <a:p>
+            <a:r>
+              <a:rPr lang="de-DE" sz="2400" dirty="0"/>
+              <a:t>Erstelle Testdesign</a:t>
+            </a:r>
+          </a:p>
+          <a:p>
+            <a:r>
+              <a:rPr lang="de-DE" sz="2400" dirty="0"/>
+              <a:t>Konstruiere das Model mit passenden Parametern</a:t>
+            </a:r>
+          </a:p>
+          <a:p>
+            <a:r>
+              <a:rPr lang="de-DE" sz="2400" dirty="0"/>
+              <a:t>Bewerte das Model</a:t>
+            </a:r>
+          </a:p>
+          <a:p>
+            <a:endParaRPr lang="de-DE" sz="2400" dirty="0"/>
+          </a:p>
+          <a:p>
+            <a:pPr marL="0" indent="0">
+              <a:buNone/>
+            </a:pPr>
+            <a:endParaRPr lang="de-DE" sz="2400" dirty="0"/>
+          </a:p>
+          <a:p>
+            <a:endParaRPr lang="de-DE" sz="2400" dirty="0"/>
+          </a:p>
+          <a:p>
+            <a:endParaRPr lang="de-DE" sz="2400" dirty="0"/>
+          </a:p>
+          <a:p>
+            <a:endParaRPr lang="de-DE" sz="2400" dirty="0"/>
+          </a:p>
+          <a:p>
+            <a:endParaRPr lang="de-DE" sz="2400" dirty="0"/>
+          </a:p>
+          <a:p>
+            <a:endParaRPr lang="de-DE" sz="2400" dirty="0"/>
+          </a:p>
+          <a:p>
+            <a:endParaRPr lang="de-DE" sz="2400" dirty="0"/>
+          </a:p>
+          <a:p>
+            <a:endParaRPr lang="de-DE" sz="2400" dirty="0"/>
+          </a:p>
+          <a:p>
+            <a:endParaRPr lang="de-DE" sz="2400" dirty="0"/>
+          </a:p>
+          <a:p>
+            <a:endParaRPr lang="de-DE" sz="2400" dirty="0"/>
+          </a:p>
+          <a:p>
+            <a:endParaRPr lang="de-DE" sz="2400" dirty="0"/>
+          </a:p>
+          <a:p>
+            <a:endParaRPr lang="de-DE" sz="2400" dirty="0"/>
+          </a:p>
+          <a:p>
+            <a:endParaRPr lang="de-DE" sz="2400" dirty="0"/>
+          </a:p>
+          <a:p>
+            <a:endParaRPr lang="de-DE" sz="2400" dirty="0"/>
+          </a:p>
+          <a:p>
+            <a:endParaRPr lang="de-DE" sz="2400" dirty="0"/>
+          </a:p>
+          <a:p>
+            <a:endParaRPr lang="de-DE" sz="2400" dirty="0"/>
+          </a:p>
+          <a:p>
+            <a:endParaRPr lang="de-DE" sz="2400" dirty="0"/>
+          </a:p>
+          <a:p>
+            <a:pPr marL="0" indent="0">
+              <a:buNone/>
+            </a:pPr>
+            <a:endParaRPr lang="de-DE" sz="2400" dirty="0"/>
+          </a:p>
+          <a:p>
+            <a:endParaRPr lang="de-DE" sz="2400" dirty="0"/>
+          </a:p>
+        </p:txBody>
+      </p:sp>
+    </p:spTree>
+    <p:extLst>
+      <p:ext uri="{BB962C8B-B14F-4D97-AF65-F5344CB8AC3E}">
+        <p14:creationId xmlns:p14="http://schemas.microsoft.com/office/powerpoint/2010/main" val="3033990755"/>
+      </p:ext>
+    </p:extLst>
+  </p:cSld>
+  <p:clrMapOvr>
+    <a:masterClrMapping/>
+  </p:clrMapOvr>
+</p:sld>
+</file>
+
+<file path=ppt/slides/slide11.xml><?xml version="1.0" encoding="utf-8"?>
+<p:sld xmlns:a="http://schemas.openxmlformats.org/drawingml/2006/main" xmlns:r="http://schemas.openxmlformats.org/officeDocument/2006/relationships" xmlns:p="http://schemas.openxmlformats.org/presentationml/2006/main">
+  <p:cSld>
+    <p:bg>
+      <p:bgPr>
+        <a:solidFill>
+          <a:schemeClr val="bg1"/>
+        </a:solidFill>
+        <a:effectLst/>
+      </p:bgPr>
+    </p:bg>
+    <p:spTree>
+      <p:nvGrpSpPr>
+        <p:cNvPr id="1" name=""/>
+        <p:cNvGrpSpPr/>
+        <p:nvPr/>
+      </p:nvGrpSpPr>
+      <p:grpSpPr>
+        <a:xfrm>
+          <a:off x="0" y="0"/>
+          <a:ext cx="0" cy="0"/>
+          <a:chOff x="0" y="0"/>
+          <a:chExt cx="0" cy="0"/>
+        </a:xfrm>
+      </p:grpSpPr>
+      <p:sp>
+        <p:nvSpPr>
+          <p:cNvPr id="8" name="Rectangle 7">
+            <a:extLst>
+              <a:ext uri="{FF2B5EF4-FFF2-40B4-BE49-F238E27FC236}">
+                <a16:creationId xmlns:a16="http://schemas.microsoft.com/office/drawing/2014/main" id="{33801627-6861-4EA9-BE98-E0CE33A894D9}"/>
+              </a:ext>
+              <a:ext uri="{C183D7F6-B498-43B3-948B-1728B52AA6E4}">
+                <adec:decorative xmlns:adec="http://schemas.microsoft.com/office/drawing/2017/decorative" val="1"/>
+              </a:ext>
+            </a:extLst>
+          </p:cNvPr>
+          <p:cNvSpPr>
+            <a:spLocks noGrp="1" noRot="1" noChangeAspect="1" noMove="1" noResize="1" noEditPoints="1" noAdjustHandles="1" noChangeArrowheads="1" noChangeShapeType="1" noTextEdit="1"/>
+          </p:cNvSpPr>
+          <p:nvPr>
+            <p:extLst>
+              <p:ext uri="{386F3935-93C4-4BCD-93E2-E3B085C9AB24}">
+                <p16:designElem xmlns:p16="http://schemas.microsoft.com/office/powerpoint/2015/main" val="1"/>
+              </p:ext>
+            </p:extLst>
+          </p:nvPr>
+        </p:nvSpPr>
+        <p:spPr>
+          <a:xfrm>
+            <a:off x="1" y="0"/>
+            <a:ext cx="643466" cy="6858000"/>
+          </a:xfrm>
+          <a:prstGeom prst="rect">
+            <a:avLst/>
+          </a:prstGeom>
+          <a:solidFill>
+            <a:srgbClr val="0D0D0D"/>
+          </a:solidFill>
+          <a:ln>
+            <a:noFill/>
+          </a:ln>
+        </p:spPr>
+        <p:style>
+          <a:lnRef idx="2">
+            <a:schemeClr val="accent1">
+              <a:shade val="50000"/>
+            </a:schemeClr>
+          </a:lnRef>
+          <a:fillRef idx="1">
+            <a:schemeClr val="accent1"/>
+          </a:fillRef>
+          <a:effectRef idx="0">
+            <a:schemeClr val="accent1"/>
+          </a:effectRef>
+          <a:fontRef idx="minor">
+            <a:schemeClr val="lt1"/>
+          </a:fontRef>
+        </p:style>
+        <p:txBody>
+          <a:bodyPr rtlCol="0" anchor="ctr"/>
+          <a:lstStyle/>
+          <a:p>
+            <a:pPr algn="ctr"/>
+            <a:endParaRPr lang="en-US"/>
+          </a:p>
+        </p:txBody>
+      </p:sp>
+      <p:sp>
+        <p:nvSpPr>
+          <p:cNvPr id="10" name="Rectangle 9">
+            <a:extLst>
+              <a:ext uri="{FF2B5EF4-FFF2-40B4-BE49-F238E27FC236}">
+                <a16:creationId xmlns:a16="http://schemas.microsoft.com/office/drawing/2014/main" id="{93C1483F-490E-4C8A-8765-1F8AF0C67D5F}"/>
+              </a:ext>
+              <a:ext uri="{C183D7F6-B498-43B3-948B-1728B52AA6E4}">
+                <adec:decorative xmlns:adec="http://schemas.microsoft.com/office/drawing/2017/decorative" val="1"/>
+              </a:ext>
+            </a:extLst>
+          </p:cNvPr>
+          <p:cNvSpPr>
+            <a:spLocks noGrp="1" noRot="1" noChangeAspect="1" noMove="1" noResize="1" noEditPoints="1" noAdjustHandles="1" noChangeArrowheads="1" noChangeShapeType="1" noTextEdit="1"/>
+          </p:cNvSpPr>
+          <p:nvPr>
+            <p:extLst>
+              <p:ext uri="{386F3935-93C4-4BCD-93E2-E3B085C9AB24}">
+                <p16:designElem xmlns:p16="http://schemas.microsoft.com/office/powerpoint/2015/main" val="1"/>
+              </p:ext>
+            </p:extLst>
+          </p:nvPr>
+        </p:nvSpPr>
+        <p:spPr>
+          <a:xfrm>
+            <a:off x="643466" y="0"/>
+            <a:ext cx="3736189" cy="6858000"/>
+          </a:xfrm>
+          <a:prstGeom prst="rect">
+            <a:avLst/>
+          </a:prstGeom>
+          <a:solidFill>
+            <a:srgbClr val="292929"/>
+          </a:solidFill>
+          <a:ln>
+            <a:noFill/>
+          </a:ln>
+        </p:spPr>
+        <p:style>
+          <a:lnRef idx="2">
+            <a:schemeClr val="accent1">
+              <a:shade val="50000"/>
+            </a:schemeClr>
+          </a:lnRef>
+          <a:fillRef idx="1">
+            <a:schemeClr val="accent1"/>
+          </a:fillRef>
+          <a:effectRef idx="0">
+            <a:schemeClr val="accent1"/>
+          </a:effectRef>
+          <a:fontRef idx="minor">
+            <a:schemeClr val="lt1"/>
+          </a:fontRef>
+        </p:style>
+        <p:txBody>
+          <a:bodyPr rtlCol="0" anchor="ctr"/>
+          <a:lstStyle/>
+          <a:p>
+            <a:pPr algn="ctr"/>
+            <a:endParaRPr lang="en-US"/>
+          </a:p>
+        </p:txBody>
+      </p:sp>
+      <p:sp>
+        <p:nvSpPr>
+          <p:cNvPr id="2" name="Titel 1">
+            <a:extLst>
+              <a:ext uri="{FF2B5EF4-FFF2-40B4-BE49-F238E27FC236}">
+                <a16:creationId xmlns:a16="http://schemas.microsoft.com/office/drawing/2014/main" id="{084D98EA-66CF-4F5F-9E2A-4B03A441BEB9}"/>
+              </a:ext>
+            </a:extLst>
+          </p:cNvPr>
+          <p:cNvSpPr>
+            <a:spLocks noGrp="1"/>
+          </p:cNvSpPr>
+          <p:nvPr>
+            <p:ph type="title"/>
+          </p:nvPr>
+        </p:nvSpPr>
+        <p:spPr>
+          <a:xfrm>
+            <a:off x="965198" y="643466"/>
+            <a:ext cx="3092718" cy="5528734"/>
+          </a:xfrm>
+          <a:noFill/>
+        </p:spPr>
+        <p:txBody>
+          <a:bodyPr anchor="t">
+            <a:normAutofit/>
+          </a:bodyPr>
+          <a:lstStyle/>
+          <a:p>
+            <a:r>
+              <a:rPr lang="de-DE" sz="2800" dirty="0">
+                <a:solidFill>
+                  <a:srgbClr val="FFFFFF"/>
+                </a:solidFill>
+              </a:rPr>
+              <a:t>Evaluation</a:t>
+            </a:r>
+            <a:br>
+              <a:rPr lang="de-DE" sz="2800" dirty="0">
+                <a:solidFill>
+                  <a:srgbClr val="FFFFFF"/>
+                </a:solidFill>
+              </a:rPr>
+            </a:br>
+            <a:r>
+              <a:rPr lang="de-DE" sz="2800" dirty="0">
+                <a:solidFill>
+                  <a:srgbClr val="FFFFFF"/>
+                </a:solidFill>
+              </a:rPr>
+              <a:t>(</a:t>
+            </a:r>
+            <a:r>
+              <a:rPr lang="de-DE" sz="2800" dirty="0" err="1">
+                <a:solidFill>
+                  <a:srgbClr val="FFFFFF"/>
+                </a:solidFill>
+              </a:rPr>
+              <a:t>to</a:t>
+            </a:r>
+            <a:r>
+              <a:rPr lang="de-DE" sz="2800" dirty="0">
+                <a:solidFill>
+                  <a:srgbClr val="FFFFFF"/>
+                </a:solidFill>
+              </a:rPr>
+              <a:t> do)</a:t>
+            </a:r>
+          </a:p>
+        </p:txBody>
+      </p:sp>
+      <p:sp useBgFill="1">
+        <p:nvSpPr>
+          <p:cNvPr id="12" name="Rectangle 11">
+            <a:extLst>
+              <a:ext uri="{FF2B5EF4-FFF2-40B4-BE49-F238E27FC236}">
+                <a16:creationId xmlns:a16="http://schemas.microsoft.com/office/drawing/2014/main" id="{0249BF42-D05C-4553-9417-7B8695759291}"/>
+              </a:ext>
+              <a:ext uri="{C183D7F6-B498-43B3-948B-1728B52AA6E4}">
+                <adec:decorative xmlns:adec="http://schemas.microsoft.com/office/drawing/2017/decorative" val="1"/>
+              </a:ext>
+            </a:extLst>
+          </p:cNvPr>
+          <p:cNvSpPr>
+            <a:spLocks noGrp="1" noRot="1" noChangeAspect="1" noMove="1" noResize="1" noEditPoints="1" noAdjustHandles="1" noChangeArrowheads="1" noChangeShapeType="1" noTextEdit="1"/>
+          </p:cNvSpPr>
+          <p:nvPr>
+            <p:extLst>
+              <p:ext uri="{386F3935-93C4-4BCD-93E2-E3B085C9AB24}">
+                <p16:designElem xmlns:p16="http://schemas.microsoft.com/office/powerpoint/2015/main" val="1"/>
+              </p:ext>
+            </p:extLst>
+          </p:nvPr>
+        </p:nvSpPr>
+        <p:spPr>
+          <a:xfrm>
+            <a:off x="4379654" y="0"/>
+            <a:ext cx="6913185" cy="6858000"/>
+          </a:xfrm>
+          <a:prstGeom prst="rect">
+            <a:avLst/>
+          </a:prstGeom>
+          <a:ln>
+            <a:noFill/>
+          </a:ln>
+        </p:spPr>
+        <p:style>
+          <a:lnRef idx="2">
+            <a:schemeClr val="accent1">
+              <a:shade val="50000"/>
+            </a:schemeClr>
+          </a:lnRef>
+          <a:fillRef idx="1">
+            <a:schemeClr val="accent1"/>
+          </a:fillRef>
+          <a:effectRef idx="0">
+            <a:schemeClr val="accent1"/>
+          </a:effectRef>
+          <a:fontRef idx="minor">
+            <a:schemeClr val="lt1"/>
+          </a:fontRef>
+        </p:style>
+        <p:txBody>
+          <a:bodyPr rtlCol="0" anchor="ctr"/>
+          <a:lstStyle/>
+          <a:p>
+            <a:pPr algn="ctr"/>
+            <a:endParaRPr lang="en-US"/>
+          </a:p>
+        </p:txBody>
+      </p:sp>
+      <p:sp>
+        <p:nvSpPr>
+          <p:cNvPr id="13" name="Inhaltsplatzhalter 2">
+            <a:extLst>
+              <a:ext uri="{FF2B5EF4-FFF2-40B4-BE49-F238E27FC236}">
+                <a16:creationId xmlns:a16="http://schemas.microsoft.com/office/drawing/2014/main" id="{5D98CB0D-C00E-4ECA-B926-D323B162B34E}"/>
+              </a:ext>
+            </a:extLst>
+          </p:cNvPr>
+          <p:cNvSpPr txBox="1">
+            <a:spLocks/>
+          </p:cNvSpPr>
+          <p:nvPr/>
+        </p:nvSpPr>
+        <p:spPr>
+          <a:xfrm>
+            <a:off x="4701386" y="643466"/>
+            <a:ext cx="6525416" cy="6017107"/>
+          </a:xfrm>
+          <a:prstGeom prst="rect">
+            <a:avLst/>
+          </a:prstGeom>
+        </p:spPr>
+        <p:txBody>
+          <a:bodyPr vert="horz" lIns="91440" tIns="45720" rIns="91440" bIns="45720" rtlCol="0">
+            <a:normAutofit/>
+          </a:bodyPr>
+          <a:lstStyle>
+            <a:lvl1pPr marL="182880" indent="-182880" algn="l" defTabSz="914400" rtl="0" eaLnBrk="1" latinLnBrk="0" hangingPunct="1">
+              <a:lnSpc>
+                <a:spcPct val="95000"/>
+              </a:lnSpc>
+              <a:spcBef>
+                <a:spcPts val="1400"/>
+              </a:spcBef>
+              <a:spcAft>
+                <a:spcPts val="200"/>
+              </a:spcAft>
+              <a:buClr>
+                <a:schemeClr val="accent1"/>
+              </a:buClr>
+              <a:buSzPct val="80000"/>
+              <a:buFont typeface="Arial" pitchFamily="34" charset="0"/>
+              <a:buChar char="•"/>
+              <a:defRPr sz="1800" kern="1200" spc="10" baseline="0">
+                <a:solidFill>
+                  <a:schemeClr val="tx1"/>
+                </a:solidFill>
+                <a:latin typeface="+mn-lt"/>
+                <a:ea typeface="+mn-ea"/>
+                <a:cs typeface="+mn-cs"/>
+              </a:defRPr>
+            </a:lvl1pPr>
+            <a:lvl2pPr marL="457200" indent="-182880" algn="l" defTabSz="914400" rtl="0" eaLnBrk="1" latinLnBrk="0" hangingPunct="1">
+              <a:lnSpc>
+                <a:spcPct val="90000"/>
+              </a:lnSpc>
+              <a:spcBef>
+                <a:spcPts val="300"/>
+              </a:spcBef>
+              <a:spcAft>
+                <a:spcPts val="300"/>
+              </a:spcAft>
+              <a:buClr>
+                <a:schemeClr val="accent1"/>
+              </a:buClr>
+              <a:buFont typeface="Wingdings 2" pitchFamily="18" charset="2"/>
+              <a:buChar char=""/>
+              <a:defRPr sz="1600" kern="1200">
+                <a:solidFill>
+                  <a:schemeClr val="tx1">
+                    <a:lumMod val="85000"/>
+                    <a:lumOff val="15000"/>
+                  </a:schemeClr>
+                </a:solidFill>
+                <a:latin typeface="+mn-lt"/>
+                <a:ea typeface="+mn-ea"/>
+                <a:cs typeface="+mn-cs"/>
+              </a:defRPr>
+            </a:lvl2pPr>
+            <a:lvl3pPr marL="731520" indent="-182880" algn="l" defTabSz="914400" rtl="0" eaLnBrk="1" latinLnBrk="0" hangingPunct="1">
+              <a:lnSpc>
+                <a:spcPct val="90000"/>
+              </a:lnSpc>
+              <a:spcBef>
+                <a:spcPts val="300"/>
+              </a:spcBef>
+              <a:spcAft>
+                <a:spcPts val="300"/>
+              </a:spcAft>
+              <a:buClr>
+                <a:schemeClr val="accent1"/>
+              </a:buClr>
+              <a:buFont typeface="Wingdings 2" pitchFamily="18" charset="2"/>
+              <a:buChar char=""/>
+              <a:defRPr sz="1400" kern="1200">
+                <a:solidFill>
+                  <a:schemeClr val="tx1">
+                    <a:lumMod val="85000"/>
+                    <a:lumOff val="15000"/>
+                  </a:schemeClr>
+                </a:solidFill>
+                <a:latin typeface="+mn-lt"/>
+                <a:ea typeface="+mn-ea"/>
+                <a:cs typeface="+mn-cs"/>
+              </a:defRPr>
+            </a:lvl3pPr>
+            <a:lvl4pPr marL="1005840" indent="-182880" algn="l" defTabSz="914400" rtl="0" eaLnBrk="1" latinLnBrk="0" hangingPunct="1">
+              <a:lnSpc>
+                <a:spcPct val="90000"/>
+              </a:lnSpc>
+              <a:spcBef>
+                <a:spcPts val="300"/>
+              </a:spcBef>
+              <a:spcAft>
+                <a:spcPts val="300"/>
+              </a:spcAft>
+              <a:buClr>
+                <a:schemeClr val="accent1"/>
+              </a:buClr>
+              <a:buFont typeface="Wingdings 2" pitchFamily="18" charset="2"/>
+              <a:buChar char=""/>
+              <a:defRPr sz="1400" kern="1200">
+                <a:solidFill>
+                  <a:schemeClr val="tx1">
+                    <a:lumMod val="85000"/>
+                    <a:lumOff val="15000"/>
+                  </a:schemeClr>
+                </a:solidFill>
+                <a:latin typeface="+mn-lt"/>
+                <a:ea typeface="+mn-ea"/>
+                <a:cs typeface="+mn-cs"/>
+              </a:defRPr>
+            </a:lvl4pPr>
+            <a:lvl5pPr marL="1280160" indent="-182880" algn="l" defTabSz="914400" rtl="0" eaLnBrk="1" latinLnBrk="0" hangingPunct="1">
+              <a:lnSpc>
+                <a:spcPct val="90000"/>
+              </a:lnSpc>
+              <a:spcBef>
+                <a:spcPts val="300"/>
+              </a:spcBef>
+              <a:spcAft>
+                <a:spcPts val="300"/>
+              </a:spcAft>
+              <a:buClr>
+                <a:schemeClr val="accent1"/>
+              </a:buClr>
+              <a:buFont typeface="Wingdings 2" pitchFamily="18" charset="2"/>
+              <a:buChar char=""/>
+              <a:defRPr sz="1400" kern="1200">
+                <a:solidFill>
+                  <a:schemeClr val="tx1">
+                    <a:lumMod val="85000"/>
+                    <a:lumOff val="15000"/>
+                  </a:schemeClr>
+                </a:solidFill>
+                <a:latin typeface="+mn-lt"/>
+                <a:ea typeface="+mn-ea"/>
+                <a:cs typeface="+mn-cs"/>
+              </a:defRPr>
+            </a:lvl5pPr>
+            <a:lvl6pPr marL="1600000" indent="-228600" algn="l" defTabSz="914400" rtl="0" eaLnBrk="1" latinLnBrk="0" hangingPunct="1">
+              <a:lnSpc>
+                <a:spcPct val="90000"/>
+              </a:lnSpc>
+              <a:spcBef>
+                <a:spcPts val="300"/>
+              </a:spcBef>
+              <a:spcAft>
+                <a:spcPts val="300"/>
+              </a:spcAft>
+              <a:buClr>
+                <a:schemeClr val="accent1"/>
+              </a:buClr>
+              <a:buFont typeface="Wingdings 2" pitchFamily="18" charset="2"/>
+              <a:buChar char=""/>
+              <a:defRPr sz="1400" kern="1200">
+                <a:solidFill>
+                  <a:schemeClr val="tx1">
+                    <a:lumMod val="85000"/>
+                    <a:lumOff val="15000"/>
+                  </a:schemeClr>
+                </a:solidFill>
+                <a:latin typeface="+mn-lt"/>
+                <a:ea typeface="+mn-ea"/>
+                <a:cs typeface="+mn-cs"/>
+              </a:defRPr>
+            </a:lvl6pPr>
+            <a:lvl7pPr marL="1900000" indent="-228600" algn="l" defTabSz="914400" rtl="0" eaLnBrk="1" latinLnBrk="0" hangingPunct="1">
+              <a:lnSpc>
+                <a:spcPct val="90000"/>
+              </a:lnSpc>
+              <a:spcBef>
+                <a:spcPts val="300"/>
+              </a:spcBef>
+              <a:spcAft>
+                <a:spcPts val="300"/>
+              </a:spcAft>
+              <a:buClr>
+                <a:schemeClr val="accent1"/>
+              </a:buClr>
+              <a:buFont typeface="Wingdings 2" pitchFamily="18" charset="2"/>
+              <a:buChar char=""/>
+              <a:defRPr sz="1400" kern="1200">
+                <a:solidFill>
+                  <a:schemeClr val="tx1">
+                    <a:lumMod val="85000"/>
+                    <a:lumOff val="15000"/>
+                  </a:schemeClr>
+                </a:solidFill>
+                <a:latin typeface="+mn-lt"/>
+                <a:ea typeface="+mn-ea"/>
+                <a:cs typeface="+mn-cs"/>
+              </a:defRPr>
+            </a:lvl7pPr>
+            <a:lvl8pPr marL="2200000" indent="-228600" algn="l" defTabSz="914400" rtl="0" eaLnBrk="1" latinLnBrk="0" hangingPunct="1">
+              <a:lnSpc>
+                <a:spcPct val="90000"/>
+              </a:lnSpc>
+              <a:spcBef>
+                <a:spcPts val="300"/>
+              </a:spcBef>
+              <a:spcAft>
+                <a:spcPts val="300"/>
+              </a:spcAft>
+              <a:buClr>
+                <a:schemeClr val="accent1"/>
+              </a:buClr>
+              <a:buFont typeface="Wingdings 2" pitchFamily="18" charset="2"/>
+              <a:buChar char=""/>
+              <a:defRPr sz="1400" kern="1200">
+                <a:solidFill>
+                  <a:schemeClr val="tx1">
+                    <a:lumMod val="85000"/>
+                    <a:lumOff val="15000"/>
+                  </a:schemeClr>
+                </a:solidFill>
+                <a:latin typeface="+mn-lt"/>
+                <a:ea typeface="+mn-ea"/>
+                <a:cs typeface="+mn-cs"/>
+              </a:defRPr>
+            </a:lvl8pPr>
+            <a:lvl9pPr marL="2500000" indent="-228600" algn="l" defTabSz="914400" rtl="0" eaLnBrk="1" latinLnBrk="0" hangingPunct="1">
+              <a:lnSpc>
+                <a:spcPct val="90000"/>
+              </a:lnSpc>
+              <a:spcBef>
+                <a:spcPts val="300"/>
+              </a:spcBef>
+              <a:spcAft>
+                <a:spcPts val="300"/>
+              </a:spcAft>
+              <a:buClr>
+                <a:schemeClr val="accent1"/>
+              </a:buClr>
+              <a:buFont typeface="Wingdings 2" pitchFamily="18" charset="2"/>
+              <a:buChar char=""/>
+              <a:defRPr sz="1400" kern="1200">
+                <a:solidFill>
+                  <a:schemeClr val="tx1">
+                    <a:lumMod val="85000"/>
+                    <a:lumOff val="15000"/>
+                  </a:schemeClr>
+                </a:solidFill>
+                <a:latin typeface="+mn-lt"/>
+                <a:ea typeface="+mn-ea"/>
+                <a:cs typeface="+mn-cs"/>
+              </a:defRPr>
+            </a:lvl9pPr>
+          </a:lstStyle>
+          <a:p>
+            <a:r>
+              <a:rPr lang="de-DE" sz="2400" dirty="0"/>
+              <a:t>Bewerte die Ergebnisse</a:t>
+            </a:r>
+          </a:p>
+          <a:p>
+            <a:r>
+              <a:rPr lang="de-DE" sz="2400" dirty="0"/>
+              <a:t>Prüfe den Modellierungsprozess</a:t>
+            </a:r>
+          </a:p>
+          <a:p>
+            <a:r>
+              <a:rPr lang="de-DE" sz="2400" dirty="0"/>
+              <a:t>Lege nächste Schritte fest (Verbesserungen, </a:t>
+            </a:r>
+            <a:r>
+              <a:rPr lang="de-DE" sz="2400" dirty="0" err="1"/>
+              <a:t>Paramteranpassungen</a:t>
+            </a:r>
+            <a:r>
+              <a:rPr lang="de-DE" sz="2400" dirty="0"/>
+              <a:t>, …)</a:t>
+            </a:r>
+          </a:p>
+          <a:p>
+            <a:endParaRPr lang="de-DE" sz="2400" dirty="0"/>
+          </a:p>
+          <a:p>
+            <a:pPr marL="0" indent="0">
+              <a:buNone/>
+            </a:pPr>
+            <a:endParaRPr lang="de-DE" sz="2400" dirty="0"/>
+          </a:p>
+          <a:p>
+            <a:endParaRPr lang="de-DE" sz="2400" dirty="0"/>
+          </a:p>
+          <a:p>
+            <a:endParaRPr lang="de-DE" sz="2400" dirty="0"/>
+          </a:p>
+          <a:p>
+            <a:endParaRPr lang="de-DE" sz="2400" dirty="0"/>
+          </a:p>
+          <a:p>
+            <a:endParaRPr lang="de-DE" sz="2400" dirty="0"/>
+          </a:p>
+          <a:p>
+            <a:endParaRPr lang="de-DE" sz="2400" dirty="0"/>
+          </a:p>
+          <a:p>
+            <a:endParaRPr lang="de-DE" sz="2400" dirty="0"/>
+          </a:p>
+          <a:p>
+            <a:endParaRPr lang="de-DE" sz="2400" dirty="0"/>
+          </a:p>
+          <a:p>
+            <a:endParaRPr lang="de-DE" sz="2400" dirty="0"/>
+          </a:p>
+          <a:p>
+            <a:endParaRPr lang="de-DE" sz="2400" dirty="0"/>
+          </a:p>
+          <a:p>
+            <a:endParaRPr lang="de-DE" sz="2400" dirty="0"/>
+          </a:p>
+          <a:p>
+            <a:endParaRPr lang="de-DE" sz="2400" dirty="0"/>
+          </a:p>
+          <a:p>
+            <a:endParaRPr lang="de-DE" sz="2400" dirty="0"/>
+          </a:p>
+          <a:p>
+            <a:endParaRPr lang="de-DE" sz="2400" dirty="0"/>
+          </a:p>
+          <a:p>
+            <a:endParaRPr lang="de-DE" sz="2400" dirty="0"/>
+          </a:p>
+          <a:p>
+            <a:endParaRPr lang="de-DE" sz="2400" dirty="0"/>
+          </a:p>
+          <a:p>
+            <a:endParaRPr lang="de-DE" sz="2400" dirty="0"/>
+          </a:p>
+          <a:p>
+            <a:pPr marL="0" indent="0">
+              <a:buNone/>
+            </a:pPr>
+            <a:endParaRPr lang="de-DE" sz="2400" dirty="0"/>
+          </a:p>
+          <a:p>
+            <a:endParaRPr lang="de-DE" sz="2400" dirty="0"/>
+          </a:p>
+        </p:txBody>
+      </p:sp>
+    </p:spTree>
+    <p:extLst>
+      <p:ext uri="{BB962C8B-B14F-4D97-AF65-F5344CB8AC3E}">
+        <p14:creationId xmlns:p14="http://schemas.microsoft.com/office/powerpoint/2010/main" val="1193097347"/>
+      </p:ext>
+    </p:extLst>
+  </p:cSld>
+  <p:clrMapOvr>
+    <a:masterClrMapping/>
+  </p:clrMapOvr>
+</p:sld>
+</file>
+
+<file path=ppt/slides/slide12.xml><?xml version="1.0" encoding="utf-8"?>
+<p:sld xmlns:a="http://schemas.openxmlformats.org/drawingml/2006/main" xmlns:r="http://schemas.openxmlformats.org/officeDocument/2006/relationships" xmlns:p="http://schemas.openxmlformats.org/presentationml/2006/main">
+  <p:cSld>
+    <p:bg>
+      <p:bgPr>
+        <a:solidFill>
+          <a:schemeClr val="bg1"/>
+        </a:solidFill>
+        <a:effectLst/>
+      </p:bgPr>
+    </p:bg>
+    <p:spTree>
+      <p:nvGrpSpPr>
+        <p:cNvPr id="1" name=""/>
+        <p:cNvGrpSpPr/>
+        <p:nvPr/>
+      </p:nvGrpSpPr>
+      <p:grpSpPr>
+        <a:xfrm>
+          <a:off x="0" y="0"/>
+          <a:ext cx="0" cy="0"/>
+          <a:chOff x="0" y="0"/>
+          <a:chExt cx="0" cy="0"/>
+        </a:xfrm>
+      </p:grpSpPr>
+      <p:sp>
+        <p:nvSpPr>
+          <p:cNvPr id="8" name="Rectangle 7">
+            <a:extLst>
+              <a:ext uri="{FF2B5EF4-FFF2-40B4-BE49-F238E27FC236}">
+                <a16:creationId xmlns:a16="http://schemas.microsoft.com/office/drawing/2014/main" id="{33801627-6861-4EA9-BE98-E0CE33A894D9}"/>
+              </a:ext>
+              <a:ext uri="{C183D7F6-B498-43B3-948B-1728B52AA6E4}">
+                <adec:decorative xmlns:adec="http://schemas.microsoft.com/office/drawing/2017/decorative" val="1"/>
+              </a:ext>
+            </a:extLst>
+          </p:cNvPr>
+          <p:cNvSpPr>
+            <a:spLocks noGrp="1" noRot="1" noChangeAspect="1" noMove="1" noResize="1" noEditPoints="1" noAdjustHandles="1" noChangeArrowheads="1" noChangeShapeType="1" noTextEdit="1"/>
+          </p:cNvSpPr>
+          <p:nvPr>
+            <p:extLst>
+              <p:ext uri="{386F3935-93C4-4BCD-93E2-E3B085C9AB24}">
+                <p16:designElem xmlns:p16="http://schemas.microsoft.com/office/powerpoint/2015/main" val="1"/>
+              </p:ext>
+            </p:extLst>
+          </p:nvPr>
+        </p:nvSpPr>
+        <p:spPr>
+          <a:xfrm>
+            <a:off x="1" y="0"/>
+            <a:ext cx="643466" cy="6858000"/>
+          </a:xfrm>
+          <a:prstGeom prst="rect">
+            <a:avLst/>
+          </a:prstGeom>
+          <a:solidFill>
+            <a:srgbClr val="0D0D0D"/>
+          </a:solidFill>
+          <a:ln>
+            <a:noFill/>
+          </a:ln>
+        </p:spPr>
+        <p:style>
+          <a:lnRef idx="2">
+            <a:schemeClr val="accent1">
+              <a:shade val="50000"/>
+            </a:schemeClr>
+          </a:lnRef>
+          <a:fillRef idx="1">
+            <a:schemeClr val="accent1"/>
+          </a:fillRef>
+          <a:effectRef idx="0">
+            <a:schemeClr val="accent1"/>
+          </a:effectRef>
+          <a:fontRef idx="minor">
+            <a:schemeClr val="lt1"/>
+          </a:fontRef>
+        </p:style>
+        <p:txBody>
+          <a:bodyPr rtlCol="0" anchor="ctr"/>
+          <a:lstStyle/>
+          <a:p>
+            <a:pPr algn="ctr"/>
+            <a:endParaRPr lang="en-US"/>
+          </a:p>
+        </p:txBody>
+      </p:sp>
+      <p:sp>
+        <p:nvSpPr>
+          <p:cNvPr id="10" name="Rectangle 9">
+            <a:extLst>
+              <a:ext uri="{FF2B5EF4-FFF2-40B4-BE49-F238E27FC236}">
+                <a16:creationId xmlns:a16="http://schemas.microsoft.com/office/drawing/2014/main" id="{93C1483F-490E-4C8A-8765-1F8AF0C67D5F}"/>
+              </a:ext>
+              <a:ext uri="{C183D7F6-B498-43B3-948B-1728B52AA6E4}">
+                <adec:decorative xmlns:adec="http://schemas.microsoft.com/office/drawing/2017/decorative" val="1"/>
+              </a:ext>
+            </a:extLst>
+          </p:cNvPr>
+          <p:cNvSpPr>
+            <a:spLocks noGrp="1" noRot="1" noChangeAspect="1" noMove="1" noResize="1" noEditPoints="1" noAdjustHandles="1" noChangeArrowheads="1" noChangeShapeType="1" noTextEdit="1"/>
+          </p:cNvSpPr>
+          <p:nvPr>
+            <p:extLst>
+              <p:ext uri="{386F3935-93C4-4BCD-93E2-E3B085C9AB24}">
+                <p16:designElem xmlns:p16="http://schemas.microsoft.com/office/powerpoint/2015/main" val="1"/>
+              </p:ext>
+            </p:extLst>
+          </p:nvPr>
+        </p:nvSpPr>
+        <p:spPr>
+          <a:xfrm>
+            <a:off x="643466" y="0"/>
+            <a:ext cx="3736189" cy="6858000"/>
+          </a:xfrm>
+          <a:prstGeom prst="rect">
+            <a:avLst/>
+          </a:prstGeom>
+          <a:solidFill>
+            <a:srgbClr val="292929"/>
+          </a:solidFill>
+          <a:ln>
+            <a:noFill/>
+          </a:ln>
+        </p:spPr>
+        <p:style>
+          <a:lnRef idx="2">
+            <a:schemeClr val="accent1">
+              <a:shade val="50000"/>
+            </a:schemeClr>
+          </a:lnRef>
+          <a:fillRef idx="1">
+            <a:schemeClr val="accent1"/>
+          </a:fillRef>
+          <a:effectRef idx="0">
+            <a:schemeClr val="accent1"/>
+          </a:effectRef>
+          <a:fontRef idx="minor">
+            <a:schemeClr val="lt1"/>
+          </a:fontRef>
+        </p:style>
+        <p:txBody>
+          <a:bodyPr rtlCol="0" anchor="ctr"/>
+          <a:lstStyle/>
+          <a:p>
+            <a:pPr algn="ctr"/>
+            <a:endParaRPr lang="en-US"/>
+          </a:p>
+        </p:txBody>
+      </p:sp>
+      <p:sp>
+        <p:nvSpPr>
+          <p:cNvPr id="2" name="Titel 1">
+            <a:extLst>
+              <a:ext uri="{FF2B5EF4-FFF2-40B4-BE49-F238E27FC236}">
+                <a16:creationId xmlns:a16="http://schemas.microsoft.com/office/drawing/2014/main" id="{084D98EA-66CF-4F5F-9E2A-4B03A441BEB9}"/>
+              </a:ext>
+            </a:extLst>
+          </p:cNvPr>
+          <p:cNvSpPr>
+            <a:spLocks noGrp="1"/>
+          </p:cNvSpPr>
+          <p:nvPr>
+            <p:ph type="title"/>
+          </p:nvPr>
+        </p:nvSpPr>
+        <p:spPr>
+          <a:xfrm>
+            <a:off x="965198" y="643466"/>
+            <a:ext cx="3092718" cy="5528734"/>
+          </a:xfrm>
+          <a:noFill/>
+        </p:spPr>
+        <p:txBody>
+          <a:bodyPr anchor="t">
+            <a:normAutofit/>
+          </a:bodyPr>
+          <a:lstStyle/>
+          <a:p>
+            <a:r>
+              <a:rPr lang="de-DE" sz="2800" dirty="0" err="1">
+                <a:solidFill>
+                  <a:srgbClr val="FFFFFF"/>
+                </a:solidFill>
+              </a:rPr>
+              <a:t>Deployment</a:t>
+            </a:r>
+            <a:br>
+              <a:rPr lang="de-DE" sz="2800" dirty="0">
+                <a:solidFill>
+                  <a:srgbClr val="FFFFFF"/>
+                </a:solidFill>
+              </a:rPr>
+            </a:br>
+            <a:r>
+              <a:rPr lang="de-DE" sz="2800" dirty="0">
+                <a:solidFill>
+                  <a:srgbClr val="FFFFFF"/>
+                </a:solidFill>
+              </a:rPr>
+              <a:t>(</a:t>
+            </a:r>
+            <a:r>
+              <a:rPr lang="de-DE" sz="2800" dirty="0" err="1">
+                <a:solidFill>
+                  <a:srgbClr val="FFFFFF"/>
+                </a:solidFill>
+              </a:rPr>
+              <a:t>to</a:t>
+            </a:r>
+            <a:r>
+              <a:rPr lang="de-DE" sz="2800" dirty="0">
+                <a:solidFill>
+                  <a:srgbClr val="FFFFFF"/>
+                </a:solidFill>
+              </a:rPr>
+              <a:t> do)</a:t>
+            </a:r>
+          </a:p>
+        </p:txBody>
+      </p:sp>
+      <p:sp useBgFill="1">
+        <p:nvSpPr>
+          <p:cNvPr id="12" name="Rectangle 11">
+            <a:extLst>
+              <a:ext uri="{FF2B5EF4-FFF2-40B4-BE49-F238E27FC236}">
+                <a16:creationId xmlns:a16="http://schemas.microsoft.com/office/drawing/2014/main" id="{0249BF42-D05C-4553-9417-7B8695759291}"/>
+              </a:ext>
+              <a:ext uri="{C183D7F6-B498-43B3-948B-1728B52AA6E4}">
+                <adec:decorative xmlns:adec="http://schemas.microsoft.com/office/drawing/2017/decorative" val="1"/>
+              </a:ext>
+            </a:extLst>
+          </p:cNvPr>
+          <p:cNvSpPr>
+            <a:spLocks noGrp="1" noRot="1" noChangeAspect="1" noMove="1" noResize="1" noEditPoints="1" noAdjustHandles="1" noChangeArrowheads="1" noChangeShapeType="1" noTextEdit="1"/>
+          </p:cNvSpPr>
+          <p:nvPr>
+            <p:extLst>
+              <p:ext uri="{386F3935-93C4-4BCD-93E2-E3B085C9AB24}">
+                <p16:designElem xmlns:p16="http://schemas.microsoft.com/office/powerpoint/2015/main" val="1"/>
+              </p:ext>
+            </p:extLst>
+          </p:nvPr>
+        </p:nvSpPr>
+        <p:spPr>
+          <a:xfrm>
+            <a:off x="4379654" y="0"/>
+            <a:ext cx="6913185" cy="6858000"/>
+          </a:xfrm>
+          <a:prstGeom prst="rect">
+            <a:avLst/>
+          </a:prstGeom>
+          <a:ln>
+            <a:noFill/>
+          </a:ln>
+        </p:spPr>
+        <p:style>
+          <a:lnRef idx="2">
+            <a:schemeClr val="accent1">
+              <a:shade val="50000"/>
+            </a:schemeClr>
+          </a:lnRef>
+          <a:fillRef idx="1">
+            <a:schemeClr val="accent1"/>
+          </a:fillRef>
+          <a:effectRef idx="0">
+            <a:schemeClr val="accent1"/>
+          </a:effectRef>
+          <a:fontRef idx="minor">
+            <a:schemeClr val="lt1"/>
+          </a:fontRef>
+        </p:style>
+        <p:txBody>
+          <a:bodyPr rtlCol="0" anchor="ctr"/>
+          <a:lstStyle/>
+          <a:p>
+            <a:pPr algn="ctr"/>
+            <a:endParaRPr lang="en-US"/>
+          </a:p>
+        </p:txBody>
+      </p:sp>
+      <p:sp>
+        <p:nvSpPr>
+          <p:cNvPr id="13" name="Inhaltsplatzhalter 2">
+            <a:extLst>
+              <a:ext uri="{FF2B5EF4-FFF2-40B4-BE49-F238E27FC236}">
+                <a16:creationId xmlns:a16="http://schemas.microsoft.com/office/drawing/2014/main" id="{5D98CB0D-C00E-4ECA-B926-D323B162B34E}"/>
+              </a:ext>
+            </a:extLst>
+          </p:cNvPr>
+          <p:cNvSpPr txBox="1">
+            <a:spLocks/>
+          </p:cNvSpPr>
+          <p:nvPr/>
+        </p:nvSpPr>
+        <p:spPr>
+          <a:xfrm>
+            <a:off x="4701386" y="643466"/>
+            <a:ext cx="6525416" cy="6017107"/>
+          </a:xfrm>
+          <a:prstGeom prst="rect">
+            <a:avLst/>
+          </a:prstGeom>
+        </p:spPr>
+        <p:txBody>
+          <a:bodyPr vert="horz" lIns="91440" tIns="45720" rIns="91440" bIns="45720" rtlCol="0">
+            <a:normAutofit/>
+          </a:bodyPr>
+          <a:lstStyle>
+            <a:lvl1pPr marL="182880" indent="-182880" algn="l" defTabSz="914400" rtl="0" eaLnBrk="1" latinLnBrk="0" hangingPunct="1">
+              <a:lnSpc>
+                <a:spcPct val="95000"/>
+              </a:lnSpc>
+              <a:spcBef>
+                <a:spcPts val="1400"/>
+              </a:spcBef>
+              <a:spcAft>
+                <a:spcPts val="200"/>
+              </a:spcAft>
+              <a:buClr>
+                <a:schemeClr val="accent1"/>
+              </a:buClr>
+              <a:buSzPct val="80000"/>
+              <a:buFont typeface="Arial" pitchFamily="34" charset="0"/>
+              <a:buChar char="•"/>
+              <a:defRPr sz="1800" kern="1200" spc="10" baseline="0">
+                <a:solidFill>
+                  <a:schemeClr val="tx1"/>
+                </a:solidFill>
+                <a:latin typeface="+mn-lt"/>
+                <a:ea typeface="+mn-ea"/>
+                <a:cs typeface="+mn-cs"/>
+              </a:defRPr>
+            </a:lvl1pPr>
+            <a:lvl2pPr marL="457200" indent="-182880" algn="l" defTabSz="914400" rtl="0" eaLnBrk="1" latinLnBrk="0" hangingPunct="1">
+              <a:lnSpc>
+                <a:spcPct val="90000"/>
+              </a:lnSpc>
+              <a:spcBef>
+                <a:spcPts val="300"/>
+              </a:spcBef>
+              <a:spcAft>
+                <a:spcPts val="300"/>
+              </a:spcAft>
+              <a:buClr>
+                <a:schemeClr val="accent1"/>
+              </a:buClr>
+              <a:buFont typeface="Wingdings 2" pitchFamily="18" charset="2"/>
+              <a:buChar char=""/>
+              <a:defRPr sz="1600" kern="1200">
+                <a:solidFill>
+                  <a:schemeClr val="tx1">
+                    <a:lumMod val="85000"/>
+                    <a:lumOff val="15000"/>
+                  </a:schemeClr>
+                </a:solidFill>
+                <a:latin typeface="+mn-lt"/>
+                <a:ea typeface="+mn-ea"/>
+                <a:cs typeface="+mn-cs"/>
+              </a:defRPr>
+            </a:lvl2pPr>
+            <a:lvl3pPr marL="731520" indent="-182880" algn="l" defTabSz="914400" rtl="0" eaLnBrk="1" latinLnBrk="0" hangingPunct="1">
+              <a:lnSpc>
+                <a:spcPct val="90000"/>
+              </a:lnSpc>
+              <a:spcBef>
+                <a:spcPts val="300"/>
+              </a:spcBef>
+              <a:spcAft>
+                <a:spcPts val="300"/>
+              </a:spcAft>
+              <a:buClr>
+                <a:schemeClr val="accent1"/>
+              </a:buClr>
+              <a:buFont typeface="Wingdings 2" pitchFamily="18" charset="2"/>
+              <a:buChar char=""/>
+              <a:defRPr sz="1400" kern="1200">
+                <a:solidFill>
+                  <a:schemeClr val="tx1">
+                    <a:lumMod val="85000"/>
+                    <a:lumOff val="15000"/>
+                  </a:schemeClr>
+                </a:solidFill>
+                <a:latin typeface="+mn-lt"/>
+                <a:ea typeface="+mn-ea"/>
+                <a:cs typeface="+mn-cs"/>
+              </a:defRPr>
+            </a:lvl3pPr>
+            <a:lvl4pPr marL="1005840" indent="-182880" algn="l" defTabSz="914400" rtl="0" eaLnBrk="1" latinLnBrk="0" hangingPunct="1">
+              <a:lnSpc>
+                <a:spcPct val="90000"/>
+              </a:lnSpc>
+              <a:spcBef>
+                <a:spcPts val="300"/>
+              </a:spcBef>
+              <a:spcAft>
+                <a:spcPts val="300"/>
+              </a:spcAft>
+              <a:buClr>
+                <a:schemeClr val="accent1"/>
+              </a:buClr>
+              <a:buFont typeface="Wingdings 2" pitchFamily="18" charset="2"/>
+              <a:buChar char=""/>
+              <a:defRPr sz="1400" kern="1200">
+                <a:solidFill>
+                  <a:schemeClr val="tx1">
+                    <a:lumMod val="85000"/>
+                    <a:lumOff val="15000"/>
+                  </a:schemeClr>
+                </a:solidFill>
+                <a:latin typeface="+mn-lt"/>
+                <a:ea typeface="+mn-ea"/>
+                <a:cs typeface="+mn-cs"/>
+              </a:defRPr>
+            </a:lvl4pPr>
+            <a:lvl5pPr marL="1280160" indent="-182880" algn="l" defTabSz="914400" rtl="0" eaLnBrk="1" latinLnBrk="0" hangingPunct="1">
+              <a:lnSpc>
+                <a:spcPct val="90000"/>
+              </a:lnSpc>
+              <a:spcBef>
+                <a:spcPts val="300"/>
+              </a:spcBef>
+              <a:spcAft>
+                <a:spcPts val="300"/>
+              </a:spcAft>
+              <a:buClr>
+                <a:schemeClr val="accent1"/>
+              </a:buClr>
+              <a:buFont typeface="Wingdings 2" pitchFamily="18" charset="2"/>
+              <a:buChar char=""/>
+              <a:defRPr sz="1400" kern="1200">
+                <a:solidFill>
+                  <a:schemeClr val="tx1">
+                    <a:lumMod val="85000"/>
+                    <a:lumOff val="15000"/>
+                  </a:schemeClr>
+                </a:solidFill>
+                <a:latin typeface="+mn-lt"/>
+                <a:ea typeface="+mn-ea"/>
+                <a:cs typeface="+mn-cs"/>
+              </a:defRPr>
+            </a:lvl5pPr>
+            <a:lvl6pPr marL="1600000" indent="-228600" algn="l" defTabSz="914400" rtl="0" eaLnBrk="1" latinLnBrk="0" hangingPunct="1">
+              <a:lnSpc>
+                <a:spcPct val="90000"/>
+              </a:lnSpc>
+              <a:spcBef>
+                <a:spcPts val="300"/>
+              </a:spcBef>
+              <a:spcAft>
+                <a:spcPts val="300"/>
+              </a:spcAft>
+              <a:buClr>
+                <a:schemeClr val="accent1"/>
+              </a:buClr>
+              <a:buFont typeface="Wingdings 2" pitchFamily="18" charset="2"/>
+              <a:buChar char=""/>
+              <a:defRPr sz="1400" kern="1200">
+                <a:solidFill>
+                  <a:schemeClr val="tx1">
+                    <a:lumMod val="85000"/>
+                    <a:lumOff val="15000"/>
+                  </a:schemeClr>
+                </a:solidFill>
+                <a:latin typeface="+mn-lt"/>
+                <a:ea typeface="+mn-ea"/>
+                <a:cs typeface="+mn-cs"/>
+              </a:defRPr>
+            </a:lvl6pPr>
+            <a:lvl7pPr marL="1900000" indent="-228600" algn="l" defTabSz="914400" rtl="0" eaLnBrk="1" latinLnBrk="0" hangingPunct="1">
+              <a:lnSpc>
+                <a:spcPct val="90000"/>
+              </a:lnSpc>
+              <a:spcBef>
+                <a:spcPts val="300"/>
+              </a:spcBef>
+              <a:spcAft>
+                <a:spcPts val="300"/>
+              </a:spcAft>
+              <a:buClr>
+                <a:schemeClr val="accent1"/>
+              </a:buClr>
+              <a:buFont typeface="Wingdings 2" pitchFamily="18" charset="2"/>
+              <a:buChar char=""/>
+              <a:defRPr sz="1400" kern="1200">
+                <a:solidFill>
+                  <a:schemeClr val="tx1">
+                    <a:lumMod val="85000"/>
+                    <a:lumOff val="15000"/>
+                  </a:schemeClr>
+                </a:solidFill>
+                <a:latin typeface="+mn-lt"/>
+                <a:ea typeface="+mn-ea"/>
+                <a:cs typeface="+mn-cs"/>
+              </a:defRPr>
+            </a:lvl7pPr>
+            <a:lvl8pPr marL="2200000" indent="-228600" algn="l" defTabSz="914400" rtl="0" eaLnBrk="1" latinLnBrk="0" hangingPunct="1">
+              <a:lnSpc>
+                <a:spcPct val="90000"/>
+              </a:lnSpc>
+              <a:spcBef>
+                <a:spcPts val="300"/>
+              </a:spcBef>
+              <a:spcAft>
+                <a:spcPts val="300"/>
+              </a:spcAft>
+              <a:buClr>
+                <a:schemeClr val="accent1"/>
+              </a:buClr>
+              <a:buFont typeface="Wingdings 2" pitchFamily="18" charset="2"/>
+              <a:buChar char=""/>
+              <a:defRPr sz="1400" kern="1200">
+                <a:solidFill>
+                  <a:schemeClr val="tx1">
+                    <a:lumMod val="85000"/>
+                    <a:lumOff val="15000"/>
+                  </a:schemeClr>
+                </a:solidFill>
+                <a:latin typeface="+mn-lt"/>
+                <a:ea typeface="+mn-ea"/>
+                <a:cs typeface="+mn-cs"/>
+              </a:defRPr>
+            </a:lvl8pPr>
+            <a:lvl9pPr marL="2500000" indent="-228600" algn="l" defTabSz="914400" rtl="0" eaLnBrk="1" latinLnBrk="0" hangingPunct="1">
+              <a:lnSpc>
+                <a:spcPct val="90000"/>
+              </a:lnSpc>
+              <a:spcBef>
+                <a:spcPts val="300"/>
+              </a:spcBef>
+              <a:spcAft>
+                <a:spcPts val="300"/>
+              </a:spcAft>
+              <a:buClr>
+                <a:schemeClr val="accent1"/>
+              </a:buClr>
+              <a:buFont typeface="Wingdings 2" pitchFamily="18" charset="2"/>
+              <a:buChar char=""/>
+              <a:defRPr sz="1400" kern="1200">
+                <a:solidFill>
+                  <a:schemeClr val="tx1">
+                    <a:lumMod val="85000"/>
+                    <a:lumOff val="15000"/>
+                  </a:schemeClr>
+                </a:solidFill>
+                <a:latin typeface="+mn-lt"/>
+                <a:ea typeface="+mn-ea"/>
+                <a:cs typeface="+mn-cs"/>
+              </a:defRPr>
+            </a:lvl9pPr>
+          </a:lstStyle>
+          <a:p>
+            <a:r>
+              <a:rPr lang="de-DE" sz="2400" dirty="0"/>
+              <a:t>Erstelle Plan für Verteilung</a:t>
+            </a:r>
+          </a:p>
+          <a:p>
+            <a:r>
+              <a:rPr lang="de-DE" sz="2400" dirty="0"/>
+              <a:t>Erstelle Plan für Überwachung und Betrieb</a:t>
+            </a:r>
+          </a:p>
+          <a:p>
+            <a:r>
+              <a:rPr lang="de-DE" sz="2400" dirty="0"/>
+              <a:t>Erstelle finalen Bericht</a:t>
+            </a:r>
+          </a:p>
+          <a:p>
+            <a:r>
+              <a:rPr lang="de-DE" sz="2400" dirty="0"/>
+              <a:t>Bewerte Gesamtprojekt</a:t>
+            </a:r>
+          </a:p>
+          <a:p>
+            <a:endParaRPr lang="de-DE" sz="2400" dirty="0"/>
+          </a:p>
+          <a:p>
+            <a:pPr marL="0" indent="0">
+              <a:buNone/>
+            </a:pPr>
+            <a:endParaRPr lang="de-DE" sz="2400" dirty="0"/>
+          </a:p>
+          <a:p>
+            <a:endParaRPr lang="de-DE" sz="2400" dirty="0"/>
+          </a:p>
+          <a:p>
+            <a:endParaRPr lang="de-DE" sz="2400" dirty="0"/>
+          </a:p>
+          <a:p>
+            <a:endParaRPr lang="de-DE" sz="2400" dirty="0"/>
+          </a:p>
+          <a:p>
+            <a:endParaRPr lang="de-DE" sz="2400" dirty="0"/>
+          </a:p>
+          <a:p>
+            <a:endParaRPr lang="de-DE" sz="2400" dirty="0"/>
+          </a:p>
+          <a:p>
+            <a:endParaRPr lang="de-DE" sz="2400" dirty="0"/>
+          </a:p>
+          <a:p>
+            <a:endParaRPr lang="de-DE" sz="2400" dirty="0"/>
+          </a:p>
+          <a:p>
+            <a:endParaRPr lang="de-DE" sz="2400" dirty="0"/>
+          </a:p>
+          <a:p>
+            <a:endParaRPr lang="de-DE" sz="2400" dirty="0"/>
+          </a:p>
+          <a:p>
+            <a:endParaRPr lang="de-DE" sz="2400" dirty="0"/>
+          </a:p>
+          <a:p>
+            <a:endParaRPr lang="de-DE" sz="2400" dirty="0"/>
+          </a:p>
+          <a:p>
+            <a:endParaRPr lang="de-DE" sz="2400" dirty="0"/>
+          </a:p>
+          <a:p>
+            <a:endParaRPr lang="de-DE" sz="2400" dirty="0"/>
+          </a:p>
+          <a:p>
+            <a:endParaRPr lang="de-DE" sz="2400" dirty="0"/>
+          </a:p>
+          <a:p>
+            <a:endParaRPr lang="de-DE" sz="2400" dirty="0"/>
+          </a:p>
+          <a:p>
+            <a:endParaRPr lang="de-DE" sz="2400" dirty="0"/>
+          </a:p>
+          <a:p>
+            <a:pPr marL="0" indent="0">
+              <a:buNone/>
+            </a:pPr>
+            <a:endParaRPr lang="de-DE" sz="2400" dirty="0"/>
+          </a:p>
+          <a:p>
+            <a:endParaRPr lang="de-DE" sz="2400" dirty="0"/>
+          </a:p>
+        </p:txBody>
+      </p:sp>
+    </p:spTree>
+    <p:extLst>
+      <p:ext uri="{BB962C8B-B14F-4D97-AF65-F5344CB8AC3E}">
+        <p14:creationId xmlns:p14="http://schemas.microsoft.com/office/powerpoint/2010/main" val="1606190078"/>
+      </p:ext>
+    </p:extLst>
+  </p:cSld>
+  <p:clrMapOvr>
+    <a:masterClrMapping/>
+  </p:clrMapOvr>
+</p:sld>
+</file>
+
+<file path=ppt/slides/slide13.xml><?xml version="1.0" encoding="utf-8"?>
+<p:sld xmlns:a="http://schemas.openxmlformats.org/drawingml/2006/main" xmlns:r="http://schemas.openxmlformats.org/officeDocument/2006/relationships" xmlns:p="http://schemas.openxmlformats.org/presentationml/2006/main">
+  <p:cSld>
+    <p:bg>
+      <p:bgPr>
+        <a:solidFill>
+          <a:schemeClr val="bg1">
+            <a:tint val="95000"/>
+            <a:satMod val="170000"/>
+          </a:schemeClr>
+        </a:solidFill>
+        <a:effectLst/>
+      </p:bgPr>
+    </p:bg>
+    <p:spTree>
+      <p:nvGrpSpPr>
+        <p:cNvPr id="1" name=""/>
+        <p:cNvGrpSpPr/>
+        <p:nvPr/>
+      </p:nvGrpSpPr>
+      <p:grpSpPr>
+        <a:xfrm>
+          <a:off x="0" y="0"/>
+          <a:ext cx="0" cy="0"/>
+          <a:chOff x="0" y="0"/>
+          <a:chExt cx="0" cy="0"/>
+        </a:xfrm>
+      </p:grpSpPr>
+      <p:sp>
+        <p:nvSpPr>
+          <p:cNvPr id="18" name="Rectangle 17">
+            <a:extLst>
+              <a:ext uri="{FF2B5EF4-FFF2-40B4-BE49-F238E27FC236}">
+                <a16:creationId xmlns:a16="http://schemas.microsoft.com/office/drawing/2014/main" id="{106378C3-EA41-4A0B-8144-97AF179E9AB7}"/>
+              </a:ext>
+              <a:ext uri="{C183D7F6-B498-43B3-948B-1728B52AA6E4}">
+                <adec:decorative xmlns:adec="http://schemas.microsoft.com/office/drawing/2017/decorative" val="1"/>
+              </a:ext>
+            </a:extLst>
+          </p:cNvPr>
+          <p:cNvSpPr>
+            <a:spLocks noGrp="1" noRot="1" noChangeAspect="1" noMove="1" noResize="1" noEditPoints="1" noAdjustHandles="1" noChangeArrowheads="1" noChangeShapeType="1" noTextEdit="1"/>
+          </p:cNvSpPr>
+          <p:nvPr>
+            <p:extLst>
+              <p:ext uri="{386F3935-93C4-4BCD-93E2-E3B085C9AB24}">
+                <p16:designElem xmlns:p16="http://schemas.microsoft.com/office/powerpoint/2015/main" val="1"/>
+              </p:ext>
+            </p:extLst>
+          </p:nvPr>
+        </p:nvSpPr>
+        <p:spPr>
+          <a:xfrm>
+            <a:off x="0" y="1"/>
+            <a:ext cx="1286934" cy="6858000"/>
+          </a:xfrm>
+          <a:prstGeom prst="rect">
+            <a:avLst/>
+          </a:prstGeom>
+          <a:ln>
+            <a:noFill/>
+          </a:ln>
+        </p:spPr>
+        <p:style>
+          <a:lnRef idx="2">
+            <a:schemeClr val="accent1">
+              <a:shade val="50000"/>
+            </a:schemeClr>
+          </a:lnRef>
+          <a:fillRef idx="1">
+            <a:schemeClr val="accent1"/>
+          </a:fillRef>
+          <a:effectRef idx="0">
+            <a:schemeClr val="accent1"/>
+          </a:effectRef>
+          <a:fontRef idx="minor">
+            <a:schemeClr val="lt1"/>
+          </a:fontRef>
+        </p:style>
+        <p:txBody>
+          <a:bodyPr rtlCol="0" anchor="ctr"/>
+          <a:lstStyle/>
+          <a:p>
+            <a:pPr algn="ctr"/>
+            <a:endParaRPr lang="en-US"/>
+          </a:p>
+        </p:txBody>
+      </p:sp>
+      <p:sp>
+        <p:nvSpPr>
+          <p:cNvPr id="20" name="Rectangle 19">
+            <a:extLst>
+              <a:ext uri="{FF2B5EF4-FFF2-40B4-BE49-F238E27FC236}">
+                <a16:creationId xmlns:a16="http://schemas.microsoft.com/office/drawing/2014/main" id="{2ABC575D-863A-449B-AA18-A22D2A84C832}"/>
+              </a:ext>
+              <a:ext uri="{C183D7F6-B498-43B3-948B-1728B52AA6E4}">
+                <adec:decorative xmlns:adec="http://schemas.microsoft.com/office/drawing/2017/decorative" val="1"/>
+              </a:ext>
+            </a:extLst>
+          </p:cNvPr>
+          <p:cNvSpPr>
+            <a:spLocks noGrp="1" noRot="1" noChangeAspect="1" noMove="1" noResize="1" noEditPoints="1" noAdjustHandles="1" noChangeArrowheads="1" noChangeShapeType="1" noTextEdit="1"/>
+          </p:cNvSpPr>
+          <p:nvPr>
+            <p:extLst>
+              <p:ext uri="{386F3935-93C4-4BCD-93E2-E3B085C9AB24}">
+                <p16:designElem xmlns:p16="http://schemas.microsoft.com/office/powerpoint/2015/main" val="1"/>
+              </p:ext>
+            </p:extLst>
+          </p:nvPr>
+        </p:nvSpPr>
+        <p:spPr>
+          <a:xfrm>
+            <a:off x="6129752" y="0"/>
+            <a:ext cx="5165308" cy="6858000"/>
+          </a:xfrm>
+          <a:prstGeom prst="rect">
+            <a:avLst/>
+          </a:prstGeom>
+          <a:solidFill>
+            <a:schemeClr val="bg1">
+              <a:lumMod val="85000"/>
+              <a:lumOff val="15000"/>
+            </a:schemeClr>
+          </a:solidFill>
+          <a:ln>
+            <a:noFill/>
+          </a:ln>
+        </p:spPr>
+        <p:style>
+          <a:lnRef idx="2">
+            <a:schemeClr val="accent1">
+              <a:shade val="50000"/>
+            </a:schemeClr>
+          </a:lnRef>
+          <a:fillRef idx="1">
+            <a:schemeClr val="accent1"/>
+          </a:fillRef>
+          <a:effectRef idx="0">
+            <a:schemeClr val="accent1"/>
+          </a:effectRef>
+          <a:fontRef idx="minor">
+            <a:schemeClr val="lt1"/>
+          </a:fontRef>
+        </p:style>
+        <p:txBody>
+          <a:bodyPr rtlCol="0" anchor="ctr"/>
+          <a:lstStyle/>
+          <a:p>
+            <a:pPr algn="ctr"/>
+            <a:endParaRPr lang="en-US"/>
+          </a:p>
+        </p:txBody>
+      </p:sp>
+      <p:sp>
+        <p:nvSpPr>
+          <p:cNvPr id="2" name="Titel 1">
+            <a:extLst>
+              <a:ext uri="{FF2B5EF4-FFF2-40B4-BE49-F238E27FC236}">
+                <a16:creationId xmlns:a16="http://schemas.microsoft.com/office/drawing/2014/main" id="{084D98EA-66CF-4F5F-9E2A-4B03A441BEB9}"/>
+              </a:ext>
+            </a:extLst>
+          </p:cNvPr>
+          <p:cNvSpPr>
+            <a:spLocks noGrp="1"/>
+          </p:cNvSpPr>
+          <p:nvPr>
+            <p:ph type="title"/>
+          </p:nvPr>
+        </p:nvSpPr>
+        <p:spPr>
+          <a:xfrm>
+            <a:off x="6502869" y="2394373"/>
+            <a:ext cx="4419074" cy="5560272"/>
+          </a:xfrm>
+        </p:spPr>
+        <p:txBody>
+          <a:bodyPr vert="horz" lIns="91440" tIns="45720" rIns="91440" bIns="45720" rtlCol="0" anchor="ctr">
+            <a:normAutofit/>
+          </a:bodyPr>
+          <a:lstStyle/>
+          <a:p>
+            <a:r>
+              <a:rPr lang="en-US" sz="6000" dirty="0"/>
+              <a:t>Feedback</a:t>
+            </a:r>
+            <a:br>
+              <a:rPr lang="en-US" dirty="0"/>
+            </a:br>
+            <a:br>
+              <a:rPr lang="en-US" dirty="0"/>
+            </a:br>
+            <a:r>
+              <a:rPr lang="de-DE" sz="2000" dirty="0" err="1"/>
+              <a:t>Don‘t</a:t>
+            </a:r>
+            <a:r>
+              <a:rPr lang="de-DE" sz="2000" dirty="0"/>
+              <a:t> </a:t>
+            </a:r>
+            <a:r>
+              <a:rPr lang="de-DE" sz="2000" dirty="0" err="1"/>
+              <a:t>Get</a:t>
+            </a:r>
+            <a:r>
+              <a:rPr lang="de-DE" sz="2000" dirty="0"/>
+              <a:t> </a:t>
+            </a:r>
+            <a:r>
+              <a:rPr lang="de-DE" sz="2000" dirty="0" err="1"/>
+              <a:t>Kicked</a:t>
+            </a:r>
+            <a:br>
+              <a:rPr lang="de-DE" sz="2000" dirty="0"/>
+            </a:br>
+            <a:br>
+              <a:rPr lang="de-DE" sz="2000" dirty="0"/>
+            </a:br>
+            <a:br>
+              <a:rPr lang="de-DE" sz="2000" dirty="0"/>
+            </a:br>
+            <a:r>
+              <a:rPr lang="de-DE" sz="2000" dirty="0"/>
+              <a:t>Fabian Voß</a:t>
+            </a:r>
+            <a:br>
+              <a:rPr lang="de-DE" dirty="0"/>
+            </a:br>
+            <a:br>
+              <a:rPr lang="de-DE" sz="4400" dirty="0"/>
+            </a:br>
+            <a:br>
+              <a:rPr lang="en-US" dirty="0"/>
+            </a:br>
+            <a:endParaRPr lang="en-US" dirty="0"/>
+          </a:p>
+        </p:txBody>
+      </p:sp>
+      <p:sp>
+        <p:nvSpPr>
+          <p:cNvPr id="13" name="Inhaltsplatzhalter 2">
+            <a:extLst>
+              <a:ext uri="{FF2B5EF4-FFF2-40B4-BE49-F238E27FC236}">
+                <a16:creationId xmlns:a16="http://schemas.microsoft.com/office/drawing/2014/main" id="{5D98CB0D-C00E-4ECA-B926-D323B162B34E}"/>
+              </a:ext>
+            </a:extLst>
+          </p:cNvPr>
+          <p:cNvSpPr txBox="1">
+            <a:spLocks/>
+          </p:cNvSpPr>
+          <p:nvPr/>
+        </p:nvSpPr>
+        <p:spPr>
+          <a:xfrm>
+            <a:off x="1732248" y="643465"/>
+            <a:ext cx="4009730" cy="5528735"/>
+          </a:xfrm>
+          <a:prstGeom prst="rect">
+            <a:avLst/>
+          </a:prstGeom>
+        </p:spPr>
+        <p:txBody>
+          <a:bodyPr vert="horz" lIns="91440" tIns="45720" rIns="91440" bIns="45720" rtlCol="0" anchor="ctr">
+            <a:normAutofit/>
+          </a:bodyPr>
+          <a:lstStyle>
+            <a:lvl1pPr marL="182880" indent="-182880" algn="l" defTabSz="914400" rtl="0" eaLnBrk="1" latinLnBrk="0" hangingPunct="1">
+              <a:lnSpc>
+                <a:spcPct val="95000"/>
+              </a:lnSpc>
+              <a:spcBef>
+                <a:spcPts val="1400"/>
+              </a:spcBef>
+              <a:spcAft>
+                <a:spcPts val="200"/>
+              </a:spcAft>
+              <a:buClr>
+                <a:schemeClr val="accent1"/>
+              </a:buClr>
+              <a:buSzPct val="80000"/>
+              <a:buFont typeface="Arial" pitchFamily="34" charset="0"/>
+              <a:buChar char="•"/>
+              <a:defRPr sz="1800" kern="1200" spc="10" baseline="0">
+                <a:solidFill>
+                  <a:schemeClr val="tx1"/>
+                </a:solidFill>
+                <a:latin typeface="+mn-lt"/>
+                <a:ea typeface="+mn-ea"/>
+                <a:cs typeface="+mn-cs"/>
+              </a:defRPr>
+            </a:lvl1pPr>
+            <a:lvl2pPr marL="457200" indent="-182880" algn="l" defTabSz="914400" rtl="0" eaLnBrk="1" latinLnBrk="0" hangingPunct="1">
+              <a:lnSpc>
+                <a:spcPct val="90000"/>
+              </a:lnSpc>
+              <a:spcBef>
+                <a:spcPts val="300"/>
+              </a:spcBef>
+              <a:spcAft>
+                <a:spcPts val="300"/>
+              </a:spcAft>
+              <a:buClr>
+                <a:schemeClr val="accent1"/>
+              </a:buClr>
+              <a:buFont typeface="Wingdings 2" pitchFamily="18" charset="2"/>
+              <a:buChar char=""/>
+              <a:defRPr sz="1600" kern="1200">
+                <a:solidFill>
+                  <a:schemeClr val="tx1">
+                    <a:lumMod val="85000"/>
+                    <a:lumOff val="15000"/>
+                  </a:schemeClr>
+                </a:solidFill>
+                <a:latin typeface="+mn-lt"/>
+                <a:ea typeface="+mn-ea"/>
+                <a:cs typeface="+mn-cs"/>
+              </a:defRPr>
+            </a:lvl2pPr>
+            <a:lvl3pPr marL="731520" indent="-182880" algn="l" defTabSz="914400" rtl="0" eaLnBrk="1" latinLnBrk="0" hangingPunct="1">
+              <a:lnSpc>
+                <a:spcPct val="90000"/>
+              </a:lnSpc>
+              <a:spcBef>
+                <a:spcPts val="300"/>
+              </a:spcBef>
+              <a:spcAft>
+                <a:spcPts val="300"/>
+              </a:spcAft>
+              <a:buClr>
+                <a:schemeClr val="accent1"/>
+              </a:buClr>
+              <a:buFont typeface="Wingdings 2" pitchFamily="18" charset="2"/>
+              <a:buChar char=""/>
+              <a:defRPr sz="1400" kern="1200">
+                <a:solidFill>
+                  <a:schemeClr val="tx1">
+                    <a:lumMod val="85000"/>
+                    <a:lumOff val="15000"/>
+                  </a:schemeClr>
+                </a:solidFill>
+                <a:latin typeface="+mn-lt"/>
+                <a:ea typeface="+mn-ea"/>
+                <a:cs typeface="+mn-cs"/>
+              </a:defRPr>
+            </a:lvl3pPr>
+            <a:lvl4pPr marL="1005840" indent="-182880" algn="l" defTabSz="914400" rtl="0" eaLnBrk="1" latinLnBrk="0" hangingPunct="1">
+              <a:lnSpc>
+                <a:spcPct val="90000"/>
+              </a:lnSpc>
+              <a:spcBef>
+                <a:spcPts val="300"/>
+              </a:spcBef>
+              <a:spcAft>
+                <a:spcPts val="300"/>
+              </a:spcAft>
+              <a:buClr>
+                <a:schemeClr val="accent1"/>
+              </a:buClr>
+              <a:buFont typeface="Wingdings 2" pitchFamily="18" charset="2"/>
+              <a:buChar char=""/>
+              <a:defRPr sz="1400" kern="1200">
+                <a:solidFill>
+                  <a:schemeClr val="tx1">
+                    <a:lumMod val="85000"/>
+                    <a:lumOff val="15000"/>
+                  </a:schemeClr>
+                </a:solidFill>
+                <a:latin typeface="+mn-lt"/>
+                <a:ea typeface="+mn-ea"/>
+                <a:cs typeface="+mn-cs"/>
+              </a:defRPr>
+            </a:lvl4pPr>
+            <a:lvl5pPr marL="1280160" indent="-182880" algn="l" defTabSz="914400" rtl="0" eaLnBrk="1" latinLnBrk="0" hangingPunct="1">
+              <a:lnSpc>
+                <a:spcPct val="90000"/>
+              </a:lnSpc>
+              <a:spcBef>
+                <a:spcPts val="300"/>
+              </a:spcBef>
+              <a:spcAft>
+                <a:spcPts val="300"/>
+              </a:spcAft>
+              <a:buClr>
+                <a:schemeClr val="accent1"/>
+              </a:buClr>
+              <a:buFont typeface="Wingdings 2" pitchFamily="18" charset="2"/>
+              <a:buChar char=""/>
+              <a:defRPr sz="1400" kern="1200">
+                <a:solidFill>
+                  <a:schemeClr val="tx1">
+                    <a:lumMod val="85000"/>
+                    <a:lumOff val="15000"/>
+                  </a:schemeClr>
+                </a:solidFill>
+                <a:latin typeface="+mn-lt"/>
+                <a:ea typeface="+mn-ea"/>
+                <a:cs typeface="+mn-cs"/>
+              </a:defRPr>
+            </a:lvl5pPr>
+            <a:lvl6pPr marL="1600000" indent="-228600" algn="l" defTabSz="914400" rtl="0" eaLnBrk="1" latinLnBrk="0" hangingPunct="1">
+              <a:lnSpc>
+                <a:spcPct val="90000"/>
+              </a:lnSpc>
+              <a:spcBef>
+                <a:spcPts val="300"/>
+              </a:spcBef>
+              <a:spcAft>
+                <a:spcPts val="300"/>
+              </a:spcAft>
+              <a:buClr>
+                <a:schemeClr val="accent1"/>
+              </a:buClr>
+              <a:buFont typeface="Wingdings 2" pitchFamily="18" charset="2"/>
+              <a:buChar char=""/>
+              <a:defRPr sz="1400" kern="1200">
+                <a:solidFill>
+                  <a:schemeClr val="tx1">
+                    <a:lumMod val="85000"/>
+                    <a:lumOff val="15000"/>
+                  </a:schemeClr>
+                </a:solidFill>
+                <a:latin typeface="+mn-lt"/>
+                <a:ea typeface="+mn-ea"/>
+                <a:cs typeface="+mn-cs"/>
+              </a:defRPr>
+            </a:lvl6pPr>
+            <a:lvl7pPr marL="1900000" indent="-228600" algn="l" defTabSz="914400" rtl="0" eaLnBrk="1" latinLnBrk="0" hangingPunct="1">
+              <a:lnSpc>
+                <a:spcPct val="90000"/>
+              </a:lnSpc>
+              <a:spcBef>
+                <a:spcPts val="300"/>
+              </a:spcBef>
+              <a:spcAft>
+                <a:spcPts val="300"/>
+              </a:spcAft>
+              <a:buClr>
+                <a:schemeClr val="accent1"/>
+              </a:buClr>
+              <a:buFont typeface="Wingdings 2" pitchFamily="18" charset="2"/>
+              <a:buChar char=""/>
+              <a:defRPr sz="1400" kern="1200">
+                <a:solidFill>
+                  <a:schemeClr val="tx1">
+                    <a:lumMod val="85000"/>
+                    <a:lumOff val="15000"/>
+                  </a:schemeClr>
+                </a:solidFill>
+                <a:latin typeface="+mn-lt"/>
+                <a:ea typeface="+mn-ea"/>
+                <a:cs typeface="+mn-cs"/>
+              </a:defRPr>
+            </a:lvl7pPr>
+            <a:lvl8pPr marL="2200000" indent="-228600" algn="l" defTabSz="914400" rtl="0" eaLnBrk="1" latinLnBrk="0" hangingPunct="1">
+              <a:lnSpc>
+                <a:spcPct val="90000"/>
+              </a:lnSpc>
+              <a:spcBef>
+                <a:spcPts val="300"/>
+              </a:spcBef>
+              <a:spcAft>
+                <a:spcPts val="300"/>
+              </a:spcAft>
+              <a:buClr>
+                <a:schemeClr val="accent1"/>
+              </a:buClr>
+              <a:buFont typeface="Wingdings 2" pitchFamily="18" charset="2"/>
+              <a:buChar char=""/>
+              <a:defRPr sz="1400" kern="1200">
+                <a:solidFill>
+                  <a:schemeClr val="tx1">
+                    <a:lumMod val="85000"/>
+                    <a:lumOff val="15000"/>
+                  </a:schemeClr>
+                </a:solidFill>
+                <a:latin typeface="+mn-lt"/>
+                <a:ea typeface="+mn-ea"/>
+                <a:cs typeface="+mn-cs"/>
+              </a:defRPr>
+            </a:lvl8pPr>
+            <a:lvl9pPr marL="2500000" indent="-228600" algn="l" defTabSz="914400" rtl="0" eaLnBrk="1" latinLnBrk="0" hangingPunct="1">
+              <a:lnSpc>
+                <a:spcPct val="90000"/>
+              </a:lnSpc>
+              <a:spcBef>
+                <a:spcPts val="300"/>
+              </a:spcBef>
+              <a:spcAft>
+                <a:spcPts val="300"/>
+              </a:spcAft>
+              <a:buClr>
+                <a:schemeClr val="accent1"/>
+              </a:buClr>
+              <a:buFont typeface="Wingdings 2" pitchFamily="18" charset="2"/>
+              <a:buChar char=""/>
+              <a:defRPr sz="1400" kern="1200">
+                <a:solidFill>
+                  <a:schemeClr val="tx1">
+                    <a:lumMod val="85000"/>
+                    <a:lumOff val="15000"/>
+                  </a:schemeClr>
+                </a:solidFill>
+                <a:latin typeface="+mn-lt"/>
+                <a:ea typeface="+mn-ea"/>
+                <a:cs typeface="+mn-cs"/>
+              </a:defRPr>
+            </a:lvl9pPr>
+          </a:lstStyle>
+          <a:p>
+            <a:pPr marL="0" indent="0">
+              <a:buNone/>
+            </a:pPr>
+            <a:endParaRPr lang="en-US" dirty="0"/>
+          </a:p>
+          <a:p>
+            <a:pPr marL="0">
+              <a:buNone/>
+            </a:pPr>
+            <a:endParaRPr lang="en-US" dirty="0"/>
+          </a:p>
+          <a:p>
+            <a:endParaRPr lang="en-US" dirty="0"/>
+          </a:p>
+          <a:p>
+            <a:endParaRPr lang="en-US" dirty="0"/>
+          </a:p>
+          <a:p>
+            <a:endParaRPr lang="en-US" dirty="0"/>
+          </a:p>
+          <a:p>
+            <a:endParaRPr lang="en-US" dirty="0"/>
+          </a:p>
+          <a:p>
+            <a:endParaRPr lang="en-US" dirty="0"/>
+          </a:p>
+          <a:p>
+            <a:endParaRPr lang="en-US" dirty="0"/>
+          </a:p>
+          <a:p>
+            <a:endParaRPr lang="en-US" dirty="0"/>
+          </a:p>
+          <a:p>
+            <a:endParaRPr lang="en-US" dirty="0"/>
+          </a:p>
+          <a:p>
+            <a:endParaRPr lang="en-US" dirty="0"/>
+          </a:p>
+          <a:p>
+            <a:endParaRPr lang="en-US" dirty="0"/>
+          </a:p>
+          <a:p>
+            <a:endParaRPr lang="en-US" dirty="0"/>
+          </a:p>
+          <a:p>
+            <a:endParaRPr lang="en-US" dirty="0"/>
+          </a:p>
+          <a:p>
+            <a:endParaRPr lang="en-US" dirty="0"/>
+          </a:p>
+          <a:p>
+            <a:endParaRPr lang="en-US" dirty="0"/>
+          </a:p>
+          <a:p>
+            <a:endParaRPr lang="en-US" dirty="0"/>
+          </a:p>
+          <a:p>
+            <a:endParaRPr lang="en-US" dirty="0"/>
+          </a:p>
+          <a:p>
+            <a:pPr marL="0">
+              <a:buNone/>
+            </a:pPr>
+            <a:endParaRPr lang="en-US" dirty="0"/>
+          </a:p>
+          <a:p>
+            <a:endParaRPr lang="en-US" dirty="0"/>
+          </a:p>
+        </p:txBody>
+      </p:sp>
+      <p:sp>
+        <p:nvSpPr>
+          <p:cNvPr id="22" name="Rectangle 21">
+            <a:extLst>
+              <a:ext uri="{FF2B5EF4-FFF2-40B4-BE49-F238E27FC236}">
+                <a16:creationId xmlns:a16="http://schemas.microsoft.com/office/drawing/2014/main" id="{732A87A1-E008-492C-8D91-EA0B5488DA8C}"/>
+              </a:ext>
+              <a:ext uri="{C183D7F6-B498-43B3-948B-1728B52AA6E4}">
+                <adec:decorative xmlns:adec="http://schemas.microsoft.com/office/drawing/2017/decorative" val="1"/>
+              </a:ext>
+            </a:extLst>
+          </p:cNvPr>
+          <p:cNvSpPr>
+            <a:spLocks noGrp="1" noRot="1" noChangeAspect="1" noMove="1" noResize="1" noEditPoints="1" noAdjustHandles="1" noChangeArrowheads="1" noChangeShapeType="1" noTextEdit="1"/>
+          </p:cNvSpPr>
+          <p:nvPr>
+            <p:extLst>
+              <p:ext uri="{386F3935-93C4-4BCD-93E2-E3B085C9AB24}">
+                <p16:designElem xmlns:p16="http://schemas.microsoft.com/office/powerpoint/2015/main" val="1"/>
+              </p:ext>
+            </p:extLst>
+          </p:nvPr>
+        </p:nvSpPr>
+        <p:spPr>
+          <a:xfrm>
+            <a:off x="11292840" y="0"/>
+            <a:ext cx="914400" cy="6858000"/>
+          </a:xfrm>
+          <a:prstGeom prst="rect">
+            <a:avLst/>
+          </a:prstGeom>
+          <a:solidFill>
+            <a:schemeClr val="tx2">
+              <a:lumMod val="75000"/>
+            </a:schemeClr>
+          </a:solidFill>
+          <a:ln>
+            <a:noFill/>
+          </a:ln>
+        </p:spPr>
+        <p:style>
+          <a:lnRef idx="2">
+            <a:schemeClr val="accent1">
+              <a:shade val="50000"/>
+            </a:schemeClr>
+          </a:lnRef>
+          <a:fillRef idx="1">
+            <a:schemeClr val="accent1"/>
+          </a:fillRef>
+          <a:effectRef idx="0">
+            <a:schemeClr val="accent1"/>
+          </a:effectRef>
+          <a:fontRef idx="minor">
+            <a:schemeClr val="lt1"/>
+          </a:fontRef>
+        </p:style>
+      </p:sp>
+    </p:spTree>
+    <p:extLst>
+      <p:ext uri="{BB962C8B-B14F-4D97-AF65-F5344CB8AC3E}">
+        <p14:creationId xmlns:p14="http://schemas.microsoft.com/office/powerpoint/2010/main" val="2017046458"/>
+      </p:ext>
+    </p:extLst>
+  </p:cSld>
+  <p:clrMapOvr>
+    <a:overrideClrMapping bg1="dk1" tx1="lt1" bg2="dk2" tx2="lt2" accent1="accent1" accent2="accent2" accent3="accent3" accent4="accent4" accent5="accent5" accent6="accent6" hlink="hlink" folHlink="folHlink"/>
+  </p:clrMapOvr>
+</p:sld>
+</file>
+
 <file path=ppt/slides/slide2.xml><?xml version="1.0" encoding="utf-8"?>
 <p:sld xmlns:a="http://schemas.openxmlformats.org/drawingml/2006/main" xmlns:r="http://schemas.openxmlformats.org/officeDocument/2006/relationships" xmlns:p="http://schemas.openxmlformats.org/presentationml/2006/main">
   <p:cSld>
@@ -6945,14 +8828,93 @@
             </a:lvl9pPr>
           </a:lstStyle>
           <a:p>
-            <a:endParaRPr lang="de-DE" sz="2400" dirty="0"/>
-          </a:p>
-        </p:txBody>
-      </p:sp>
+            <a:pPr marL="0" indent="0">
+              <a:buFont typeface="Arial" pitchFamily="34" charset="0"/>
+              <a:buNone/>
+            </a:pPr>
+            <a:r>
+              <a:rPr lang="de-DE" sz="2400" dirty="0"/>
+              <a:t>Explore Data</a:t>
+            </a:r>
+          </a:p>
+          <a:p>
+            <a:r>
+              <a:rPr lang="de-DE" sz="2400" dirty="0"/>
+              <a:t>Carvana_Data_Dictionary.txt</a:t>
+            </a:r>
+          </a:p>
+          <a:p>
+            <a:r>
+              <a:rPr lang="de-DE" sz="2400" dirty="0"/>
+              <a:t>Training.csv (~ 73.000 à 34)</a:t>
+            </a:r>
+          </a:p>
+          <a:p>
+            <a:r>
+              <a:rPr lang="de-DE" sz="2400" dirty="0"/>
+              <a:t>Test.csv (~ 49.000 à 32)</a:t>
+            </a:r>
+          </a:p>
+          <a:p>
+            <a:r>
+              <a:rPr lang="de-DE" sz="2400" dirty="0"/>
+              <a:t>Example_entry.csv (~ 49.000 à 2)</a:t>
+            </a:r>
+          </a:p>
+          <a:p>
+            <a:pPr marL="0" indent="0">
+              <a:buNone/>
+            </a:pPr>
+            <a:r>
+              <a:rPr lang="de-DE" sz="2400" dirty="0"/>
+              <a:t>Attribute:</a:t>
+            </a:r>
+          </a:p>
+          <a:p>
+            <a:pPr marL="0" indent="0">
+              <a:buNone/>
+            </a:pPr>
+            <a:endParaRPr lang="de-DE" sz="2400" dirty="0"/>
+          </a:p>
+          <a:p>
+            <a:endParaRPr lang="de-DE" sz="2400" dirty="0"/>
+          </a:p>
+        </p:txBody>
+      </p:sp>
+      <p:pic>
+        <p:nvPicPr>
+          <p:cNvPr id="4" name="Grafik 3">
+            <a:extLst>
+              <a:ext uri="{FF2B5EF4-FFF2-40B4-BE49-F238E27FC236}">
+                <a16:creationId xmlns:a16="http://schemas.microsoft.com/office/drawing/2014/main" id="{76ED5606-6417-41A0-9C0C-C0557FD1AEF6}"/>
+              </a:ext>
+            </a:extLst>
+          </p:cNvPr>
+          <p:cNvPicPr>
+            <a:picLocks noChangeAspect="1"/>
+          </p:cNvPicPr>
+          <p:nvPr/>
+        </p:nvPicPr>
+        <p:blipFill>
+          <a:blip r:embed="rId2"/>
+          <a:stretch>
+            <a:fillRect/>
+          </a:stretch>
+        </p:blipFill>
+        <p:spPr>
+          <a:xfrm>
+            <a:off x="4787983" y="4054922"/>
+            <a:ext cx="6096528" cy="1975275"/>
+          </a:xfrm>
+          <a:prstGeom prst="rect">
+            <a:avLst/>
+          </a:prstGeom>
+        </p:spPr>
+      </p:pic>
     </p:spTree>
     <p:extLst>
       <p:ext uri="{BB962C8B-B14F-4D97-AF65-F5344CB8AC3E}">
-        <p14:creationId xmlns:p14="http://schemas.microsoft.com/office/powerpoint/2010/main" val="2121609142"/>
+        <p14:creationId xmlns:p14="http://schemas.microsoft.com/office/powerpoint/2010/main" val="484155505"/>
       </p:ext>
     </p:extLst>
   </p:cSld>
@@ -7230,7 +9192,7 @@
         <p:spPr>
           <a:xfrm>
             <a:off x="4701386" y="643466"/>
-            <a:ext cx="6525416" cy="5571067"/>
+            <a:ext cx="6525416" cy="6017107"/>
           </a:xfrm>
           <a:prstGeom prst="rect">
             <a:avLst/>
@@ -7484,545 +9446,172 @@
             </a:lvl9pPr>
           </a:lstStyle>
           <a:p>
-            <a:endParaRPr lang="de-DE" sz="2400" dirty="0"/>
-          </a:p>
-        </p:txBody>
-      </p:sp>
-      <p:sp>
-        <p:nvSpPr>
-          <p:cNvPr id="7" name="Inhaltsplatzhalter 2">
+            <a:pPr marL="0" indent="0">
+              <a:buFont typeface="Arial" pitchFamily="34" charset="0"/>
+              <a:buNone/>
+            </a:pPr>
+            <a:r>
+              <a:rPr lang="de-DE" sz="2400" dirty="0"/>
+              <a:t>Verify Data Quality</a:t>
+            </a:r>
+          </a:p>
+          <a:p>
+            <a:r>
+              <a:rPr lang="de-DE" sz="2400" dirty="0"/>
+              <a:t>Zielvariable unbalanciert</a:t>
+            </a:r>
+          </a:p>
+          <a:p>
+            <a:endParaRPr lang="de-DE" sz="2400" dirty="0"/>
+          </a:p>
+          <a:p>
+            <a:endParaRPr lang="de-DE" sz="2400" dirty="0"/>
+          </a:p>
+          <a:p>
+            <a:endParaRPr lang="de-DE" sz="2400" dirty="0"/>
+          </a:p>
+          <a:p>
+            <a:endParaRPr lang="de-DE" sz="2400" dirty="0"/>
+          </a:p>
+          <a:p>
+            <a:endParaRPr lang="de-DE" sz="2400" dirty="0"/>
+          </a:p>
+          <a:p>
+            <a:endParaRPr lang="de-DE" sz="2400" dirty="0"/>
+          </a:p>
+          <a:p>
+            <a:endParaRPr lang="de-DE" sz="2400" dirty="0"/>
+          </a:p>
+          <a:p>
+            <a:endParaRPr lang="de-DE" sz="2400" dirty="0"/>
+          </a:p>
+          <a:p>
+            <a:pPr marL="0" indent="0">
+              <a:buNone/>
+            </a:pPr>
+            <a:r>
+              <a:rPr lang="de-DE" sz="2400" dirty="0"/>
+              <a:t>	12% der Daten sind Fehlkäufe</a:t>
+            </a:r>
+          </a:p>
+          <a:p>
+            <a:endParaRPr lang="de-DE" sz="2400" dirty="0"/>
+          </a:p>
+          <a:p>
+            <a:endParaRPr lang="de-DE" sz="2400" dirty="0"/>
+          </a:p>
+          <a:p>
+            <a:endParaRPr lang="de-DE" sz="2400" dirty="0"/>
+          </a:p>
+          <a:p>
+            <a:endParaRPr lang="de-DE" sz="2400" dirty="0"/>
+          </a:p>
+          <a:p>
+            <a:endParaRPr lang="de-DE" sz="2400" dirty="0"/>
+          </a:p>
+          <a:p>
+            <a:endParaRPr lang="de-DE" sz="2400" dirty="0"/>
+          </a:p>
+          <a:p>
+            <a:endParaRPr lang="de-DE" sz="2400" dirty="0"/>
+          </a:p>
+          <a:p>
+            <a:endParaRPr lang="de-DE" sz="2400" dirty="0"/>
+          </a:p>
+          <a:p>
+            <a:endParaRPr lang="de-DE" sz="2400" dirty="0"/>
+          </a:p>
+          <a:p>
+            <a:pPr marL="0" indent="0">
+              <a:buNone/>
+            </a:pPr>
+            <a:endParaRPr lang="de-DE" sz="2400" dirty="0"/>
+          </a:p>
+          <a:p>
+            <a:endParaRPr lang="de-DE" sz="2400" dirty="0"/>
+          </a:p>
+        </p:txBody>
+      </p:sp>
+      <p:pic>
+        <p:nvPicPr>
+          <p:cNvPr id="9" name="Grafik 8">
             <a:extLst>
               <a:ext uri="{FF2B5EF4-FFF2-40B4-BE49-F238E27FC236}">
-                <a16:creationId xmlns:a16="http://schemas.microsoft.com/office/drawing/2014/main" id="{8A451152-6282-4040-ACFE-01A25EB30A3E}"/>
+                <a16:creationId xmlns:a16="http://schemas.microsoft.com/office/drawing/2014/main" id="{4927B973-A420-49B2-A5BC-B21D72A01BC6}"/>
               </a:ext>
             </a:extLst>
           </p:cNvPr>
-          <p:cNvSpPr txBox="1">
-            <a:spLocks/>
-          </p:cNvSpPr>
+          <p:cNvPicPr>
+            <a:picLocks noChangeAspect="1"/>
+          </p:cNvPicPr>
           <p:nvPr/>
-        </p:nvSpPr>
+        </p:nvPicPr>
+        <p:blipFill>
+          <a:blip r:embed="rId2"/>
+          <a:stretch>
+            <a:fillRect/>
+          </a:stretch>
+        </p:blipFill>
         <p:spPr>
           <a:xfrm>
-            <a:off x="4853786" y="795866"/>
-            <a:ext cx="6525416" cy="5571067"/>
+            <a:off x="4532047" y="2051549"/>
+            <a:ext cx="6592220" cy="4010585"/>
           </a:xfrm>
           <a:prstGeom prst="rect">
             <a:avLst/>
           </a:prstGeom>
         </p:spPr>
-        <p:txBody>
-          <a:bodyPr vert="horz" lIns="91440" tIns="45720" rIns="91440" bIns="45720" rtlCol="0">
-            <a:normAutofit/>
-          </a:bodyPr>
-          <a:lstStyle>
-            <a:lvl1pPr marL="182880" indent="-182880" algn="l" defTabSz="914400" rtl="0" eaLnBrk="1" latinLnBrk="0" hangingPunct="1">
-              <a:lnSpc>
-                <a:spcPct val="95000"/>
-              </a:lnSpc>
-              <a:spcBef>
-                <a:spcPts val="1400"/>
-              </a:spcBef>
-              <a:spcAft>
-                <a:spcPts val="200"/>
-              </a:spcAft>
-              <a:buClr>
-                <a:schemeClr val="accent1"/>
-              </a:buClr>
-              <a:buSzPct val="80000"/>
-              <a:buFont typeface="Arial" pitchFamily="34" charset="0"/>
-              <a:buChar char="•"/>
-              <a:defRPr sz="1800" kern="1200" spc="10" baseline="0">
-                <a:solidFill>
-                  <a:schemeClr val="tx1"/>
-                </a:solidFill>
-                <a:latin typeface="+mn-lt"/>
-                <a:ea typeface="+mn-ea"/>
-                <a:cs typeface="+mn-cs"/>
-              </a:defRPr>
-            </a:lvl1pPr>
-            <a:lvl2pPr marL="457200" indent="-182880" algn="l" defTabSz="914400" rtl="0" eaLnBrk="1" latinLnBrk="0" hangingPunct="1">
-              <a:lnSpc>
-                <a:spcPct val="90000"/>
-              </a:lnSpc>
-              <a:spcBef>
-                <a:spcPts val="300"/>
-              </a:spcBef>
-              <a:spcAft>
-                <a:spcPts val="300"/>
-              </a:spcAft>
-              <a:buClr>
-                <a:schemeClr val="accent1"/>
-              </a:buClr>
-              <a:buFont typeface="Wingdings 2" pitchFamily="18" charset="2"/>
-              <a:buChar char=""/>
-              <a:defRPr sz="1600" kern="1200">
-                <a:solidFill>
-                  <a:schemeClr val="tx1">
-                    <a:lumMod val="85000"/>
-                    <a:lumOff val="15000"/>
-                  </a:schemeClr>
-                </a:solidFill>
-                <a:latin typeface="+mn-lt"/>
-                <a:ea typeface="+mn-ea"/>
-                <a:cs typeface="+mn-cs"/>
-              </a:defRPr>
-            </a:lvl2pPr>
-            <a:lvl3pPr marL="731520" indent="-182880" algn="l" defTabSz="914400" rtl="0" eaLnBrk="1" latinLnBrk="0" hangingPunct="1">
-              <a:lnSpc>
-                <a:spcPct val="90000"/>
-              </a:lnSpc>
-              <a:spcBef>
-                <a:spcPts val="300"/>
-              </a:spcBef>
-              <a:spcAft>
-                <a:spcPts val="300"/>
-              </a:spcAft>
-              <a:buClr>
-                <a:schemeClr val="accent1"/>
-              </a:buClr>
-              <a:buFont typeface="Wingdings 2" pitchFamily="18" charset="2"/>
-              <a:buChar char=""/>
-              <a:defRPr sz="1400" kern="1200">
-                <a:solidFill>
-                  <a:schemeClr val="tx1">
-                    <a:lumMod val="85000"/>
-                    <a:lumOff val="15000"/>
-                  </a:schemeClr>
-                </a:solidFill>
-                <a:latin typeface="+mn-lt"/>
-                <a:ea typeface="+mn-ea"/>
-                <a:cs typeface="+mn-cs"/>
-              </a:defRPr>
-            </a:lvl3pPr>
-            <a:lvl4pPr marL="1005840" indent="-182880" algn="l" defTabSz="914400" rtl="0" eaLnBrk="1" latinLnBrk="0" hangingPunct="1">
-              <a:lnSpc>
-                <a:spcPct val="90000"/>
-              </a:lnSpc>
-              <a:spcBef>
-                <a:spcPts val="300"/>
-              </a:spcBef>
-              <a:spcAft>
-                <a:spcPts val="300"/>
-              </a:spcAft>
-              <a:buClr>
-                <a:schemeClr val="accent1"/>
-              </a:buClr>
-              <a:buFont typeface="Wingdings 2" pitchFamily="18" charset="2"/>
-              <a:buChar char=""/>
-              <a:defRPr sz="1400" kern="1200">
-                <a:solidFill>
-                  <a:schemeClr val="tx1">
-                    <a:lumMod val="85000"/>
-                    <a:lumOff val="15000"/>
-                  </a:schemeClr>
-                </a:solidFill>
-                <a:latin typeface="+mn-lt"/>
-                <a:ea typeface="+mn-ea"/>
-                <a:cs typeface="+mn-cs"/>
-              </a:defRPr>
-            </a:lvl4pPr>
-            <a:lvl5pPr marL="1280160" indent="-182880" algn="l" defTabSz="914400" rtl="0" eaLnBrk="1" latinLnBrk="0" hangingPunct="1">
-              <a:lnSpc>
-                <a:spcPct val="90000"/>
-              </a:lnSpc>
-              <a:spcBef>
-                <a:spcPts val="300"/>
-              </a:spcBef>
-              <a:spcAft>
-                <a:spcPts val="300"/>
-              </a:spcAft>
-              <a:buClr>
-                <a:schemeClr val="accent1"/>
-              </a:buClr>
-              <a:buFont typeface="Wingdings 2" pitchFamily="18" charset="2"/>
-              <a:buChar char=""/>
-              <a:defRPr sz="1400" kern="1200">
-                <a:solidFill>
-                  <a:schemeClr val="tx1">
-                    <a:lumMod val="85000"/>
-                    <a:lumOff val="15000"/>
-                  </a:schemeClr>
-                </a:solidFill>
-                <a:latin typeface="+mn-lt"/>
-                <a:ea typeface="+mn-ea"/>
-                <a:cs typeface="+mn-cs"/>
-              </a:defRPr>
-            </a:lvl5pPr>
-            <a:lvl6pPr marL="1600000" indent="-228600" algn="l" defTabSz="914400" rtl="0" eaLnBrk="1" latinLnBrk="0" hangingPunct="1">
-              <a:lnSpc>
-                <a:spcPct val="90000"/>
-              </a:lnSpc>
-              <a:spcBef>
-                <a:spcPts val="300"/>
-              </a:spcBef>
-              <a:spcAft>
-                <a:spcPts val="300"/>
-              </a:spcAft>
-              <a:buClr>
-                <a:schemeClr val="accent1"/>
-              </a:buClr>
-              <a:buFont typeface="Wingdings 2" pitchFamily="18" charset="2"/>
-              <a:buChar char=""/>
-              <a:defRPr sz="1400" kern="1200">
-                <a:solidFill>
-                  <a:schemeClr val="tx1">
-                    <a:lumMod val="85000"/>
-                    <a:lumOff val="15000"/>
-                  </a:schemeClr>
-                </a:solidFill>
-                <a:latin typeface="+mn-lt"/>
-                <a:ea typeface="+mn-ea"/>
-                <a:cs typeface="+mn-cs"/>
-              </a:defRPr>
-            </a:lvl6pPr>
-            <a:lvl7pPr marL="1900000" indent="-228600" algn="l" defTabSz="914400" rtl="0" eaLnBrk="1" latinLnBrk="0" hangingPunct="1">
-              <a:lnSpc>
-                <a:spcPct val="90000"/>
-              </a:lnSpc>
-              <a:spcBef>
-                <a:spcPts val="300"/>
-              </a:spcBef>
-              <a:spcAft>
-                <a:spcPts val="300"/>
-              </a:spcAft>
-              <a:buClr>
-                <a:schemeClr val="accent1"/>
-              </a:buClr>
-              <a:buFont typeface="Wingdings 2" pitchFamily="18" charset="2"/>
-              <a:buChar char=""/>
-              <a:defRPr sz="1400" kern="1200">
-                <a:solidFill>
-                  <a:schemeClr val="tx1">
-                    <a:lumMod val="85000"/>
-                    <a:lumOff val="15000"/>
-                  </a:schemeClr>
-                </a:solidFill>
-                <a:latin typeface="+mn-lt"/>
-                <a:ea typeface="+mn-ea"/>
-                <a:cs typeface="+mn-cs"/>
-              </a:defRPr>
-            </a:lvl7pPr>
-            <a:lvl8pPr marL="2200000" indent="-228600" algn="l" defTabSz="914400" rtl="0" eaLnBrk="1" latinLnBrk="0" hangingPunct="1">
-              <a:lnSpc>
-                <a:spcPct val="90000"/>
-              </a:lnSpc>
-              <a:spcBef>
-                <a:spcPts val="300"/>
-              </a:spcBef>
-              <a:spcAft>
-                <a:spcPts val="300"/>
-              </a:spcAft>
-              <a:buClr>
-                <a:schemeClr val="accent1"/>
-              </a:buClr>
-              <a:buFont typeface="Wingdings 2" pitchFamily="18" charset="2"/>
-              <a:buChar char=""/>
-              <a:defRPr sz="1400" kern="1200">
-                <a:solidFill>
-                  <a:schemeClr val="tx1">
-                    <a:lumMod val="85000"/>
-                    <a:lumOff val="15000"/>
-                  </a:schemeClr>
-                </a:solidFill>
-                <a:latin typeface="+mn-lt"/>
-                <a:ea typeface="+mn-ea"/>
-                <a:cs typeface="+mn-cs"/>
-              </a:defRPr>
-            </a:lvl8pPr>
-            <a:lvl9pPr marL="2500000" indent="-228600" algn="l" defTabSz="914400" rtl="0" eaLnBrk="1" latinLnBrk="0" hangingPunct="1">
-              <a:lnSpc>
-                <a:spcPct val="90000"/>
-              </a:lnSpc>
-              <a:spcBef>
-                <a:spcPts val="300"/>
-              </a:spcBef>
-              <a:spcAft>
-                <a:spcPts val="300"/>
-              </a:spcAft>
-              <a:buClr>
-                <a:schemeClr val="accent1"/>
-              </a:buClr>
-              <a:buFont typeface="Wingdings 2" pitchFamily="18" charset="2"/>
-              <a:buChar char=""/>
-              <a:defRPr sz="1400" kern="1200">
-                <a:solidFill>
-                  <a:schemeClr val="tx1">
-                    <a:lumMod val="85000"/>
-                    <a:lumOff val="15000"/>
-                  </a:schemeClr>
-                </a:solidFill>
-                <a:latin typeface="+mn-lt"/>
-                <a:ea typeface="+mn-ea"/>
-                <a:cs typeface="+mn-cs"/>
-              </a:defRPr>
-            </a:lvl9pPr>
-          </a:lstStyle>
-          <a:p>
-            <a:pPr marL="0" indent="0">
-              <a:buFont typeface="Arial" pitchFamily="34" charset="0"/>
-              <a:buNone/>
-            </a:pPr>
-            <a:r>
-              <a:rPr lang="de-DE" sz="2400" dirty="0"/>
-              <a:t>Explore Data</a:t>
-            </a:r>
-          </a:p>
-          <a:p>
-            <a:r>
-              <a:rPr lang="de-DE" sz="2400" dirty="0"/>
-              <a:t>Carvana_Data_Dictionary.txt</a:t>
-            </a:r>
-          </a:p>
-          <a:p>
-            <a:r>
-              <a:rPr lang="de-DE" sz="2400" dirty="0"/>
-              <a:t>Training.csv (~ 73.000 à 34)</a:t>
-            </a:r>
-          </a:p>
-          <a:p>
-            <a:r>
-              <a:rPr lang="de-DE" sz="2400" dirty="0"/>
-              <a:t>Test.csv (~ 49.000 à 32)</a:t>
-            </a:r>
-          </a:p>
-          <a:p>
-            <a:r>
-              <a:rPr lang="de-DE" sz="2400" dirty="0"/>
-              <a:t>Example_entry.csv (~ 49.000 à 2)</a:t>
-            </a:r>
-          </a:p>
-          <a:p>
-            <a:pPr marL="0" indent="0">
-              <a:buNone/>
-            </a:pPr>
-            <a:r>
-              <a:rPr lang="de-DE" sz="2400" dirty="0"/>
-              <a:t>Attribute:</a:t>
-            </a:r>
-          </a:p>
-        </p:txBody>
-      </p:sp>
-      <p:graphicFrame>
-        <p:nvGraphicFramePr>
-          <p:cNvPr id="3" name="Tabelle 3">
+      </p:pic>
+      <p:sp>
+        <p:nvSpPr>
+          <p:cNvPr id="3" name="Pfeil: nach rechts 2">
             <a:extLst>
               <a:ext uri="{FF2B5EF4-FFF2-40B4-BE49-F238E27FC236}">
-                <a16:creationId xmlns:a16="http://schemas.microsoft.com/office/drawing/2014/main" id="{FFD44D4C-B9BD-44DA-80D3-027CFA4321FF}"/>
+                <a16:creationId xmlns:a16="http://schemas.microsoft.com/office/drawing/2014/main" id="{931180FD-221C-4B4B-A964-259C1E0A3F0C}"/>
               </a:ext>
             </a:extLst>
           </p:cNvPr>
-          <p:cNvGraphicFramePr>
-            <a:graphicFrameLocks noGrp="1"/>
-          </p:cNvGraphicFramePr>
-          <p:nvPr>
-            <p:extLst>
-              <p:ext uri="{D42A27DB-BD31-4B8C-83A1-F6EECF244321}">
-                <p14:modId xmlns:p14="http://schemas.microsoft.com/office/powerpoint/2010/main" val="270900243"/>
-              </p:ext>
-            </p:extLst>
-          </p:nvPr>
-        </p:nvGraphicFramePr>
-        <p:xfrm>
-          <a:off x="4853786" y="4127826"/>
-          <a:ext cx="6057468" cy="1854200"/>
-        </p:xfrm>
-        <a:graphic>
-          <a:graphicData uri="http://schemas.openxmlformats.org/drawingml/2006/table">
-            <a:tbl>
-              <a:tblPr firstRow="1" bandRow="1">
-                <a:tableStyleId>{5C22544A-7EE6-4342-B048-85BDC9FD1C3A}</a:tableStyleId>
-              </a:tblPr>
-              <a:tblGrid>
-                <a:gridCol w="3028734">
-                  <a:extLst>
-                    <a:ext uri="{9D8B030D-6E8A-4147-A177-3AD203B41FA5}">
-                      <a16:colId xmlns:a16="http://schemas.microsoft.com/office/drawing/2014/main" val="382664348"/>
-                    </a:ext>
-                  </a:extLst>
-                </a:gridCol>
-                <a:gridCol w="3028734">
-                  <a:extLst>
-                    <a:ext uri="{9D8B030D-6E8A-4147-A177-3AD203B41FA5}">
-                      <a16:colId xmlns:a16="http://schemas.microsoft.com/office/drawing/2014/main" val="4291144778"/>
-                    </a:ext>
-                  </a:extLst>
-                </a:gridCol>
-              </a:tblGrid>
-              <a:tr h="370840">
-                <a:tc>
-                  <a:txBody>
-                    <a:bodyPr/>
-                    <a:lstStyle/>
-                    <a:p>
-                      <a:r>
-                        <a:rPr lang="de-DE" dirty="0"/>
-                        <a:t>Kategorie</a:t>
-                      </a:r>
-                    </a:p>
-                  </a:txBody>
-                  <a:tcPr/>
-                </a:tc>
-                <a:tc>
-                  <a:txBody>
-                    <a:bodyPr/>
-                    <a:lstStyle/>
-                    <a:p>
-                      <a:r>
-                        <a:rPr lang="de-DE" dirty="0"/>
-                        <a:t>Anzahl</a:t>
-                      </a:r>
-                    </a:p>
-                  </a:txBody>
-                  <a:tcPr/>
-                </a:tc>
-                <a:extLst>
-                  <a:ext uri="{0D108BD9-81ED-4DB2-BD59-A6C34878D82A}">
-                    <a16:rowId xmlns:a16="http://schemas.microsoft.com/office/drawing/2014/main" val="948604384"/>
-                  </a:ext>
-                </a:extLst>
-              </a:tr>
-              <a:tr h="370840">
-                <a:tc>
-                  <a:txBody>
-                    <a:bodyPr/>
-                    <a:lstStyle/>
-                    <a:p>
-                      <a:r>
-                        <a:rPr lang="de-DE" dirty="0"/>
-                        <a:t>Auktionsdetails</a:t>
-                      </a:r>
-                    </a:p>
-                  </a:txBody>
-                  <a:tcPr/>
-                </a:tc>
-                <a:tc>
-                  <a:txBody>
-                    <a:bodyPr/>
-                    <a:lstStyle/>
-                    <a:p>
-                      <a:r>
-                        <a:rPr lang="de-DE" dirty="0"/>
-                        <a:t>12</a:t>
-                      </a:r>
-                    </a:p>
-                  </a:txBody>
-                  <a:tcPr/>
-                </a:tc>
-                <a:extLst>
-                  <a:ext uri="{0D108BD9-81ED-4DB2-BD59-A6C34878D82A}">
-                    <a16:rowId xmlns:a16="http://schemas.microsoft.com/office/drawing/2014/main" val="850639241"/>
-                  </a:ext>
-                </a:extLst>
-              </a:tr>
-              <a:tr h="370840">
-                <a:tc>
-                  <a:txBody>
-                    <a:bodyPr/>
-                    <a:lstStyle/>
-                    <a:p>
-                      <a:r>
-                        <a:rPr lang="de-DE" dirty="0"/>
-                        <a:t>Fahrzeugdetails</a:t>
-                      </a:r>
-                    </a:p>
-                  </a:txBody>
-                  <a:tcPr/>
-                </a:tc>
-                <a:tc>
-                  <a:txBody>
-                    <a:bodyPr/>
-                    <a:lstStyle/>
-                    <a:p>
-                      <a:r>
-                        <a:rPr lang="de-DE" dirty="0"/>
-                        <a:t>14</a:t>
-                      </a:r>
-                    </a:p>
-                  </a:txBody>
-                  <a:tcPr/>
-                </a:tc>
-                <a:extLst>
-                  <a:ext uri="{0D108BD9-81ED-4DB2-BD59-A6C34878D82A}">
-                    <a16:rowId xmlns:a16="http://schemas.microsoft.com/office/drawing/2014/main" val="1326499563"/>
-                  </a:ext>
-                </a:extLst>
-              </a:tr>
-              <a:tr h="370840">
-                <a:tc>
-                  <a:txBody>
-                    <a:bodyPr/>
-                    <a:lstStyle/>
-                    <a:p>
-                      <a:r>
-                        <a:rPr lang="de-DE" dirty="0"/>
-                        <a:t>Fahrzeugpreis</a:t>
-                      </a:r>
-                    </a:p>
-                  </a:txBody>
-                  <a:tcPr/>
-                </a:tc>
-                <a:tc>
-                  <a:txBody>
-                    <a:bodyPr/>
-                    <a:lstStyle/>
-                    <a:p>
-                      <a:r>
-                        <a:rPr lang="de-DE" dirty="0"/>
-                        <a:t>8</a:t>
-                      </a:r>
-                    </a:p>
-                  </a:txBody>
-                  <a:tcPr/>
-                </a:tc>
-                <a:extLst>
-                  <a:ext uri="{0D108BD9-81ED-4DB2-BD59-A6C34878D82A}">
-                    <a16:rowId xmlns:a16="http://schemas.microsoft.com/office/drawing/2014/main" val="2566541832"/>
-                  </a:ext>
-                </a:extLst>
-              </a:tr>
-              <a:tr h="370840">
-                <a:tc>
-                  <a:txBody>
-                    <a:bodyPr/>
-                    <a:lstStyle/>
-                    <a:p>
-                      <a:r>
-                        <a:rPr lang="de-DE" dirty="0" err="1"/>
-                        <a:t>Zielvavariable</a:t>
-                      </a:r>
-                      <a:endParaRPr lang="de-DE" dirty="0"/>
-                    </a:p>
-                  </a:txBody>
-                  <a:tcPr/>
-                </a:tc>
-                <a:tc>
-                  <a:txBody>
-                    <a:bodyPr/>
-                    <a:lstStyle/>
-                    <a:p>
-                      <a:r>
-                        <a:rPr lang="de-DE" dirty="0"/>
-                        <a:t>1 (IsBadBuy)</a:t>
-                      </a:r>
-                    </a:p>
-                  </a:txBody>
-                  <a:tcPr/>
-                </a:tc>
-                <a:extLst>
-                  <a:ext uri="{0D108BD9-81ED-4DB2-BD59-A6C34878D82A}">
-                    <a16:rowId xmlns:a16="http://schemas.microsoft.com/office/drawing/2014/main" val="3986229699"/>
-                  </a:ext>
-                </a:extLst>
-              </a:tr>
-            </a:tbl>
-          </a:graphicData>
-        </a:graphic>
-      </p:graphicFrame>
+          <p:cNvSpPr/>
+          <p:nvPr/>
+        </p:nvSpPr>
+        <p:spPr>
+          <a:xfrm>
+            <a:off x="4810991" y="6172200"/>
+            <a:ext cx="644236" cy="405245"/>
+          </a:xfrm>
+          <a:prstGeom prst="rightArrow">
+            <a:avLst/>
+          </a:prstGeom>
+        </p:spPr>
+        <p:style>
+          <a:lnRef idx="2">
+            <a:schemeClr val="accent1">
+              <a:shade val="50000"/>
+            </a:schemeClr>
+          </a:lnRef>
+          <a:fillRef idx="1">
+            <a:schemeClr val="accent1"/>
+          </a:fillRef>
+          <a:effectRef idx="0">
+            <a:schemeClr val="accent1"/>
+          </a:effectRef>
+          <a:fontRef idx="minor">
+            <a:schemeClr val="lt1"/>
+          </a:fontRef>
+        </p:style>
+        <p:txBody>
+          <a:bodyPr rtlCol="0" anchor="ctr"/>
+          <a:lstStyle/>
+          <a:p>
+            <a:pPr algn="ctr"/>
+            <a:endParaRPr lang="de-DE"/>
+          </a:p>
+        </p:txBody>
+      </p:sp>
     </p:spTree>
     <p:extLst>
       <p:ext uri="{BB962C8B-B14F-4D97-AF65-F5344CB8AC3E}">
-        <p14:creationId xmlns:p14="http://schemas.microsoft.com/office/powerpoint/2010/main" val="392781662"/>
+        <p14:creationId xmlns:p14="http://schemas.microsoft.com/office/powerpoint/2010/main" val="510480520"/>
       </p:ext>
     </p:extLst>
   </p:cSld>
@@ -8300,7 +9889,7 @@
         <p:spPr>
           <a:xfrm>
             <a:off x="4701386" y="643466"/>
-            <a:ext cx="6525416" cy="5571067"/>
+            <a:ext cx="6525416" cy="6017107"/>
           </a:xfrm>
           <a:prstGeom prst="rect">
             <a:avLst/>
@@ -8554,299 +10143,689 @@
             </a:lvl9pPr>
           </a:lstStyle>
           <a:p>
-            <a:endParaRPr lang="de-DE" sz="2400" dirty="0"/>
-          </a:p>
-        </p:txBody>
-      </p:sp>
-      <p:sp>
-        <p:nvSpPr>
-          <p:cNvPr id="7" name="Inhaltsplatzhalter 2">
+            <a:pPr marL="0" indent="0">
+              <a:buFont typeface="Arial" pitchFamily="34" charset="0"/>
+              <a:buNone/>
+            </a:pPr>
+            <a:r>
+              <a:rPr lang="de-DE" sz="2400" dirty="0"/>
+              <a:t>Verify Data Quality</a:t>
+            </a:r>
+          </a:p>
+          <a:p>
+            <a:r>
+              <a:rPr lang="de-DE" sz="2400" dirty="0"/>
+              <a:t>Korrelation der Attribute</a:t>
+            </a:r>
+          </a:p>
+          <a:p>
+            <a:pPr marL="0" indent="0">
+              <a:buNone/>
+            </a:pPr>
+            <a:endParaRPr lang="de-DE" sz="2400" dirty="0"/>
+          </a:p>
+          <a:p>
+            <a:endParaRPr lang="de-DE" sz="2400" dirty="0"/>
+          </a:p>
+          <a:p>
+            <a:endParaRPr lang="de-DE" sz="2400" dirty="0"/>
+          </a:p>
+          <a:p>
+            <a:endParaRPr lang="de-DE" sz="2400" dirty="0"/>
+          </a:p>
+          <a:p>
+            <a:endParaRPr lang="de-DE" sz="2400" dirty="0"/>
+          </a:p>
+          <a:p>
+            <a:endParaRPr lang="de-DE" sz="2400" dirty="0"/>
+          </a:p>
+          <a:p>
+            <a:endParaRPr lang="de-DE" sz="2400" dirty="0"/>
+          </a:p>
+          <a:p>
+            <a:endParaRPr lang="de-DE" sz="2400" dirty="0"/>
+          </a:p>
+          <a:p>
+            <a:endParaRPr lang="de-DE" sz="2400" dirty="0"/>
+          </a:p>
+          <a:p>
+            <a:endParaRPr lang="de-DE" sz="2400" dirty="0"/>
+          </a:p>
+          <a:p>
+            <a:endParaRPr lang="de-DE" sz="2400" dirty="0"/>
+          </a:p>
+          <a:p>
+            <a:endParaRPr lang="de-DE" sz="2400" dirty="0"/>
+          </a:p>
+          <a:p>
+            <a:endParaRPr lang="de-DE" sz="2400" dirty="0"/>
+          </a:p>
+          <a:p>
+            <a:endParaRPr lang="de-DE" sz="2400" dirty="0"/>
+          </a:p>
+          <a:p>
+            <a:endParaRPr lang="de-DE" sz="2400" dirty="0"/>
+          </a:p>
+          <a:p>
+            <a:endParaRPr lang="de-DE" sz="2400" dirty="0"/>
+          </a:p>
+          <a:p>
+            <a:endParaRPr lang="de-DE" sz="2400" dirty="0"/>
+          </a:p>
+          <a:p>
+            <a:pPr marL="0" indent="0">
+              <a:buNone/>
+            </a:pPr>
+            <a:endParaRPr lang="de-DE" sz="2400" dirty="0"/>
+          </a:p>
+          <a:p>
+            <a:endParaRPr lang="de-DE" sz="2400" dirty="0"/>
+          </a:p>
+        </p:txBody>
+      </p:sp>
+      <p:pic>
+        <p:nvPicPr>
+          <p:cNvPr id="21" name="Grafik 20">
             <a:extLst>
               <a:ext uri="{FF2B5EF4-FFF2-40B4-BE49-F238E27FC236}">
-                <a16:creationId xmlns:a16="http://schemas.microsoft.com/office/drawing/2014/main" id="{8A451152-6282-4040-ACFE-01A25EB30A3E}"/>
+                <a16:creationId xmlns:a16="http://schemas.microsoft.com/office/drawing/2014/main" id="{99521D19-E4B8-4833-8C4A-58C7CF0070B2}"/>
               </a:ext>
             </a:extLst>
           </p:cNvPr>
-          <p:cNvSpPr txBox="1">
-            <a:spLocks/>
-          </p:cNvSpPr>
+          <p:cNvPicPr>
+            <a:picLocks noChangeAspect="1"/>
+          </p:cNvPicPr>
           <p:nvPr/>
-        </p:nvSpPr>
-        <p:spPr>
+        </p:nvPicPr>
+        <p:blipFill rotWithShape="1">
+          <a:blip r:embed="rId2">
+            <a:extLst>
+              <a:ext uri="{28A0092B-C50C-407E-A947-70E740481C1C}">
+                <a14:useLocalDpi xmlns:a14="http://schemas.microsoft.com/office/drawing/2010/main" val="0"/>
+              </a:ext>
+            </a:extLst>
+          </a:blip>
+          <a:srcRect l="458" t="738" b="-1"/>
+          <a:stretch/>
+        </p:blipFill>
+        <p:spPr bwMode="auto">
           <a:xfrm>
-            <a:off x="4853786" y="795866"/>
-            <a:ext cx="6525416" cy="5571067"/>
+            <a:off x="5006185" y="2151696"/>
+            <a:ext cx="6063102" cy="3758038"/>
           </a:xfrm>
           <a:prstGeom prst="rect">
             <a:avLst/>
           </a:prstGeom>
+          <a:noFill/>
+          <a:ln>
+            <a:noFill/>
+          </a:ln>
+          <a:extLst>
+            <a:ext uri="{53640926-AAD7-44D8-BBD7-CCE9431645EC}">
+              <a14:shadowObscured xmlns:a14="http://schemas.microsoft.com/office/drawing/2010/main"/>
+            </a:ext>
+          </a:extLst>
         </p:spPr>
-        <p:txBody>
-          <a:bodyPr vert="horz" lIns="91440" tIns="45720" rIns="91440" bIns="45720" rtlCol="0">
-            <a:normAutofit/>
-          </a:bodyPr>
-          <a:lstStyle>
-            <a:lvl1pPr marL="182880" indent="-182880" algn="l" defTabSz="914400" rtl="0" eaLnBrk="1" latinLnBrk="0" hangingPunct="1">
-              <a:lnSpc>
-                <a:spcPct val="95000"/>
-              </a:lnSpc>
-              <a:spcBef>
-                <a:spcPts val="1400"/>
-              </a:spcBef>
-              <a:spcAft>
-                <a:spcPts val="200"/>
-              </a:spcAft>
-              <a:buClr>
-                <a:schemeClr val="accent1"/>
-              </a:buClr>
-              <a:buSzPct val="80000"/>
-              <a:buFont typeface="Arial" pitchFamily="34" charset="0"/>
-              <a:buChar char="•"/>
-              <a:defRPr sz="1800" kern="1200" spc="10" baseline="0">
-                <a:solidFill>
-                  <a:schemeClr val="tx1"/>
-                </a:solidFill>
-                <a:latin typeface="+mn-lt"/>
-                <a:ea typeface="+mn-ea"/>
-                <a:cs typeface="+mn-cs"/>
-              </a:defRPr>
-            </a:lvl1pPr>
-            <a:lvl2pPr marL="457200" indent="-182880" algn="l" defTabSz="914400" rtl="0" eaLnBrk="1" latinLnBrk="0" hangingPunct="1">
-              <a:lnSpc>
-                <a:spcPct val="90000"/>
-              </a:lnSpc>
-              <a:spcBef>
-                <a:spcPts val="300"/>
-              </a:spcBef>
-              <a:spcAft>
-                <a:spcPts val="300"/>
-              </a:spcAft>
-              <a:buClr>
-                <a:schemeClr val="accent1"/>
-              </a:buClr>
-              <a:buFont typeface="Wingdings 2" pitchFamily="18" charset="2"/>
-              <a:buChar char=""/>
-              <a:defRPr sz="1600" kern="1200">
-                <a:solidFill>
-                  <a:schemeClr val="tx1">
-                    <a:lumMod val="85000"/>
-                    <a:lumOff val="15000"/>
-                  </a:schemeClr>
-                </a:solidFill>
-                <a:latin typeface="+mn-lt"/>
-                <a:ea typeface="+mn-ea"/>
-                <a:cs typeface="+mn-cs"/>
-              </a:defRPr>
-            </a:lvl2pPr>
-            <a:lvl3pPr marL="731520" indent="-182880" algn="l" defTabSz="914400" rtl="0" eaLnBrk="1" latinLnBrk="0" hangingPunct="1">
-              <a:lnSpc>
-                <a:spcPct val="90000"/>
-              </a:lnSpc>
-              <a:spcBef>
-                <a:spcPts val="300"/>
-              </a:spcBef>
-              <a:spcAft>
-                <a:spcPts val="300"/>
-              </a:spcAft>
-              <a:buClr>
-                <a:schemeClr val="accent1"/>
-              </a:buClr>
-              <a:buFont typeface="Wingdings 2" pitchFamily="18" charset="2"/>
-              <a:buChar char=""/>
-              <a:defRPr sz="1400" kern="1200">
-                <a:solidFill>
-                  <a:schemeClr val="tx1">
-                    <a:lumMod val="85000"/>
-                    <a:lumOff val="15000"/>
-                  </a:schemeClr>
-                </a:solidFill>
-                <a:latin typeface="+mn-lt"/>
-                <a:ea typeface="+mn-ea"/>
-                <a:cs typeface="+mn-cs"/>
-              </a:defRPr>
-            </a:lvl3pPr>
-            <a:lvl4pPr marL="1005840" indent="-182880" algn="l" defTabSz="914400" rtl="0" eaLnBrk="1" latinLnBrk="0" hangingPunct="1">
-              <a:lnSpc>
-                <a:spcPct val="90000"/>
-              </a:lnSpc>
-              <a:spcBef>
-                <a:spcPts val="300"/>
-              </a:spcBef>
-              <a:spcAft>
-                <a:spcPts val="300"/>
-              </a:spcAft>
-              <a:buClr>
-                <a:schemeClr val="accent1"/>
-              </a:buClr>
-              <a:buFont typeface="Wingdings 2" pitchFamily="18" charset="2"/>
-              <a:buChar char=""/>
-              <a:defRPr sz="1400" kern="1200">
-                <a:solidFill>
-                  <a:schemeClr val="tx1">
-                    <a:lumMod val="85000"/>
-                    <a:lumOff val="15000"/>
-                  </a:schemeClr>
-                </a:solidFill>
-                <a:latin typeface="+mn-lt"/>
-                <a:ea typeface="+mn-ea"/>
-                <a:cs typeface="+mn-cs"/>
-              </a:defRPr>
-            </a:lvl4pPr>
-            <a:lvl5pPr marL="1280160" indent="-182880" algn="l" defTabSz="914400" rtl="0" eaLnBrk="1" latinLnBrk="0" hangingPunct="1">
-              <a:lnSpc>
-                <a:spcPct val="90000"/>
-              </a:lnSpc>
-              <a:spcBef>
-                <a:spcPts val="300"/>
-              </a:spcBef>
-              <a:spcAft>
-                <a:spcPts val="300"/>
-              </a:spcAft>
-              <a:buClr>
-                <a:schemeClr val="accent1"/>
-              </a:buClr>
-              <a:buFont typeface="Wingdings 2" pitchFamily="18" charset="2"/>
-              <a:buChar char=""/>
-              <a:defRPr sz="1400" kern="1200">
-                <a:solidFill>
-                  <a:schemeClr val="tx1">
-                    <a:lumMod val="85000"/>
-                    <a:lumOff val="15000"/>
-                  </a:schemeClr>
-                </a:solidFill>
-                <a:latin typeface="+mn-lt"/>
-                <a:ea typeface="+mn-ea"/>
-                <a:cs typeface="+mn-cs"/>
-              </a:defRPr>
-            </a:lvl5pPr>
-            <a:lvl6pPr marL="1600000" indent="-228600" algn="l" defTabSz="914400" rtl="0" eaLnBrk="1" latinLnBrk="0" hangingPunct="1">
-              <a:lnSpc>
-                <a:spcPct val="90000"/>
-              </a:lnSpc>
-              <a:spcBef>
-                <a:spcPts val="300"/>
-              </a:spcBef>
-              <a:spcAft>
-                <a:spcPts val="300"/>
-              </a:spcAft>
-              <a:buClr>
-                <a:schemeClr val="accent1"/>
-              </a:buClr>
-              <a:buFont typeface="Wingdings 2" pitchFamily="18" charset="2"/>
-              <a:buChar char=""/>
-              <a:defRPr sz="1400" kern="1200">
-                <a:solidFill>
-                  <a:schemeClr val="tx1">
-                    <a:lumMod val="85000"/>
-                    <a:lumOff val="15000"/>
-                  </a:schemeClr>
-                </a:solidFill>
-                <a:latin typeface="+mn-lt"/>
-                <a:ea typeface="+mn-ea"/>
-                <a:cs typeface="+mn-cs"/>
-              </a:defRPr>
-            </a:lvl6pPr>
-            <a:lvl7pPr marL="1900000" indent="-228600" algn="l" defTabSz="914400" rtl="0" eaLnBrk="1" latinLnBrk="0" hangingPunct="1">
-              <a:lnSpc>
-                <a:spcPct val="90000"/>
-              </a:lnSpc>
-              <a:spcBef>
-                <a:spcPts val="300"/>
-              </a:spcBef>
-              <a:spcAft>
-                <a:spcPts val="300"/>
-              </a:spcAft>
-              <a:buClr>
-                <a:schemeClr val="accent1"/>
-              </a:buClr>
-              <a:buFont typeface="Wingdings 2" pitchFamily="18" charset="2"/>
-              <a:buChar char=""/>
-              <a:defRPr sz="1400" kern="1200">
-                <a:solidFill>
-                  <a:schemeClr val="tx1">
-                    <a:lumMod val="85000"/>
-                    <a:lumOff val="15000"/>
-                  </a:schemeClr>
-                </a:solidFill>
-                <a:latin typeface="+mn-lt"/>
-                <a:ea typeface="+mn-ea"/>
-                <a:cs typeface="+mn-cs"/>
-              </a:defRPr>
-            </a:lvl7pPr>
-            <a:lvl8pPr marL="2200000" indent="-228600" algn="l" defTabSz="914400" rtl="0" eaLnBrk="1" latinLnBrk="0" hangingPunct="1">
-              <a:lnSpc>
-                <a:spcPct val="90000"/>
-              </a:lnSpc>
-              <a:spcBef>
-                <a:spcPts val="300"/>
-              </a:spcBef>
-              <a:spcAft>
-                <a:spcPts val="300"/>
-              </a:spcAft>
-              <a:buClr>
-                <a:schemeClr val="accent1"/>
-              </a:buClr>
-              <a:buFont typeface="Wingdings 2" pitchFamily="18" charset="2"/>
-              <a:buChar char=""/>
-              <a:defRPr sz="1400" kern="1200">
-                <a:solidFill>
-                  <a:schemeClr val="tx1">
-                    <a:lumMod val="85000"/>
-                    <a:lumOff val="15000"/>
-                  </a:schemeClr>
-                </a:solidFill>
-                <a:latin typeface="+mn-lt"/>
-                <a:ea typeface="+mn-ea"/>
-                <a:cs typeface="+mn-cs"/>
-              </a:defRPr>
-            </a:lvl8pPr>
-            <a:lvl9pPr marL="2500000" indent="-228600" algn="l" defTabSz="914400" rtl="0" eaLnBrk="1" latinLnBrk="0" hangingPunct="1">
-              <a:lnSpc>
-                <a:spcPct val="90000"/>
-              </a:lnSpc>
-              <a:spcBef>
-                <a:spcPts val="300"/>
-              </a:spcBef>
-              <a:spcAft>
-                <a:spcPts val="300"/>
-              </a:spcAft>
-              <a:buClr>
-                <a:schemeClr val="accent1"/>
-              </a:buClr>
-              <a:buFont typeface="Wingdings 2" pitchFamily="18" charset="2"/>
-              <a:buChar char=""/>
-              <a:defRPr sz="1400" kern="1200">
-                <a:solidFill>
-                  <a:schemeClr val="tx1">
-                    <a:lumMod val="85000"/>
-                    <a:lumOff val="15000"/>
-                  </a:schemeClr>
-                </a:solidFill>
-                <a:latin typeface="+mn-lt"/>
-                <a:ea typeface="+mn-ea"/>
-                <a:cs typeface="+mn-cs"/>
-              </a:defRPr>
-            </a:lvl9pPr>
-          </a:lstStyle>
-          <a:p>
-            <a:pPr marL="0" indent="0">
-              <a:buFont typeface="Arial" pitchFamily="34" charset="0"/>
-              <a:buNone/>
-            </a:pPr>
-            <a:endParaRPr lang="de-DE" sz="2400" dirty="0"/>
+      </p:pic>
+      <p:sp>
+        <p:nvSpPr>
+          <p:cNvPr id="22" name="Rechteck 21">
+            <a:extLst>
+              <a:ext uri="{FF2B5EF4-FFF2-40B4-BE49-F238E27FC236}">
+                <a16:creationId xmlns:a16="http://schemas.microsoft.com/office/drawing/2014/main" id="{4B9F725A-37EB-4386-8416-8CFEB8910AF6}"/>
+              </a:ext>
+            </a:extLst>
+          </p:cNvPr>
+          <p:cNvSpPr/>
+          <p:nvPr/>
+        </p:nvSpPr>
+        <p:spPr>
+          <a:xfrm>
+            <a:off x="9019309" y="3127664"/>
+            <a:ext cx="1007918" cy="2026227"/>
+          </a:xfrm>
+          <a:prstGeom prst="rect">
+            <a:avLst/>
+          </a:prstGeom>
+          <a:noFill/>
+          <a:ln w="38100">
+            <a:solidFill>
+              <a:srgbClr val="FF0000"/>
+            </a:solidFill>
+          </a:ln>
+        </p:spPr>
+        <p:style>
+          <a:lnRef idx="2">
+            <a:schemeClr val="accent1">
+              <a:shade val="50000"/>
+            </a:schemeClr>
+          </a:lnRef>
+          <a:fillRef idx="1">
+            <a:schemeClr val="accent1"/>
+          </a:fillRef>
+          <a:effectRef idx="0">
+            <a:schemeClr val="accent1"/>
+          </a:effectRef>
+          <a:fontRef idx="minor">
+            <a:schemeClr val="lt1"/>
+          </a:fontRef>
+        </p:style>
+        <p:txBody>
+          <a:bodyPr rtlCol="0" anchor="ctr"/>
+          <a:lstStyle/>
+          <a:p>
+            <a:pPr algn="ctr"/>
+            <a:endParaRPr lang="de-DE"/>
+          </a:p>
+        </p:txBody>
+      </p:sp>
+      <p:sp>
+        <p:nvSpPr>
+          <p:cNvPr id="23" name="Rechteck 22">
+            <a:extLst>
+              <a:ext uri="{FF2B5EF4-FFF2-40B4-BE49-F238E27FC236}">
+                <a16:creationId xmlns:a16="http://schemas.microsoft.com/office/drawing/2014/main" id="{66E384CE-B232-44B6-97DE-098147B907AA}"/>
+              </a:ext>
+            </a:extLst>
+          </p:cNvPr>
+          <p:cNvSpPr/>
+          <p:nvPr/>
+        </p:nvSpPr>
+        <p:spPr>
+          <a:xfrm>
+            <a:off x="9029700" y="5403272"/>
+            <a:ext cx="973282" cy="249383"/>
+          </a:xfrm>
+          <a:prstGeom prst="rect">
+            <a:avLst/>
+          </a:prstGeom>
+          <a:noFill/>
+          <a:ln w="38100">
+            <a:solidFill>
+              <a:srgbClr val="FF0000"/>
+            </a:solidFill>
+          </a:ln>
+        </p:spPr>
+        <p:style>
+          <a:lnRef idx="2">
+            <a:schemeClr val="accent1">
+              <a:shade val="50000"/>
+            </a:schemeClr>
+          </a:lnRef>
+          <a:fillRef idx="1">
+            <a:schemeClr val="accent1"/>
+          </a:fillRef>
+          <a:effectRef idx="0">
+            <a:schemeClr val="accent1"/>
+          </a:effectRef>
+          <a:fontRef idx="minor">
+            <a:schemeClr val="lt1"/>
+          </a:fontRef>
+        </p:style>
+        <p:txBody>
+          <a:bodyPr rtlCol="0" anchor="ctr"/>
+          <a:lstStyle/>
+          <a:p>
+            <a:pPr algn="ctr"/>
+            <a:endParaRPr lang="de-DE"/>
+          </a:p>
+        </p:txBody>
+      </p:sp>
+      <p:sp>
+        <p:nvSpPr>
+          <p:cNvPr id="24" name="Rechteck 23">
+            <a:extLst>
+              <a:ext uri="{FF2B5EF4-FFF2-40B4-BE49-F238E27FC236}">
+                <a16:creationId xmlns:a16="http://schemas.microsoft.com/office/drawing/2014/main" id="{7274ED1F-BE5F-4BD2-9DA0-951286E29E8C}"/>
+              </a:ext>
+            </a:extLst>
+          </p:cNvPr>
+          <p:cNvSpPr/>
+          <p:nvPr/>
+        </p:nvSpPr>
+        <p:spPr>
+          <a:xfrm>
+            <a:off x="10048009" y="5150427"/>
+            <a:ext cx="1021773" cy="249383"/>
+          </a:xfrm>
+          <a:prstGeom prst="rect">
+            <a:avLst/>
+          </a:prstGeom>
+          <a:noFill/>
+          <a:ln w="38100">
+            <a:solidFill>
+              <a:srgbClr val="FF0000"/>
+            </a:solidFill>
+          </a:ln>
+        </p:spPr>
+        <p:style>
+          <a:lnRef idx="2">
+            <a:schemeClr val="accent1">
+              <a:shade val="50000"/>
+            </a:schemeClr>
+          </a:lnRef>
+          <a:fillRef idx="1">
+            <a:schemeClr val="accent1"/>
+          </a:fillRef>
+          <a:effectRef idx="0">
+            <a:schemeClr val="accent1"/>
+          </a:effectRef>
+          <a:fontRef idx="minor">
+            <a:schemeClr val="lt1"/>
+          </a:fontRef>
+        </p:style>
+        <p:txBody>
+          <a:bodyPr rtlCol="0" anchor="ctr"/>
+          <a:lstStyle/>
+          <a:p>
+            <a:pPr algn="ctr"/>
+            <a:endParaRPr lang="de-DE"/>
+          </a:p>
+        </p:txBody>
+      </p:sp>
+      <p:sp>
+        <p:nvSpPr>
+          <p:cNvPr id="25" name="Rechteck 24">
+            <a:extLst>
+              <a:ext uri="{FF2B5EF4-FFF2-40B4-BE49-F238E27FC236}">
+                <a16:creationId xmlns:a16="http://schemas.microsoft.com/office/drawing/2014/main" id="{437F6007-DBC5-4F6B-9B07-2D33CEE5D156}"/>
+              </a:ext>
+            </a:extLst>
+          </p:cNvPr>
+          <p:cNvSpPr/>
+          <p:nvPr/>
+        </p:nvSpPr>
+        <p:spPr>
+          <a:xfrm>
+            <a:off x="8059882" y="2874818"/>
+            <a:ext cx="973282" cy="249383"/>
+          </a:xfrm>
+          <a:prstGeom prst="rect">
+            <a:avLst/>
+          </a:prstGeom>
+          <a:noFill/>
+          <a:ln w="38100">
+            <a:solidFill>
+              <a:srgbClr val="FF0000"/>
+            </a:solidFill>
+          </a:ln>
+        </p:spPr>
+        <p:style>
+          <a:lnRef idx="2">
+            <a:schemeClr val="accent1">
+              <a:shade val="50000"/>
+            </a:schemeClr>
+          </a:lnRef>
+          <a:fillRef idx="1">
+            <a:schemeClr val="accent1"/>
+          </a:fillRef>
+          <a:effectRef idx="0">
+            <a:schemeClr val="accent1"/>
+          </a:effectRef>
+          <a:fontRef idx="minor">
+            <a:schemeClr val="lt1"/>
+          </a:fontRef>
+        </p:style>
+        <p:txBody>
+          <a:bodyPr rtlCol="0" anchor="ctr"/>
+          <a:lstStyle/>
+          <a:p>
+            <a:pPr algn="ctr"/>
+            <a:endParaRPr lang="de-DE"/>
           </a:p>
         </p:txBody>
       </p:sp>
     </p:spTree>
     <p:extLst>
       <p:ext uri="{BB962C8B-B14F-4D97-AF65-F5344CB8AC3E}">
-        <p14:creationId xmlns:p14="http://schemas.microsoft.com/office/powerpoint/2010/main" val="1244909400"/>
+        <p14:creationId xmlns:p14="http://schemas.microsoft.com/office/powerpoint/2010/main" val="1491759293"/>
       </p:ext>
     </p:extLst>
   </p:cSld>
   <p:clrMapOvr>
     <a:masterClrMapping/>
   </p:clrMapOvr>
+  <p:timing>
+    <p:tnLst>
+      <p:par>
+        <p:cTn id="1" dur="indefinite" restart="never" nodeType="tmRoot">
+          <p:childTnLst>
+            <p:seq concurrent="1" nextAc="seek">
+              <p:cTn id="2" dur="indefinite" nodeType="mainSeq">
+                <p:childTnLst>
+                  <p:par>
+                    <p:cTn id="3" fill="hold">
+                      <p:stCondLst>
+                        <p:cond delay="indefinite"/>
+                      </p:stCondLst>
+                      <p:childTnLst>
+                        <p:par>
+                          <p:cTn id="4" fill="hold">
+                            <p:stCondLst>
+                              <p:cond delay="0"/>
+                            </p:stCondLst>
+                            <p:childTnLst>
+                              <p:par>
+                                <p:cTn id="5" presetID="1" presetClass="entr" presetSubtype="0" fill="hold" grpId="1" nodeType="clickEffect">
+                                  <p:stCondLst>
+                                    <p:cond delay="0"/>
+                                  </p:stCondLst>
+                                  <p:childTnLst>
+                                    <p:set>
+                                      <p:cBhvr>
+                                        <p:cTn id="6" dur="1" fill="hold">
+                                          <p:stCondLst>
+                                            <p:cond delay="0"/>
+                                          </p:stCondLst>
+                                        </p:cTn>
+                                        <p:tgtEl>
+                                          <p:spTgt spid="22"/>
+                                        </p:tgtEl>
+                                        <p:attrNameLst>
+                                          <p:attrName>style.visibility</p:attrName>
+                                        </p:attrNameLst>
+                                      </p:cBhvr>
+                                      <p:to>
+                                        <p:strVal val="visible"/>
+                                      </p:to>
+                                    </p:set>
+                                  </p:childTnLst>
+                                </p:cTn>
+                              </p:par>
+                            </p:childTnLst>
+                          </p:cTn>
+                        </p:par>
+                      </p:childTnLst>
+                    </p:cTn>
+                  </p:par>
+                  <p:par>
+                    <p:cTn id="7" fill="hold">
+                      <p:stCondLst>
+                        <p:cond delay="indefinite"/>
+                      </p:stCondLst>
+                      <p:childTnLst>
+                        <p:par>
+                          <p:cTn id="8" fill="hold">
+                            <p:stCondLst>
+                              <p:cond delay="0"/>
+                            </p:stCondLst>
+                            <p:childTnLst>
+                              <p:par>
+                                <p:cTn id="9" presetID="42" presetClass="path" presetSubtype="0" accel="50000" decel="50000" fill="hold" grpId="0" nodeType="clickEffect">
+                                  <p:stCondLst>
+                                    <p:cond delay="0"/>
+                                  </p:stCondLst>
+                                  <p:childTnLst>
+                                    <p:animMotion origin="layout" path="M 4.16667E-7 -3.7037E-6 L 0.08477 -3.7037E-6 " pathEditMode="relative" rAng="0" ptsTypes="AA">
+                                      <p:cBhvr>
+                                        <p:cTn id="10" dur="1000" fill="hold"/>
+                                        <p:tgtEl>
+                                          <p:spTgt spid="22"/>
+                                        </p:tgtEl>
+                                        <p:attrNameLst>
+                                          <p:attrName>ppt_x</p:attrName>
+                                          <p:attrName>ppt_y</p:attrName>
+                                        </p:attrNameLst>
+                                      </p:cBhvr>
+                                      <p:rCtr x="4232" y="0"/>
+                                    </p:animMotion>
+                                  </p:childTnLst>
+                                </p:cTn>
+                              </p:par>
+                            </p:childTnLst>
+                          </p:cTn>
+                        </p:par>
+                      </p:childTnLst>
+                    </p:cTn>
+                  </p:par>
+                  <p:par>
+                    <p:cTn id="11" fill="hold">
+                      <p:stCondLst>
+                        <p:cond delay="indefinite"/>
+                      </p:stCondLst>
+                      <p:childTnLst>
+                        <p:par>
+                          <p:cTn id="12" fill="hold">
+                            <p:stCondLst>
+                              <p:cond delay="0"/>
+                            </p:stCondLst>
+                            <p:childTnLst>
+                              <p:par>
+                                <p:cTn id="13" presetID="1" presetClass="exit" presetSubtype="0" fill="hold" grpId="2" nodeType="clickEffect">
+                                  <p:stCondLst>
+                                    <p:cond delay="0"/>
+                                  </p:stCondLst>
+                                  <p:childTnLst>
+                                    <p:set>
+                                      <p:cBhvr>
+                                        <p:cTn id="14" dur="1" fill="hold">
+                                          <p:stCondLst>
+                                            <p:cond delay="0"/>
+                                          </p:stCondLst>
+                                        </p:cTn>
+                                        <p:tgtEl>
+                                          <p:spTgt spid="22"/>
+                                        </p:tgtEl>
+                                        <p:attrNameLst>
+                                          <p:attrName>style.visibility</p:attrName>
+                                        </p:attrNameLst>
+                                      </p:cBhvr>
+                                      <p:to>
+                                        <p:strVal val="hidden"/>
+                                      </p:to>
+                                    </p:set>
+                                  </p:childTnLst>
+                                </p:cTn>
+                              </p:par>
+                              <p:par>
+                                <p:cTn id="15" presetID="1" presetClass="entr" presetSubtype="0" fill="hold" grpId="0" nodeType="withEffect">
+                                  <p:stCondLst>
+                                    <p:cond delay="0"/>
+                                  </p:stCondLst>
+                                  <p:childTnLst>
+                                    <p:set>
+                                      <p:cBhvr>
+                                        <p:cTn id="16" dur="1" fill="hold">
+                                          <p:stCondLst>
+                                            <p:cond delay="0"/>
+                                          </p:stCondLst>
+                                        </p:cTn>
+                                        <p:tgtEl>
+                                          <p:spTgt spid="23"/>
+                                        </p:tgtEl>
+                                        <p:attrNameLst>
+                                          <p:attrName>style.visibility</p:attrName>
+                                        </p:attrNameLst>
+                                      </p:cBhvr>
+                                      <p:to>
+                                        <p:strVal val="visible"/>
+                                      </p:to>
+                                    </p:set>
+                                  </p:childTnLst>
+                                </p:cTn>
+                              </p:par>
+                            </p:childTnLst>
+                          </p:cTn>
+                        </p:par>
+                      </p:childTnLst>
+                    </p:cTn>
+                  </p:par>
+                  <p:par>
+                    <p:cTn id="17" fill="hold">
+                      <p:stCondLst>
+                        <p:cond delay="indefinite"/>
+                      </p:stCondLst>
+                      <p:childTnLst>
+                        <p:par>
+                          <p:cTn id="18" fill="hold">
+                            <p:stCondLst>
+                              <p:cond delay="0"/>
+                            </p:stCondLst>
+                            <p:childTnLst>
+                              <p:par>
+                                <p:cTn id="19" presetID="1" presetClass="entr" presetSubtype="0" fill="hold" grpId="0" nodeType="clickEffect">
+                                  <p:stCondLst>
+                                    <p:cond delay="0"/>
+                                  </p:stCondLst>
+                                  <p:childTnLst>
+                                    <p:set>
+                                      <p:cBhvr>
+                                        <p:cTn id="20" dur="1" fill="hold">
+                                          <p:stCondLst>
+                                            <p:cond delay="0"/>
+                                          </p:stCondLst>
+                                        </p:cTn>
+                                        <p:tgtEl>
+                                          <p:spTgt spid="24"/>
+                                        </p:tgtEl>
+                                        <p:attrNameLst>
+                                          <p:attrName>style.visibility</p:attrName>
+                                        </p:attrNameLst>
+                                      </p:cBhvr>
+                                      <p:to>
+                                        <p:strVal val="visible"/>
+                                      </p:to>
+                                    </p:set>
+                                  </p:childTnLst>
+                                </p:cTn>
+                              </p:par>
+                              <p:par>
+                                <p:cTn id="21" presetID="1" presetClass="exit" presetSubtype="0" fill="hold" grpId="1" nodeType="withEffect">
+                                  <p:stCondLst>
+                                    <p:cond delay="0"/>
+                                  </p:stCondLst>
+                                  <p:childTnLst>
+                                    <p:set>
+                                      <p:cBhvr>
+                                        <p:cTn id="22" dur="1" fill="hold">
+                                          <p:stCondLst>
+                                            <p:cond delay="0"/>
+                                          </p:stCondLst>
+                                        </p:cTn>
+                                        <p:tgtEl>
+                                          <p:spTgt spid="23"/>
+                                        </p:tgtEl>
+                                        <p:attrNameLst>
+                                          <p:attrName>style.visibility</p:attrName>
+                                        </p:attrNameLst>
+                                      </p:cBhvr>
+                                      <p:to>
+                                        <p:strVal val="hidden"/>
+                                      </p:to>
+                                    </p:set>
+                                  </p:childTnLst>
+                                </p:cTn>
+                              </p:par>
+                            </p:childTnLst>
+                          </p:cTn>
+                        </p:par>
+                      </p:childTnLst>
+                    </p:cTn>
+                  </p:par>
+                  <p:par>
+                    <p:cTn id="23" fill="hold">
+                      <p:stCondLst>
+                        <p:cond delay="indefinite"/>
+                      </p:stCondLst>
+                      <p:childTnLst>
+                        <p:par>
+                          <p:cTn id="24" fill="hold">
+                            <p:stCondLst>
+                              <p:cond delay="0"/>
+                            </p:stCondLst>
+                            <p:childTnLst>
+                              <p:par>
+                                <p:cTn id="25" presetID="1" presetClass="entr" presetSubtype="0" fill="hold" grpId="0" nodeType="clickEffect">
+                                  <p:stCondLst>
+                                    <p:cond delay="0"/>
+                                  </p:stCondLst>
+                                  <p:childTnLst>
+                                    <p:set>
+                                      <p:cBhvr>
+                                        <p:cTn id="26" dur="1" fill="hold">
+                                          <p:stCondLst>
+                                            <p:cond delay="0"/>
+                                          </p:stCondLst>
+                                        </p:cTn>
+                                        <p:tgtEl>
+                                          <p:spTgt spid="25"/>
+                                        </p:tgtEl>
+                                        <p:attrNameLst>
+                                          <p:attrName>style.visibility</p:attrName>
+                                        </p:attrNameLst>
+                                      </p:cBhvr>
+                                      <p:to>
+                                        <p:strVal val="visible"/>
+                                      </p:to>
+                                    </p:set>
+                                  </p:childTnLst>
+                                </p:cTn>
+                              </p:par>
+                              <p:par>
+                                <p:cTn id="27" presetID="1" presetClass="exit" presetSubtype="0" fill="hold" grpId="1" nodeType="withEffect">
+                                  <p:stCondLst>
+                                    <p:cond delay="0"/>
+                                  </p:stCondLst>
+                                  <p:childTnLst>
+                                    <p:set>
+                                      <p:cBhvr>
+                                        <p:cTn id="28" dur="1" fill="hold">
+                                          <p:stCondLst>
+                                            <p:cond delay="0"/>
+                                          </p:stCondLst>
+                                        </p:cTn>
+                                        <p:tgtEl>
+                                          <p:spTgt spid="24"/>
+                                        </p:tgtEl>
+                                        <p:attrNameLst>
+                                          <p:attrName>style.visibility</p:attrName>
+                                        </p:attrNameLst>
+                                      </p:cBhvr>
+                                      <p:to>
+                                        <p:strVal val="hidden"/>
+                                      </p:to>
+                                    </p:set>
+                                  </p:childTnLst>
+                                </p:cTn>
+                              </p:par>
+                            </p:childTnLst>
+                          </p:cTn>
+                        </p:par>
+                      </p:childTnLst>
+                    </p:cTn>
+                  </p:par>
+                </p:childTnLst>
+              </p:cTn>
+              <p:prevCondLst>
+                <p:cond evt="onPrev" delay="0">
+                  <p:tgtEl>
+                    <p:sldTgt/>
+                  </p:tgtEl>
+                </p:cond>
+              </p:prevCondLst>
+              <p:nextCondLst>
+                <p:cond evt="onNext" delay="0">
+                  <p:tgtEl>
+                    <p:sldTgt/>
+                  </p:tgtEl>
+                </p:cond>
+              </p:nextCondLst>
+            </p:seq>
+          </p:childTnLst>
+        </p:cTn>
+      </p:par>
+    </p:tnLst>
+    <p:bldLst>
+      <p:bldP spid="22" grpId="0" animBg="1"/>
+      <p:bldP spid="22" grpId="1" animBg="1"/>
+      <p:bldP spid="22" grpId="2" animBg="1"/>
+      <p:bldP spid="23" grpId="0" animBg="1"/>
+      <p:bldP spid="23" grpId="1" animBg="1"/>
+      <p:bldP spid="24" grpId="0" animBg="1"/>
+      <p:bldP spid="24" grpId="1" animBg="1"/>
+      <p:bldP spid="25" grpId="0" animBg="1"/>
+    </p:bldLst>
+  </p:timing>
 </p:sld>
 </file>
 
@@ -9118,7 +11097,7 @@
         <p:spPr>
           <a:xfrm>
             <a:off x="4701386" y="643466"/>
-            <a:ext cx="6525416" cy="5571067"/>
+            <a:ext cx="6525416" cy="6017107"/>
           </a:xfrm>
           <a:prstGeom prst="rect">
             <a:avLst/>
@@ -9372,16 +11351,432 @@
             </a:lvl9pPr>
           </a:lstStyle>
           <a:p>
-            <a:endParaRPr lang="de-DE" sz="2400" dirty="0"/>
-          </a:p>
-        </p:txBody>
-      </p:sp>
-      <p:sp>
-        <p:nvSpPr>
-          <p:cNvPr id="7" name="Inhaltsplatzhalter 2">
+            <a:pPr marL="0" indent="0">
+              <a:buFont typeface="Arial" pitchFamily="34" charset="0"/>
+              <a:buNone/>
+            </a:pPr>
+            <a:r>
+              <a:rPr lang="de-DE" sz="2400" dirty="0"/>
+              <a:t>Data Interpretation</a:t>
+            </a:r>
+          </a:p>
+          <a:p>
+            <a:r>
+              <a:rPr lang="de-DE" sz="2400" dirty="0"/>
+              <a:t>Vermutung: Anteil Fehlkäufe steigen mit höherem Fahrzeugalter</a:t>
+            </a:r>
+          </a:p>
+          <a:p>
+            <a:pPr marL="0" indent="0">
+              <a:buNone/>
+            </a:pPr>
+            <a:endParaRPr lang="de-DE" sz="2400" dirty="0"/>
+          </a:p>
+          <a:p>
+            <a:endParaRPr lang="de-DE" sz="2400" dirty="0"/>
+          </a:p>
+          <a:p>
+            <a:endParaRPr lang="de-DE" sz="2400" dirty="0"/>
+          </a:p>
+          <a:p>
+            <a:endParaRPr lang="de-DE" sz="2400" dirty="0"/>
+          </a:p>
+          <a:p>
+            <a:endParaRPr lang="de-DE" sz="2400" dirty="0"/>
+          </a:p>
+          <a:p>
+            <a:endParaRPr lang="de-DE" sz="2400" dirty="0"/>
+          </a:p>
+          <a:p>
+            <a:endParaRPr lang="de-DE" sz="2400" dirty="0"/>
+          </a:p>
+          <a:p>
+            <a:endParaRPr lang="de-DE" sz="2400" dirty="0"/>
+          </a:p>
+          <a:p>
+            <a:endParaRPr lang="de-DE" sz="2400" dirty="0"/>
+          </a:p>
+          <a:p>
+            <a:endParaRPr lang="de-DE" sz="2400" dirty="0"/>
+          </a:p>
+          <a:p>
+            <a:endParaRPr lang="de-DE" sz="2400" dirty="0"/>
+          </a:p>
+          <a:p>
+            <a:endParaRPr lang="de-DE" sz="2400" dirty="0"/>
+          </a:p>
+          <a:p>
+            <a:endParaRPr lang="de-DE" sz="2400" dirty="0"/>
+          </a:p>
+          <a:p>
+            <a:endParaRPr lang="de-DE" sz="2400" dirty="0"/>
+          </a:p>
+          <a:p>
+            <a:endParaRPr lang="de-DE" sz="2400" dirty="0"/>
+          </a:p>
+          <a:p>
+            <a:endParaRPr lang="de-DE" sz="2400" dirty="0"/>
+          </a:p>
+          <a:p>
+            <a:endParaRPr lang="de-DE" sz="2400" dirty="0"/>
+          </a:p>
+          <a:p>
+            <a:pPr marL="0" indent="0">
+              <a:buNone/>
+            </a:pPr>
+            <a:endParaRPr lang="de-DE" sz="2400" dirty="0"/>
+          </a:p>
+          <a:p>
+            <a:endParaRPr lang="de-DE" sz="2400" dirty="0"/>
+          </a:p>
+        </p:txBody>
+      </p:sp>
+      <p:pic>
+        <p:nvPicPr>
+          <p:cNvPr id="14" name="Grafik 13">
             <a:extLst>
               <a:ext uri="{FF2B5EF4-FFF2-40B4-BE49-F238E27FC236}">
-                <a16:creationId xmlns:a16="http://schemas.microsoft.com/office/drawing/2014/main" id="{8A451152-6282-4040-ACFE-01A25EB30A3E}"/>
+                <a16:creationId xmlns:a16="http://schemas.microsoft.com/office/drawing/2014/main" id="{3FDF068D-ACB7-4977-B9FD-6C907B88804F}"/>
+              </a:ext>
+            </a:extLst>
+          </p:cNvPr>
+          <p:cNvPicPr>
+            <a:picLocks noChangeAspect="1"/>
+          </p:cNvPicPr>
+          <p:nvPr/>
+        </p:nvPicPr>
+        <p:blipFill>
+          <a:blip r:embed="rId2"/>
+          <a:stretch>
+            <a:fillRect/>
+          </a:stretch>
+        </p:blipFill>
+        <p:spPr>
+          <a:xfrm>
+            <a:off x="4744194" y="2270634"/>
+            <a:ext cx="6439799" cy="3943900"/>
+          </a:xfrm>
+          <a:prstGeom prst="rect">
+            <a:avLst/>
+          </a:prstGeom>
+        </p:spPr>
+      </p:pic>
+    </p:spTree>
+    <p:extLst>
+      <p:ext uri="{BB962C8B-B14F-4D97-AF65-F5344CB8AC3E}">
+        <p14:creationId xmlns:p14="http://schemas.microsoft.com/office/powerpoint/2010/main" val="96203062"/>
+      </p:ext>
+    </p:extLst>
+  </p:cSld>
+  <p:clrMapOvr>
+    <a:masterClrMapping/>
+  </p:clrMapOvr>
+</p:sld>
+</file>
+
+<file path=ppt/slides/slide9.xml><?xml version="1.0" encoding="utf-8"?>
+<p:sld xmlns:a="http://schemas.openxmlformats.org/drawingml/2006/main" xmlns:r="http://schemas.openxmlformats.org/officeDocument/2006/relationships" xmlns:p="http://schemas.openxmlformats.org/presentationml/2006/main">
+  <p:cSld>
+    <p:bg>
+      <p:bgPr>
+        <a:solidFill>
+          <a:schemeClr val="bg1"/>
+        </a:solidFill>
+        <a:effectLst/>
+      </p:bgPr>
+    </p:bg>
+    <p:spTree>
+      <p:nvGrpSpPr>
+        <p:cNvPr id="1" name=""/>
+        <p:cNvGrpSpPr/>
+        <p:nvPr/>
+      </p:nvGrpSpPr>
+      <p:grpSpPr>
+        <a:xfrm>
+          <a:off x="0" y="0"/>
+          <a:ext cx="0" cy="0"/>
+          <a:chOff x="0" y="0"/>
+          <a:chExt cx="0" cy="0"/>
+        </a:xfrm>
+      </p:grpSpPr>
+      <p:sp>
+        <p:nvSpPr>
+          <p:cNvPr id="8" name="Rectangle 7">
+            <a:extLst>
+              <a:ext uri="{FF2B5EF4-FFF2-40B4-BE49-F238E27FC236}">
+                <a16:creationId xmlns:a16="http://schemas.microsoft.com/office/drawing/2014/main" id="{33801627-6861-4EA9-BE98-E0CE33A894D9}"/>
+              </a:ext>
+              <a:ext uri="{C183D7F6-B498-43B3-948B-1728B52AA6E4}">
+                <adec:decorative xmlns:adec="http://schemas.microsoft.com/office/drawing/2017/decorative" val="1"/>
+              </a:ext>
+            </a:extLst>
+          </p:cNvPr>
+          <p:cNvSpPr>
+            <a:spLocks noGrp="1" noRot="1" noChangeAspect="1" noMove="1" noResize="1" noEditPoints="1" noAdjustHandles="1" noChangeArrowheads="1" noChangeShapeType="1" noTextEdit="1"/>
+          </p:cNvSpPr>
+          <p:nvPr>
+            <p:extLst>
+              <p:ext uri="{386F3935-93C4-4BCD-93E2-E3B085C9AB24}">
+                <p16:designElem xmlns:p16="http://schemas.microsoft.com/office/powerpoint/2015/main" val="1"/>
+              </p:ext>
+            </p:extLst>
+          </p:nvPr>
+        </p:nvSpPr>
+        <p:spPr>
+          <a:xfrm>
+            <a:off x="1" y="0"/>
+            <a:ext cx="643466" cy="6858000"/>
+          </a:xfrm>
+          <a:prstGeom prst="rect">
+            <a:avLst/>
+          </a:prstGeom>
+          <a:solidFill>
+            <a:srgbClr val="0D0D0D"/>
+          </a:solidFill>
+          <a:ln>
+            <a:noFill/>
+          </a:ln>
+        </p:spPr>
+        <p:style>
+          <a:lnRef idx="2">
+            <a:schemeClr val="accent1">
+              <a:shade val="50000"/>
+            </a:schemeClr>
+          </a:lnRef>
+          <a:fillRef idx="1">
+            <a:schemeClr val="accent1"/>
+          </a:fillRef>
+          <a:effectRef idx="0">
+            <a:schemeClr val="accent1"/>
+          </a:effectRef>
+          <a:fontRef idx="minor">
+            <a:schemeClr val="lt1"/>
+          </a:fontRef>
+        </p:style>
+        <p:txBody>
+          <a:bodyPr rtlCol="0" anchor="ctr"/>
+          <a:lstStyle/>
+          <a:p>
+            <a:pPr algn="ctr"/>
+            <a:endParaRPr lang="en-US"/>
+          </a:p>
+        </p:txBody>
+      </p:sp>
+      <p:sp>
+        <p:nvSpPr>
+          <p:cNvPr id="10" name="Rectangle 9">
+            <a:extLst>
+              <a:ext uri="{FF2B5EF4-FFF2-40B4-BE49-F238E27FC236}">
+                <a16:creationId xmlns:a16="http://schemas.microsoft.com/office/drawing/2014/main" id="{93C1483F-490E-4C8A-8765-1F8AF0C67D5F}"/>
+              </a:ext>
+              <a:ext uri="{C183D7F6-B498-43B3-948B-1728B52AA6E4}">
+                <adec:decorative xmlns:adec="http://schemas.microsoft.com/office/drawing/2017/decorative" val="1"/>
+              </a:ext>
+            </a:extLst>
+          </p:cNvPr>
+          <p:cNvSpPr>
+            <a:spLocks noGrp="1" noRot="1" noChangeAspect="1" noMove="1" noResize="1" noEditPoints="1" noAdjustHandles="1" noChangeArrowheads="1" noChangeShapeType="1" noTextEdit="1"/>
+          </p:cNvSpPr>
+          <p:nvPr>
+            <p:extLst>
+              <p:ext uri="{386F3935-93C4-4BCD-93E2-E3B085C9AB24}">
+                <p16:designElem xmlns:p16="http://schemas.microsoft.com/office/powerpoint/2015/main" val="1"/>
+              </p:ext>
+            </p:extLst>
+          </p:nvPr>
+        </p:nvSpPr>
+        <p:spPr>
+          <a:xfrm>
+            <a:off x="643466" y="0"/>
+            <a:ext cx="3736189" cy="6858000"/>
+          </a:xfrm>
+          <a:prstGeom prst="rect">
+            <a:avLst/>
+          </a:prstGeom>
+          <a:solidFill>
+            <a:srgbClr val="292929"/>
+          </a:solidFill>
+          <a:ln>
+            <a:noFill/>
+          </a:ln>
+        </p:spPr>
+        <p:style>
+          <a:lnRef idx="2">
+            <a:schemeClr val="accent1">
+              <a:shade val="50000"/>
+            </a:schemeClr>
+          </a:lnRef>
+          <a:fillRef idx="1">
+            <a:schemeClr val="accent1"/>
+          </a:fillRef>
+          <a:effectRef idx="0">
+            <a:schemeClr val="accent1"/>
+          </a:effectRef>
+          <a:fontRef idx="minor">
+            <a:schemeClr val="lt1"/>
+          </a:fontRef>
+        </p:style>
+        <p:txBody>
+          <a:bodyPr rtlCol="0" anchor="ctr"/>
+          <a:lstStyle/>
+          <a:p>
+            <a:pPr algn="ctr"/>
+            <a:endParaRPr lang="en-US"/>
+          </a:p>
+        </p:txBody>
+      </p:sp>
+      <p:sp>
+        <p:nvSpPr>
+          <p:cNvPr id="2" name="Titel 1">
+            <a:extLst>
+              <a:ext uri="{FF2B5EF4-FFF2-40B4-BE49-F238E27FC236}">
+                <a16:creationId xmlns:a16="http://schemas.microsoft.com/office/drawing/2014/main" id="{084D98EA-66CF-4F5F-9E2A-4B03A441BEB9}"/>
+              </a:ext>
+            </a:extLst>
+          </p:cNvPr>
+          <p:cNvSpPr>
+            <a:spLocks noGrp="1"/>
+          </p:cNvSpPr>
+          <p:nvPr>
+            <p:ph type="title"/>
+          </p:nvPr>
+        </p:nvSpPr>
+        <p:spPr>
+          <a:xfrm>
+            <a:off x="965198" y="643466"/>
+            <a:ext cx="3092718" cy="5528734"/>
+          </a:xfrm>
+          <a:noFill/>
+        </p:spPr>
+        <p:txBody>
+          <a:bodyPr anchor="t">
+            <a:normAutofit/>
+          </a:bodyPr>
+          <a:lstStyle/>
+          <a:p>
+            <a:r>
+              <a:rPr lang="de-DE" sz="2800" dirty="0">
+                <a:solidFill>
+                  <a:srgbClr val="FFFFFF"/>
+                </a:solidFill>
+              </a:rPr>
+              <a:t>Data </a:t>
+            </a:r>
+            <a:br>
+              <a:rPr lang="de-DE" sz="2800" dirty="0">
+                <a:solidFill>
+                  <a:srgbClr val="FFFFFF"/>
+                </a:solidFill>
+              </a:rPr>
+            </a:br>
+            <a:r>
+              <a:rPr lang="de-DE" sz="2800" dirty="0">
+                <a:solidFill>
+                  <a:srgbClr val="FFFFFF"/>
+                </a:solidFill>
+              </a:rPr>
+              <a:t>Preparation</a:t>
+            </a:r>
+            <a:br>
+              <a:rPr lang="de-DE" sz="2800" dirty="0">
+                <a:solidFill>
+                  <a:srgbClr val="FFFFFF"/>
+                </a:solidFill>
+              </a:rPr>
+            </a:br>
+            <a:r>
+              <a:rPr lang="de-DE" sz="2800" dirty="0">
+                <a:solidFill>
+                  <a:srgbClr val="FFFFFF"/>
+                </a:solidFill>
+              </a:rPr>
+              <a:t>(</a:t>
+            </a:r>
+            <a:r>
+              <a:rPr lang="de-DE" sz="2800" dirty="0" err="1">
+                <a:solidFill>
+                  <a:srgbClr val="FFFFFF"/>
+                </a:solidFill>
+              </a:rPr>
+              <a:t>to</a:t>
+            </a:r>
+            <a:r>
+              <a:rPr lang="de-DE" sz="2800" dirty="0">
+                <a:solidFill>
+                  <a:srgbClr val="FFFFFF"/>
+                </a:solidFill>
+              </a:rPr>
+              <a:t> do)</a:t>
+            </a:r>
+          </a:p>
+        </p:txBody>
+      </p:sp>
+      <p:sp useBgFill="1">
+        <p:nvSpPr>
+          <p:cNvPr id="12" name="Rectangle 11">
+            <a:extLst>
+              <a:ext uri="{FF2B5EF4-FFF2-40B4-BE49-F238E27FC236}">
+                <a16:creationId xmlns:a16="http://schemas.microsoft.com/office/drawing/2014/main" id="{0249BF42-D05C-4553-9417-7B8695759291}"/>
+              </a:ext>
+              <a:ext uri="{C183D7F6-B498-43B3-948B-1728B52AA6E4}">
+                <adec:decorative xmlns:adec="http://schemas.microsoft.com/office/drawing/2017/decorative" val="1"/>
+              </a:ext>
+            </a:extLst>
+          </p:cNvPr>
+          <p:cNvSpPr>
+            <a:spLocks noGrp="1" noRot="1" noChangeAspect="1" noMove="1" noResize="1" noEditPoints="1" noAdjustHandles="1" noChangeArrowheads="1" noChangeShapeType="1" noTextEdit="1"/>
+          </p:cNvSpPr>
+          <p:nvPr>
+            <p:extLst>
+              <p:ext uri="{386F3935-93C4-4BCD-93E2-E3B085C9AB24}">
+                <p16:designElem xmlns:p16="http://schemas.microsoft.com/office/powerpoint/2015/main" val="1"/>
+              </p:ext>
+            </p:extLst>
+          </p:nvPr>
+        </p:nvSpPr>
+        <p:spPr>
+          <a:xfrm>
+            <a:off x="4379654" y="0"/>
+            <a:ext cx="6913185" cy="6858000"/>
+          </a:xfrm>
+          <a:prstGeom prst="rect">
+            <a:avLst/>
+          </a:prstGeom>
+          <a:ln>
+            <a:noFill/>
+          </a:ln>
+        </p:spPr>
+        <p:style>
+          <a:lnRef idx="2">
+            <a:schemeClr val="accent1">
+              <a:shade val="50000"/>
+            </a:schemeClr>
+          </a:lnRef>
+          <a:fillRef idx="1">
+            <a:schemeClr val="accent1"/>
+          </a:fillRef>
+          <a:effectRef idx="0">
+            <a:schemeClr val="accent1"/>
+          </a:effectRef>
+          <a:fontRef idx="minor">
+            <a:schemeClr val="lt1"/>
+          </a:fontRef>
+        </p:style>
+        <p:txBody>
+          <a:bodyPr rtlCol="0" anchor="ctr"/>
+          <a:lstStyle/>
+          <a:p>
+            <a:pPr algn="ctr"/>
+            <a:endParaRPr lang="en-US"/>
+          </a:p>
+        </p:txBody>
+      </p:sp>
+      <p:sp>
+        <p:nvSpPr>
+          <p:cNvPr id="13" name="Inhaltsplatzhalter 2">
+            <a:extLst>
+              <a:ext uri="{FF2B5EF4-FFF2-40B4-BE49-F238E27FC236}">
+                <a16:creationId xmlns:a16="http://schemas.microsoft.com/office/drawing/2014/main" id="{5D98CB0D-C00E-4ECA-B926-D323B162B34E}"/>
               </a:ext>
             </a:extLst>
           </p:cNvPr>
@@ -9392,8 +11787,8 @@
         </p:nvSpPr>
         <p:spPr>
           <a:xfrm>
-            <a:off x="4853786" y="795866"/>
-            <a:ext cx="6525416" cy="5571067"/>
+            <a:off x="4701386" y="643466"/>
+            <a:ext cx="6525416" cy="6017107"/>
           </a:xfrm>
           <a:prstGeom prst="rect">
             <a:avLst/>
@@ -9647,10 +12042,93 @@
             </a:lvl9pPr>
           </a:lstStyle>
           <a:p>
+            <a:r>
+              <a:rPr lang="de-DE" sz="2400" dirty="0"/>
+              <a:t>Entferne nicht relevante Daten (PLZ, …)</a:t>
+            </a:r>
+          </a:p>
+          <a:p>
+            <a:r>
+              <a:rPr lang="de-DE" sz="2400" dirty="0"/>
+              <a:t>Bereinige Datensatz</a:t>
+            </a:r>
+          </a:p>
+          <a:p>
+            <a:r>
+              <a:rPr lang="de-DE" sz="2400" dirty="0"/>
+              <a:t>Formatiere die Daten</a:t>
+            </a:r>
+          </a:p>
+          <a:p>
+            <a:r>
+              <a:rPr lang="de-DE" sz="2400" dirty="0"/>
+              <a:t>Führe Over- / Undersampling durch</a:t>
+            </a:r>
+          </a:p>
+          <a:p>
+            <a:endParaRPr lang="de-DE" sz="2400" dirty="0"/>
+          </a:p>
+          <a:p>
             <a:pPr marL="0" indent="0">
-              <a:buFont typeface="Arial" pitchFamily="34" charset="0"/>
               <a:buNone/>
             </a:pPr>
+            <a:endParaRPr lang="de-DE" sz="2400" dirty="0"/>
+          </a:p>
+          <a:p>
+            <a:endParaRPr lang="de-DE" sz="2400" dirty="0"/>
+          </a:p>
+          <a:p>
+            <a:endParaRPr lang="de-DE" sz="2400" dirty="0"/>
+          </a:p>
+          <a:p>
+            <a:endParaRPr lang="de-DE" sz="2400" dirty="0"/>
+          </a:p>
+          <a:p>
+            <a:endParaRPr lang="de-DE" sz="2400" dirty="0"/>
+          </a:p>
+          <a:p>
+            <a:endParaRPr lang="de-DE" sz="2400" dirty="0"/>
+          </a:p>
+          <a:p>
+            <a:endParaRPr lang="de-DE" sz="2400" dirty="0"/>
+          </a:p>
+          <a:p>
+            <a:endParaRPr lang="de-DE" sz="2400" dirty="0"/>
+          </a:p>
+          <a:p>
+            <a:endParaRPr lang="de-DE" sz="2400" dirty="0"/>
+          </a:p>
+          <a:p>
+            <a:endParaRPr lang="de-DE" sz="2400" dirty="0"/>
+          </a:p>
+          <a:p>
+            <a:endParaRPr lang="de-DE" sz="2400" dirty="0"/>
+          </a:p>
+          <a:p>
+            <a:endParaRPr lang="de-DE" sz="2400" dirty="0"/>
+          </a:p>
+          <a:p>
+            <a:endParaRPr lang="de-DE" sz="2400" dirty="0"/>
+          </a:p>
+          <a:p>
+            <a:endParaRPr lang="de-DE" sz="2400" dirty="0"/>
+          </a:p>
+          <a:p>
+            <a:endParaRPr lang="de-DE" sz="2400" dirty="0"/>
+          </a:p>
+          <a:p>
+            <a:endParaRPr lang="de-DE" sz="2400" dirty="0"/>
+          </a:p>
+          <a:p>
+            <a:endParaRPr lang="de-DE" sz="2400" dirty="0"/>
+          </a:p>
+          <a:p>
+            <a:pPr marL="0" indent="0">
+              <a:buNone/>
+            </a:pPr>
+            <a:endParaRPr lang="de-DE" sz="2400" dirty="0"/>
+          </a:p>
+          <a:p>
             <a:endParaRPr lang="de-DE" sz="2400" dirty="0"/>
           </a:p>
         </p:txBody>
@@ -9658,7 +12136,7 @@
     </p:spTree>
     <p:extLst>
       <p:ext uri="{BB962C8B-B14F-4D97-AF65-F5344CB8AC3E}">
-        <p14:creationId xmlns:p14="http://schemas.microsoft.com/office/powerpoint/2010/main" val="3076335035"/>
+        <p14:creationId xmlns:p14="http://schemas.microsoft.com/office/powerpoint/2010/main" val="1178940815"/>
       </p:ext>
     </p:extLst>
   </p:cSld>

--- a/Don‘t Get Kicked.pptx
+++ b/Don‘t Get Kicked.pptx
@@ -5,7 +5,7 @@
     <p:sldMasterId id="2147483660" r:id="rId1"/>
   </p:sldMasterIdLst>
   <p:notesMasterIdLst>
-    <p:notesMasterId r:id="rId15"/>
+    <p:notesMasterId r:id="rId17"/>
   </p:notesMasterIdLst>
   <p:sldIdLst>
     <p:sldId id="256" r:id="rId2"/>
@@ -16,11 +16,13 @@
     <p:sldId id="270" r:id="rId7"/>
     <p:sldId id="271" r:id="rId8"/>
     <p:sldId id="272" r:id="rId9"/>
-    <p:sldId id="273" r:id="rId10"/>
-    <p:sldId id="274" r:id="rId11"/>
-    <p:sldId id="275" r:id="rId12"/>
-    <p:sldId id="276" r:id="rId13"/>
-    <p:sldId id="277" r:id="rId14"/>
+    <p:sldId id="279" r:id="rId10"/>
+    <p:sldId id="278" r:id="rId11"/>
+    <p:sldId id="273" r:id="rId12"/>
+    <p:sldId id="274" r:id="rId13"/>
+    <p:sldId id="275" r:id="rId14"/>
+    <p:sldId id="276" r:id="rId15"/>
+    <p:sldId id="277" r:id="rId16"/>
   </p:sldIdLst>
   <p:sldSz cx="12192000" cy="6858000"/>
   <p:notesSz cx="6858000" cy="9144000"/>
@@ -220,7 +222,7 @@
           <a:p>
             <a:fld id="{032F6585-CA84-4C0E-8622-430189F59221}" type="datetimeFigureOut">
               <a:rPr lang="de-DE" smtClean="0"/>
-              <a:t>11.01.2021</a:t>
+              <a:t>12.01.2021</a:t>
             </a:fld>
             <a:endParaRPr lang="de-DE"/>
           </a:p>
@@ -487,6 +489,477 @@
 </p:notesMaster>
 </file>
 
+<file path=ppt/notesSlides/notesSlide1.xml><?xml version="1.0" encoding="utf-8"?>
+<p:notes xmlns:a="http://schemas.openxmlformats.org/drawingml/2006/main" xmlns:r="http://schemas.openxmlformats.org/officeDocument/2006/relationships" xmlns:p="http://schemas.openxmlformats.org/presentationml/2006/main">
+  <p:cSld>
+    <p:spTree>
+      <p:nvGrpSpPr>
+        <p:cNvPr id="1" name=""/>
+        <p:cNvGrpSpPr/>
+        <p:nvPr/>
+      </p:nvGrpSpPr>
+      <p:grpSpPr>
+        <a:xfrm>
+          <a:off x="0" y="0"/>
+          <a:ext cx="0" cy="0"/>
+          <a:chOff x="0" y="0"/>
+          <a:chExt cx="0" cy="0"/>
+        </a:xfrm>
+      </p:grpSpPr>
+      <p:sp>
+        <p:nvSpPr>
+          <p:cNvPr id="2" name="Folienbildplatzhalter 1"/>
+          <p:cNvSpPr>
+            <a:spLocks noGrp="1" noRot="1" noChangeAspect="1"/>
+          </p:cNvSpPr>
+          <p:nvPr>
+            <p:ph type="sldImg"/>
+          </p:nvPr>
+        </p:nvSpPr>
+        <p:spPr/>
+      </p:sp>
+      <p:sp>
+        <p:nvSpPr>
+          <p:cNvPr id="3" name="Notizenplatzhalter 2"/>
+          <p:cNvSpPr>
+            <a:spLocks noGrp="1"/>
+          </p:cNvSpPr>
+          <p:nvPr>
+            <p:ph type="body" idx="1"/>
+          </p:nvPr>
+        </p:nvSpPr>
+        <p:spPr/>
+        <p:txBody>
+          <a:bodyPr/>
+          <a:lstStyle/>
+          <a:p>
+            <a:r>
+              <a:rPr lang="de-DE" dirty="0"/>
+              <a:t>Preise:</a:t>
+            </a:r>
+          </a:p>
+          <a:p>
+            <a:r>
+              <a:rPr lang="de-DE" dirty="0"/>
+              <a:t>MMR -&gt; Mannheimer Markt Report; Wann und unter welchen Bedingungen ist ein Gebrauchtwagen wie viel wert?</a:t>
+            </a:r>
+          </a:p>
+        </p:txBody>
+      </p:sp>
+      <p:sp>
+        <p:nvSpPr>
+          <p:cNvPr id="4" name="Foliennummernplatzhalter 3"/>
+          <p:cNvSpPr>
+            <a:spLocks noGrp="1"/>
+          </p:cNvSpPr>
+          <p:nvPr>
+            <p:ph type="sldNum" sz="quarter" idx="5"/>
+          </p:nvPr>
+        </p:nvSpPr>
+        <p:spPr/>
+        <p:txBody>
+          <a:bodyPr/>
+          <a:lstStyle/>
+          <a:p>
+            <a:fld id="{2328B0CD-612B-4A03-889C-A6BD40BB4E0B}" type="slidenum">
+              <a:rPr lang="de-DE" smtClean="0"/>
+              <a:t>5</a:t>
+            </a:fld>
+            <a:endParaRPr lang="de-DE"/>
+          </a:p>
+        </p:txBody>
+      </p:sp>
+    </p:spTree>
+    <p:extLst>
+      <p:ext uri="{BB962C8B-B14F-4D97-AF65-F5344CB8AC3E}">
+        <p14:creationId xmlns:p14="http://schemas.microsoft.com/office/powerpoint/2010/main" val="3837277888"/>
+      </p:ext>
+    </p:extLst>
+  </p:cSld>
+  <p:clrMapOvr>
+    <a:masterClrMapping/>
+  </p:clrMapOvr>
+</p:notes>
+</file>
+
+<file path=ppt/notesSlides/notesSlide2.xml><?xml version="1.0" encoding="utf-8"?>
+<p:notes xmlns:a="http://schemas.openxmlformats.org/drawingml/2006/main" xmlns:r="http://schemas.openxmlformats.org/officeDocument/2006/relationships" xmlns:p="http://schemas.openxmlformats.org/presentationml/2006/main">
+  <p:cSld>
+    <p:spTree>
+      <p:nvGrpSpPr>
+        <p:cNvPr id="1" name=""/>
+        <p:cNvGrpSpPr/>
+        <p:nvPr/>
+      </p:nvGrpSpPr>
+      <p:grpSpPr>
+        <a:xfrm>
+          <a:off x="0" y="0"/>
+          <a:ext cx="0" cy="0"/>
+          <a:chOff x="0" y="0"/>
+          <a:chExt cx="0" cy="0"/>
+        </a:xfrm>
+      </p:grpSpPr>
+      <p:sp>
+        <p:nvSpPr>
+          <p:cNvPr id="2" name="Folienbildplatzhalter 1"/>
+          <p:cNvSpPr>
+            <a:spLocks noGrp="1" noRot="1" noChangeAspect="1"/>
+          </p:cNvSpPr>
+          <p:nvPr>
+            <p:ph type="sldImg"/>
+          </p:nvPr>
+        </p:nvSpPr>
+        <p:spPr/>
+      </p:sp>
+      <p:sp>
+        <p:nvSpPr>
+          <p:cNvPr id="3" name="Notizenplatzhalter 2"/>
+          <p:cNvSpPr>
+            <a:spLocks noGrp="1"/>
+          </p:cNvSpPr>
+          <p:nvPr>
+            <p:ph type="body" idx="1"/>
+          </p:nvPr>
+        </p:nvSpPr>
+        <p:spPr/>
+        <p:txBody>
+          <a:bodyPr/>
+          <a:lstStyle/>
+          <a:p>
+            <a:pPr marL="228600" indent="-228600">
+              <a:buAutoNum type="arabicParenR"/>
+            </a:pPr>
+            <a:r>
+              <a:rPr lang="de-DE" dirty="0"/>
+              <a:t>Vehicle Alter stark zusammenhängend mit Fahrzeugpreis</a:t>
+            </a:r>
+          </a:p>
+          <a:p>
+            <a:pPr marL="228600" indent="-228600">
+              <a:buAutoNum type="arabicParenR"/>
+            </a:pPr>
+            <a:r>
+              <a:rPr lang="de-DE" dirty="0"/>
+              <a:t>Kilometerstand eher weniger ausschlaggebend</a:t>
+            </a:r>
+          </a:p>
+          <a:p>
+            <a:pPr marL="228600" indent="-228600">
+              <a:buAutoNum type="arabicParenR"/>
+            </a:pPr>
+            <a:r>
+              <a:rPr lang="de-DE" dirty="0"/>
+              <a:t>Ursprüngliche Anschaffungskosten</a:t>
+            </a:r>
+          </a:p>
+          <a:p>
+            <a:pPr marL="228600" indent="-228600">
+              <a:buAutoNum type="arabicParenR"/>
+            </a:pPr>
+            <a:r>
+              <a:rPr lang="de-DE" dirty="0"/>
+              <a:t>Käufernummer – Kilometerstand. Käufer kaufen oft Fahrzeuge in gleichem Kilometersegment</a:t>
+            </a:r>
+          </a:p>
+          <a:p>
+            <a:pPr marL="228600" indent="-228600">
+              <a:buAutoNum type="arabicParenR"/>
+            </a:pPr>
+            <a:r>
+              <a:rPr lang="de-DE" dirty="0"/>
+              <a:t>Baujahr – Gefahrene Kilometer</a:t>
+            </a:r>
+          </a:p>
+        </p:txBody>
+      </p:sp>
+      <p:sp>
+        <p:nvSpPr>
+          <p:cNvPr id="4" name="Foliennummernplatzhalter 3"/>
+          <p:cNvSpPr>
+            <a:spLocks noGrp="1"/>
+          </p:cNvSpPr>
+          <p:nvPr>
+            <p:ph type="sldNum" sz="quarter" idx="5"/>
+          </p:nvPr>
+        </p:nvSpPr>
+        <p:spPr/>
+        <p:txBody>
+          <a:bodyPr/>
+          <a:lstStyle/>
+          <a:p>
+            <a:fld id="{2328B0CD-612B-4A03-889C-A6BD40BB4E0B}" type="slidenum">
+              <a:rPr lang="de-DE" smtClean="0"/>
+              <a:t>7</a:t>
+            </a:fld>
+            <a:endParaRPr lang="de-DE"/>
+          </a:p>
+        </p:txBody>
+      </p:sp>
+    </p:spTree>
+    <p:extLst>
+      <p:ext uri="{BB962C8B-B14F-4D97-AF65-F5344CB8AC3E}">
+        <p14:creationId xmlns:p14="http://schemas.microsoft.com/office/powerpoint/2010/main" val="861671438"/>
+      </p:ext>
+    </p:extLst>
+  </p:cSld>
+  <p:clrMapOvr>
+    <a:masterClrMapping/>
+  </p:clrMapOvr>
+</p:notes>
+</file>
+
+<file path=ppt/notesSlides/notesSlide3.xml><?xml version="1.0" encoding="utf-8"?>
+<p:notes xmlns:a="http://schemas.openxmlformats.org/drawingml/2006/main" xmlns:r="http://schemas.openxmlformats.org/officeDocument/2006/relationships" xmlns:p="http://schemas.openxmlformats.org/presentationml/2006/main">
+  <p:cSld>
+    <p:spTree>
+      <p:nvGrpSpPr>
+        <p:cNvPr id="1" name=""/>
+        <p:cNvGrpSpPr/>
+        <p:nvPr/>
+      </p:nvGrpSpPr>
+      <p:grpSpPr>
+        <a:xfrm>
+          <a:off x="0" y="0"/>
+          <a:ext cx="0" cy="0"/>
+          <a:chOff x="0" y="0"/>
+          <a:chExt cx="0" cy="0"/>
+        </a:xfrm>
+      </p:grpSpPr>
+      <p:sp>
+        <p:nvSpPr>
+          <p:cNvPr id="2" name="Folienbildplatzhalter 1"/>
+          <p:cNvSpPr>
+            <a:spLocks noGrp="1" noRot="1" noChangeAspect="1"/>
+          </p:cNvSpPr>
+          <p:nvPr>
+            <p:ph type="sldImg"/>
+          </p:nvPr>
+        </p:nvSpPr>
+        <p:spPr/>
+      </p:sp>
+      <p:sp>
+        <p:nvSpPr>
+          <p:cNvPr id="3" name="Notizenplatzhalter 2"/>
+          <p:cNvSpPr>
+            <a:spLocks noGrp="1"/>
+          </p:cNvSpPr>
+          <p:nvPr>
+            <p:ph type="body" idx="1"/>
+          </p:nvPr>
+        </p:nvSpPr>
+        <p:spPr/>
+        <p:txBody>
+          <a:bodyPr/>
+          <a:lstStyle/>
+          <a:p>
+            <a:endParaRPr lang="de-DE" dirty="0"/>
+          </a:p>
+        </p:txBody>
+      </p:sp>
+      <p:sp>
+        <p:nvSpPr>
+          <p:cNvPr id="4" name="Foliennummernplatzhalter 3"/>
+          <p:cNvSpPr>
+            <a:spLocks noGrp="1"/>
+          </p:cNvSpPr>
+          <p:nvPr>
+            <p:ph type="sldNum" sz="quarter" idx="5"/>
+          </p:nvPr>
+        </p:nvSpPr>
+        <p:spPr/>
+        <p:txBody>
+          <a:bodyPr/>
+          <a:lstStyle/>
+          <a:p>
+            <a:fld id="{2328B0CD-612B-4A03-889C-A6BD40BB4E0B}" type="slidenum">
+              <a:rPr lang="de-DE" smtClean="0"/>
+              <a:t>8</a:t>
+            </a:fld>
+            <a:endParaRPr lang="de-DE"/>
+          </a:p>
+        </p:txBody>
+      </p:sp>
+    </p:spTree>
+    <p:extLst>
+      <p:ext uri="{BB962C8B-B14F-4D97-AF65-F5344CB8AC3E}">
+        <p14:creationId xmlns:p14="http://schemas.microsoft.com/office/powerpoint/2010/main" val="2157659988"/>
+      </p:ext>
+    </p:extLst>
+  </p:cSld>
+  <p:clrMapOvr>
+    <a:masterClrMapping/>
+  </p:clrMapOvr>
+</p:notes>
+</file>
+
+<file path=ppt/notesSlides/notesSlide4.xml><?xml version="1.0" encoding="utf-8"?>
+<p:notes xmlns:a="http://schemas.openxmlformats.org/drawingml/2006/main" xmlns:r="http://schemas.openxmlformats.org/officeDocument/2006/relationships" xmlns:p="http://schemas.openxmlformats.org/presentationml/2006/main">
+  <p:cSld>
+    <p:spTree>
+      <p:nvGrpSpPr>
+        <p:cNvPr id="1" name=""/>
+        <p:cNvGrpSpPr/>
+        <p:nvPr/>
+      </p:nvGrpSpPr>
+      <p:grpSpPr>
+        <a:xfrm>
+          <a:off x="0" y="0"/>
+          <a:ext cx="0" cy="0"/>
+          <a:chOff x="0" y="0"/>
+          <a:chExt cx="0" cy="0"/>
+        </a:xfrm>
+      </p:grpSpPr>
+      <p:sp>
+        <p:nvSpPr>
+          <p:cNvPr id="2" name="Folienbildplatzhalter 1"/>
+          <p:cNvSpPr>
+            <a:spLocks noGrp="1" noRot="1" noChangeAspect="1"/>
+          </p:cNvSpPr>
+          <p:nvPr>
+            <p:ph type="sldImg"/>
+          </p:nvPr>
+        </p:nvSpPr>
+        <p:spPr/>
+      </p:sp>
+      <p:sp>
+        <p:nvSpPr>
+          <p:cNvPr id="3" name="Notizenplatzhalter 2"/>
+          <p:cNvSpPr>
+            <a:spLocks noGrp="1"/>
+          </p:cNvSpPr>
+          <p:nvPr>
+            <p:ph type="body" idx="1"/>
+          </p:nvPr>
+        </p:nvSpPr>
+        <p:spPr/>
+        <p:txBody>
+          <a:bodyPr/>
+          <a:lstStyle/>
+          <a:p>
+            <a:endParaRPr lang="de-DE" dirty="0"/>
+          </a:p>
+        </p:txBody>
+      </p:sp>
+      <p:sp>
+        <p:nvSpPr>
+          <p:cNvPr id="4" name="Foliennummernplatzhalter 3"/>
+          <p:cNvSpPr>
+            <a:spLocks noGrp="1"/>
+          </p:cNvSpPr>
+          <p:nvPr>
+            <p:ph type="sldNum" sz="quarter" idx="5"/>
+          </p:nvPr>
+        </p:nvSpPr>
+        <p:spPr/>
+        <p:txBody>
+          <a:bodyPr/>
+          <a:lstStyle/>
+          <a:p>
+            <a:fld id="{2328B0CD-612B-4A03-889C-A6BD40BB4E0B}" type="slidenum">
+              <a:rPr lang="de-DE" smtClean="0"/>
+              <a:t>9</a:t>
+            </a:fld>
+            <a:endParaRPr lang="de-DE"/>
+          </a:p>
+        </p:txBody>
+      </p:sp>
+    </p:spTree>
+    <p:extLst>
+      <p:ext uri="{BB962C8B-B14F-4D97-AF65-F5344CB8AC3E}">
+        <p14:creationId xmlns:p14="http://schemas.microsoft.com/office/powerpoint/2010/main" val="4195033490"/>
+      </p:ext>
+    </p:extLst>
+  </p:cSld>
+  <p:clrMapOvr>
+    <a:masterClrMapping/>
+  </p:clrMapOvr>
+</p:notes>
+</file>
+
+<file path=ppt/notesSlides/notesSlide5.xml><?xml version="1.0" encoding="utf-8"?>
+<p:notes xmlns:a="http://schemas.openxmlformats.org/drawingml/2006/main" xmlns:r="http://schemas.openxmlformats.org/officeDocument/2006/relationships" xmlns:p="http://schemas.openxmlformats.org/presentationml/2006/main">
+  <p:cSld>
+    <p:spTree>
+      <p:nvGrpSpPr>
+        <p:cNvPr id="1" name=""/>
+        <p:cNvGrpSpPr/>
+        <p:nvPr/>
+      </p:nvGrpSpPr>
+      <p:grpSpPr>
+        <a:xfrm>
+          <a:off x="0" y="0"/>
+          <a:ext cx="0" cy="0"/>
+          <a:chOff x="0" y="0"/>
+          <a:chExt cx="0" cy="0"/>
+        </a:xfrm>
+      </p:grpSpPr>
+      <p:sp>
+        <p:nvSpPr>
+          <p:cNvPr id="2" name="Folienbildplatzhalter 1"/>
+          <p:cNvSpPr>
+            <a:spLocks noGrp="1" noRot="1" noChangeAspect="1"/>
+          </p:cNvSpPr>
+          <p:nvPr>
+            <p:ph type="sldImg"/>
+          </p:nvPr>
+        </p:nvSpPr>
+        <p:spPr/>
+      </p:sp>
+      <p:sp>
+        <p:nvSpPr>
+          <p:cNvPr id="3" name="Notizenplatzhalter 2"/>
+          <p:cNvSpPr>
+            <a:spLocks noGrp="1"/>
+          </p:cNvSpPr>
+          <p:nvPr>
+            <p:ph type="body" idx="1"/>
+          </p:nvPr>
+        </p:nvSpPr>
+        <p:spPr/>
+        <p:txBody>
+          <a:bodyPr/>
+          <a:lstStyle/>
+          <a:p>
+            <a:endParaRPr lang="de-DE" dirty="0"/>
+          </a:p>
+        </p:txBody>
+      </p:sp>
+      <p:sp>
+        <p:nvSpPr>
+          <p:cNvPr id="4" name="Foliennummernplatzhalter 3"/>
+          <p:cNvSpPr>
+            <a:spLocks noGrp="1"/>
+          </p:cNvSpPr>
+          <p:nvPr>
+            <p:ph type="sldNum" sz="quarter" idx="5"/>
+          </p:nvPr>
+        </p:nvSpPr>
+        <p:spPr/>
+        <p:txBody>
+          <a:bodyPr/>
+          <a:lstStyle/>
+          <a:p>
+            <a:fld id="{2328B0CD-612B-4A03-889C-A6BD40BB4E0B}" type="slidenum">
+              <a:rPr lang="de-DE" smtClean="0"/>
+              <a:t>10</a:t>
+            </a:fld>
+            <a:endParaRPr lang="de-DE"/>
+          </a:p>
+        </p:txBody>
+      </p:sp>
+    </p:spTree>
+    <p:extLst>
+      <p:ext uri="{BB962C8B-B14F-4D97-AF65-F5344CB8AC3E}">
+        <p14:creationId xmlns:p14="http://schemas.microsoft.com/office/powerpoint/2010/main" val="4065020757"/>
+      </p:ext>
+    </p:extLst>
+  </p:cSld>
+  <p:clrMapOvr>
+    <a:masterClrMapping/>
+  </p:clrMapOvr>
+</p:notes>
+</file>
+
 <file path=ppt/slideLayouts/slideLayout1.xml><?xml version="1.0" encoding="utf-8"?>
 <p:sldLayout xmlns:a="http://schemas.openxmlformats.org/drawingml/2006/main" xmlns:r="http://schemas.openxmlformats.org/officeDocument/2006/relationships" xmlns:p="http://schemas.openxmlformats.org/presentationml/2006/main" showMasterSp="0" type="title" preserve="1">
   <p:cSld name="Titelfolie">
@@ -655,7 +1128,7 @@
           <a:p>
             <a:fld id="{AA6E083E-F52C-4B4F-89C5-2C0EB4C40000}" type="datetimeFigureOut">
               <a:rPr lang="de-DE" smtClean="0"/>
-              <a:t>11.01.2021</a:t>
+              <a:t>12.01.2021</a:t>
             </a:fld>
             <a:endParaRPr lang="de-DE"/>
           </a:p>
@@ -883,7 +1356,7 @@
           <a:p>
             <a:fld id="{AA6E083E-F52C-4B4F-89C5-2C0EB4C40000}" type="datetimeFigureOut">
               <a:rPr lang="de-DE" smtClean="0"/>
-              <a:t>11.01.2021</a:t>
+              <a:t>12.01.2021</a:t>
             </a:fld>
             <a:endParaRPr lang="de-DE"/>
           </a:p>
@@ -1063,7 +1536,7 @@
           <a:p>
             <a:fld id="{AA6E083E-F52C-4B4F-89C5-2C0EB4C40000}" type="datetimeFigureOut">
               <a:rPr lang="de-DE" smtClean="0"/>
-              <a:t>11.01.2021</a:t>
+              <a:t>12.01.2021</a:t>
             </a:fld>
             <a:endParaRPr lang="de-DE"/>
           </a:p>
@@ -1233,7 +1706,7 @@
           <a:p>
             <a:fld id="{AA6E083E-F52C-4B4F-89C5-2C0EB4C40000}" type="datetimeFigureOut">
               <a:rPr lang="de-DE" smtClean="0"/>
-              <a:t>11.01.2021</a:t>
+              <a:t>12.01.2021</a:t>
             </a:fld>
             <a:endParaRPr lang="de-DE"/>
           </a:p>
@@ -1487,7 +1960,7 @@
           <a:p>
             <a:fld id="{AA6E083E-F52C-4B4F-89C5-2C0EB4C40000}" type="datetimeFigureOut">
               <a:rPr lang="de-DE" smtClean="0"/>
-              <a:t>11.01.2021</a:t>
+              <a:t>12.01.2021</a:t>
             </a:fld>
             <a:endParaRPr lang="de-DE"/>
           </a:p>
@@ -1813,7 +2286,7 @@
           <a:p>
             <a:fld id="{AA6E083E-F52C-4B4F-89C5-2C0EB4C40000}" type="datetimeFigureOut">
               <a:rPr lang="de-DE" smtClean="0"/>
-              <a:t>11.01.2021</a:t>
+              <a:t>12.01.2021</a:t>
             </a:fld>
             <a:endParaRPr lang="de-DE"/>
           </a:p>
@@ -2264,7 +2737,7 @@
           <a:p>
             <a:fld id="{AA6E083E-F52C-4B4F-89C5-2C0EB4C40000}" type="datetimeFigureOut">
               <a:rPr lang="de-DE" smtClean="0"/>
-              <a:t>11.01.2021</a:t>
+              <a:t>12.01.2021</a:t>
             </a:fld>
             <a:endParaRPr lang="de-DE"/>
           </a:p>
@@ -2382,7 +2855,7 @@
           <a:p>
             <a:fld id="{AA6E083E-F52C-4B4F-89C5-2C0EB4C40000}" type="datetimeFigureOut">
               <a:rPr lang="de-DE" smtClean="0"/>
-              <a:t>11.01.2021</a:t>
+              <a:t>12.01.2021</a:t>
             </a:fld>
             <a:endParaRPr lang="de-DE"/>
           </a:p>
@@ -2477,7 +2950,7 @@
           <a:p>
             <a:fld id="{AA6E083E-F52C-4B4F-89C5-2C0EB4C40000}" type="datetimeFigureOut">
               <a:rPr lang="de-DE" smtClean="0"/>
-              <a:t>11.01.2021</a:t>
+              <a:t>12.01.2021</a:t>
             </a:fld>
             <a:endParaRPr lang="de-DE"/>
           </a:p>
@@ -2764,7 +3237,7 @@
           <a:p>
             <a:fld id="{AA6E083E-F52C-4B4F-89C5-2C0EB4C40000}" type="datetimeFigureOut">
               <a:rPr lang="de-DE" smtClean="0"/>
-              <a:t>11.01.2021</a:t>
+              <a:t>12.01.2021</a:t>
             </a:fld>
             <a:endParaRPr lang="de-DE"/>
           </a:p>
@@ -3089,7 +3562,7 @@
           <a:p>
             <a:fld id="{AA6E083E-F52C-4B4F-89C5-2C0EB4C40000}" type="datetimeFigureOut">
               <a:rPr lang="de-DE" smtClean="0"/>
-              <a:t>11.01.2021</a:t>
+              <a:t>12.01.2021</a:t>
             </a:fld>
             <a:endParaRPr lang="de-DE"/>
           </a:p>
@@ -3343,7 +3816,7 @@
           <a:p>
             <a:fld id="{AA6E083E-F52C-4B4F-89C5-2C0EB4C40000}" type="datetimeFigureOut">
               <a:rPr lang="de-DE" smtClean="0"/>
-              <a:t>11.01.2021</a:t>
+              <a:t>12.01.2021</a:t>
             </a:fld>
             <a:endParaRPr lang="de-DE"/>
           </a:p>
@@ -4165,38 +4638,7 @@
                   <a:srgbClr val="FFFFFF"/>
                 </a:solidFill>
               </a:rPr>
-              <a:t>Modeling</a:t>
-            </a:r>
-            <a:br>
-              <a:rPr lang="de-DE" sz="2800" dirty="0">
-                <a:solidFill>
-                  <a:srgbClr val="FFFFFF"/>
-                </a:solidFill>
-              </a:rPr>
-            </a:br>
-            <a:r>
-              <a:rPr lang="de-DE" sz="2800" dirty="0">
-                <a:solidFill>
-                  <a:srgbClr val="FFFFFF"/>
-                </a:solidFill>
-              </a:rPr>
-              <a:t>(</a:t>
-            </a:r>
-            <a:r>
-              <a:rPr lang="de-DE" sz="2800" dirty="0" err="1">
-                <a:solidFill>
-                  <a:srgbClr val="FFFFFF"/>
-                </a:solidFill>
-              </a:rPr>
-              <a:t>to</a:t>
-            </a:r>
-            <a:r>
-              <a:rPr lang="de-DE" sz="2800" dirty="0">
-                <a:solidFill>
-                  <a:srgbClr val="FFFFFF"/>
-                </a:solidFill>
-              </a:rPr>
-              <a:t> do)</a:t>
+              <a:t>Data Understanding</a:t>
             </a:r>
           </a:p>
         </p:txBody>
@@ -4532,28 +4974,38 @@
             </a:lvl9pPr>
           </a:lstStyle>
           <a:p>
+            <a:pPr marL="0" indent="0">
+              <a:buFont typeface="Arial" pitchFamily="34" charset="0"/>
+              <a:buNone/>
+            </a:pPr>
             <a:r>
               <a:rPr lang="de-DE" sz="2400" dirty="0"/>
-              <a:t>Wähle Modellierungstechnik</a:t>
+              <a:t>Data Interpretation</a:t>
             </a:r>
           </a:p>
           <a:p>
             <a:r>
               <a:rPr lang="de-DE" sz="2400" dirty="0"/>
-              <a:t>Erstelle Testdesign</a:t>
-            </a:r>
-          </a:p>
-          <a:p>
-            <a:r>
-              <a:rPr lang="de-DE" sz="2400" dirty="0"/>
-              <a:t>Konstruiere das Model mit passenden Parametern</a:t>
-            </a:r>
-          </a:p>
-          <a:p>
-            <a:r>
-              <a:rPr lang="de-DE" sz="2400" dirty="0"/>
-              <a:t>Bewerte das Model</a:t>
-            </a:r>
+              <a:t>Vermutung: Anteil Fehlkäufe steigen mit höherer Laufleistung</a:t>
+            </a:r>
+          </a:p>
+          <a:p>
+            <a:endParaRPr lang="de-DE" sz="2400" dirty="0"/>
+          </a:p>
+          <a:p>
+            <a:endParaRPr lang="de-DE" sz="2400" dirty="0"/>
+          </a:p>
+          <a:p>
+            <a:endParaRPr lang="de-DE" sz="2400" dirty="0"/>
+          </a:p>
+          <a:p>
+            <a:endParaRPr lang="de-DE" sz="2400" dirty="0"/>
+          </a:p>
+          <a:p>
+            <a:endParaRPr lang="de-DE" sz="2400" dirty="0"/>
+          </a:p>
+          <a:p>
+            <a:endParaRPr lang="de-DE" sz="2400" dirty="0"/>
           </a:p>
           <a:p>
             <a:endParaRPr lang="de-DE" sz="2400" dirty="0"/>
@@ -4610,9 +5062,6 @@
             <a:endParaRPr lang="de-DE" sz="2400" dirty="0"/>
           </a:p>
           <a:p>
-            <a:endParaRPr lang="de-DE" sz="2400" dirty="0"/>
-          </a:p>
-          <a:p>
             <a:pPr marL="0" indent="0">
               <a:buNone/>
             </a:pPr>
@@ -4623,10 +5072,40 @@
           </a:p>
         </p:txBody>
       </p:sp>
+      <p:pic>
+        <p:nvPicPr>
+          <p:cNvPr id="4" name="Grafik 3">
+            <a:extLst>
+              <a:ext uri="{FF2B5EF4-FFF2-40B4-BE49-F238E27FC236}">
+                <a16:creationId xmlns:a16="http://schemas.microsoft.com/office/drawing/2014/main" id="{C9CBBF84-BA59-4842-AF14-F02E6DD0EB97}"/>
+              </a:ext>
+            </a:extLst>
+          </p:cNvPr>
+          <p:cNvPicPr>
+            <a:picLocks noChangeAspect="1"/>
+          </p:cNvPicPr>
+          <p:nvPr/>
+        </p:nvPicPr>
+        <p:blipFill>
+          <a:blip r:embed="rId3"/>
+          <a:stretch>
+            <a:fillRect/>
+          </a:stretch>
+        </p:blipFill>
+        <p:spPr>
+          <a:xfrm>
+            <a:off x="4635349" y="2158110"/>
+            <a:ext cx="6654704" cy="4014089"/>
+          </a:xfrm>
+          <a:prstGeom prst="rect">
+            <a:avLst/>
+          </a:prstGeom>
+        </p:spPr>
+      </p:pic>
     </p:spTree>
     <p:extLst>
       <p:ext uri="{BB962C8B-B14F-4D97-AF65-F5344CB8AC3E}">
-        <p14:creationId xmlns:p14="http://schemas.microsoft.com/office/powerpoint/2010/main" val="3033990755"/>
+        <p14:creationId xmlns:p14="http://schemas.microsoft.com/office/powerpoint/2010/main" val="3792108331"/>
       </p:ext>
     </p:extLst>
   </p:cSld>
@@ -4822,7 +5301,22 @@
                   <a:srgbClr val="FFFFFF"/>
                 </a:solidFill>
               </a:rPr>
-              <a:t>Evaluation</a:t>
+              <a:t>Data </a:t>
+            </a:r>
+            <a:br>
+              <a:rPr lang="de-DE" sz="2800" dirty="0">
+                <a:solidFill>
+                  <a:srgbClr val="FFFFFF"/>
+                </a:solidFill>
+              </a:rPr>
+            </a:br>
+            <a:r>
+              <a:rPr lang="de-DE" sz="2800" dirty="0">
+                <a:solidFill>
+                  <a:srgbClr val="FFFFFF"/>
+                </a:solidFill>
+              </a:rPr>
+              <a:t>Preparation</a:t>
             </a:r>
             <a:br>
               <a:rPr lang="de-DE" sz="2800" dirty="0">
@@ -5191,28 +5685,50 @@
           <a:p>
             <a:r>
               <a:rPr lang="de-DE" sz="2400" dirty="0"/>
-              <a:t>Bewerte die Ergebnisse</a:t>
+              <a:t>Entferne nicht relevante Daten (PLZ, …)</a:t>
             </a:r>
           </a:p>
           <a:p>
             <a:r>
               <a:rPr lang="de-DE" sz="2400" dirty="0"/>
-              <a:t>Prüfe den Modellierungsprozess</a:t>
+              <a:t>Bereinige Datensatz</a:t>
             </a:r>
           </a:p>
           <a:p>
             <a:r>
               <a:rPr lang="de-DE" sz="2400" dirty="0"/>
-              <a:t>Lege nächste Schritte fest (Verbesserungen, </a:t>
-            </a:r>
-            <a:r>
-              <a:rPr lang="de-DE" sz="2400" dirty="0" err="1"/>
-              <a:t>Paramteranpassungen</a:t>
-            </a:r>
+              <a:t>Formatiere die Daten</a:t>
+            </a:r>
+          </a:p>
+          <a:p>
             <a:r>
               <a:rPr lang="de-DE" sz="2400" dirty="0"/>
-              <a:t>, …)</a:t>
-            </a:r>
+              <a:t>Führe Over- / Undersampling durch</a:t>
+            </a:r>
+          </a:p>
+          <a:p>
+            <a:endParaRPr lang="de-DE" sz="2400" dirty="0"/>
+          </a:p>
+          <a:p>
+            <a:endParaRPr lang="de-DE" sz="2400" dirty="0"/>
+          </a:p>
+          <a:p>
+            <a:endParaRPr lang="de-DE" sz="2400" dirty="0"/>
+          </a:p>
+          <a:p>
+            <a:endParaRPr lang="de-DE" sz="2400" dirty="0"/>
+          </a:p>
+          <a:p>
+            <a:endParaRPr lang="de-DE" sz="2400" dirty="0"/>
+          </a:p>
+          <a:p>
+            <a:endParaRPr lang="de-DE" sz="2400" dirty="0"/>
+          </a:p>
+          <a:p>
+            <a:endParaRPr lang="de-DE" sz="2400" dirty="0"/>
+          </a:p>
+          <a:p>
+            <a:endParaRPr lang="de-DE" sz="2400" dirty="0"/>
           </a:p>
           <a:p>
             <a:endParaRPr lang="de-DE" sz="2400" dirty="0"/>
@@ -5226,66 +5742,12 @@
           <a:p>
             <a:endParaRPr lang="de-DE" sz="2400" dirty="0"/>
           </a:p>
-          <a:p>
-            <a:endParaRPr lang="de-DE" sz="2400" dirty="0"/>
-          </a:p>
-          <a:p>
-            <a:endParaRPr lang="de-DE" sz="2400" dirty="0"/>
-          </a:p>
-          <a:p>
-            <a:endParaRPr lang="de-DE" sz="2400" dirty="0"/>
-          </a:p>
-          <a:p>
-            <a:endParaRPr lang="de-DE" sz="2400" dirty="0"/>
-          </a:p>
-          <a:p>
-            <a:endParaRPr lang="de-DE" sz="2400" dirty="0"/>
-          </a:p>
-          <a:p>
-            <a:endParaRPr lang="de-DE" sz="2400" dirty="0"/>
-          </a:p>
-          <a:p>
-            <a:endParaRPr lang="de-DE" sz="2400" dirty="0"/>
-          </a:p>
-          <a:p>
-            <a:endParaRPr lang="de-DE" sz="2400" dirty="0"/>
-          </a:p>
-          <a:p>
-            <a:endParaRPr lang="de-DE" sz="2400" dirty="0"/>
-          </a:p>
-          <a:p>
-            <a:endParaRPr lang="de-DE" sz="2400" dirty="0"/>
-          </a:p>
-          <a:p>
-            <a:endParaRPr lang="de-DE" sz="2400" dirty="0"/>
-          </a:p>
-          <a:p>
-            <a:endParaRPr lang="de-DE" sz="2400" dirty="0"/>
-          </a:p>
-          <a:p>
-            <a:endParaRPr lang="de-DE" sz="2400" dirty="0"/>
-          </a:p>
-          <a:p>
-            <a:endParaRPr lang="de-DE" sz="2400" dirty="0"/>
-          </a:p>
-          <a:p>
-            <a:endParaRPr lang="de-DE" sz="2400" dirty="0"/>
-          </a:p>
-          <a:p>
-            <a:pPr marL="0" indent="0">
-              <a:buNone/>
-            </a:pPr>
-            <a:endParaRPr lang="de-DE" sz="2400" dirty="0"/>
-          </a:p>
-          <a:p>
-            <a:endParaRPr lang="de-DE" sz="2400" dirty="0"/>
-          </a:p>
         </p:txBody>
       </p:sp>
     </p:spTree>
     <p:extLst>
       <p:ext uri="{BB962C8B-B14F-4D97-AF65-F5344CB8AC3E}">
-        <p14:creationId xmlns:p14="http://schemas.microsoft.com/office/powerpoint/2010/main" val="1193097347"/>
+        <p14:creationId xmlns:p14="http://schemas.microsoft.com/office/powerpoint/2010/main" val="1178940815"/>
       </p:ext>
     </p:extLst>
   </p:cSld>
@@ -5476,12 +5938,12 @@
           <a:lstStyle/>
           <a:p>
             <a:r>
-              <a:rPr lang="de-DE" sz="2800" dirty="0" err="1">
+              <a:rPr lang="de-DE" sz="2800" dirty="0">
                 <a:solidFill>
                   <a:srgbClr val="FFFFFF"/>
                 </a:solidFill>
               </a:rPr>
-              <a:t>Deployment</a:t>
+              <a:t>Modeling</a:t>
             </a:r>
             <a:br>
               <a:rPr lang="de-DE" sz="2800" dirty="0">
@@ -5850,6 +6312,1322 @@
           <a:p>
             <a:r>
               <a:rPr lang="de-DE" sz="2400" dirty="0"/>
+              <a:t>Wähle Modellierungstechnik</a:t>
+            </a:r>
+          </a:p>
+          <a:p>
+            <a:r>
+              <a:rPr lang="de-DE" sz="2400" dirty="0"/>
+              <a:t>Erstelle Testdesign</a:t>
+            </a:r>
+          </a:p>
+          <a:p>
+            <a:r>
+              <a:rPr lang="de-DE" sz="2400" dirty="0"/>
+              <a:t>Konstruiere das Model mit passenden Parametern</a:t>
+            </a:r>
+          </a:p>
+          <a:p>
+            <a:r>
+              <a:rPr lang="de-DE" sz="2400" dirty="0"/>
+              <a:t>Bewerte das Model</a:t>
+            </a:r>
+          </a:p>
+          <a:p>
+            <a:endParaRPr lang="de-DE" sz="2400" dirty="0"/>
+          </a:p>
+          <a:p>
+            <a:pPr marL="0" indent="0">
+              <a:buNone/>
+            </a:pPr>
+            <a:endParaRPr lang="de-DE" sz="2400" dirty="0"/>
+          </a:p>
+          <a:p>
+            <a:endParaRPr lang="de-DE" sz="2400" dirty="0"/>
+          </a:p>
+          <a:p>
+            <a:endParaRPr lang="de-DE" sz="2400" dirty="0"/>
+          </a:p>
+          <a:p>
+            <a:endParaRPr lang="de-DE" sz="2400" dirty="0"/>
+          </a:p>
+          <a:p>
+            <a:endParaRPr lang="de-DE" sz="2400" dirty="0"/>
+          </a:p>
+          <a:p>
+            <a:endParaRPr lang="de-DE" sz="2400" dirty="0"/>
+          </a:p>
+          <a:p>
+            <a:endParaRPr lang="de-DE" sz="2400" dirty="0"/>
+          </a:p>
+          <a:p>
+            <a:endParaRPr lang="de-DE" sz="2400" dirty="0"/>
+          </a:p>
+          <a:p>
+            <a:endParaRPr lang="de-DE" sz="2400" dirty="0"/>
+          </a:p>
+          <a:p>
+            <a:endParaRPr lang="de-DE" sz="2400" dirty="0"/>
+          </a:p>
+          <a:p>
+            <a:endParaRPr lang="de-DE" sz="2400" dirty="0"/>
+          </a:p>
+          <a:p>
+            <a:endParaRPr lang="de-DE" sz="2400" dirty="0"/>
+          </a:p>
+          <a:p>
+            <a:endParaRPr lang="de-DE" sz="2400" dirty="0"/>
+          </a:p>
+          <a:p>
+            <a:endParaRPr lang="de-DE" sz="2400" dirty="0"/>
+          </a:p>
+          <a:p>
+            <a:endParaRPr lang="de-DE" sz="2400" dirty="0"/>
+          </a:p>
+          <a:p>
+            <a:endParaRPr lang="de-DE" sz="2400" dirty="0"/>
+          </a:p>
+          <a:p>
+            <a:endParaRPr lang="de-DE" sz="2400" dirty="0"/>
+          </a:p>
+          <a:p>
+            <a:pPr marL="0" indent="0">
+              <a:buNone/>
+            </a:pPr>
+            <a:endParaRPr lang="de-DE" sz="2400" dirty="0"/>
+          </a:p>
+          <a:p>
+            <a:endParaRPr lang="de-DE" sz="2400" dirty="0"/>
+          </a:p>
+        </p:txBody>
+      </p:sp>
+    </p:spTree>
+    <p:extLst>
+      <p:ext uri="{BB962C8B-B14F-4D97-AF65-F5344CB8AC3E}">
+        <p14:creationId xmlns:p14="http://schemas.microsoft.com/office/powerpoint/2010/main" val="3033990755"/>
+      </p:ext>
+    </p:extLst>
+  </p:cSld>
+  <p:clrMapOvr>
+    <a:masterClrMapping/>
+  </p:clrMapOvr>
+</p:sld>
+</file>
+
+<file path=ppt/slides/slide13.xml><?xml version="1.0" encoding="utf-8"?>
+<p:sld xmlns:a="http://schemas.openxmlformats.org/drawingml/2006/main" xmlns:r="http://schemas.openxmlformats.org/officeDocument/2006/relationships" xmlns:p="http://schemas.openxmlformats.org/presentationml/2006/main">
+  <p:cSld>
+    <p:bg>
+      <p:bgPr>
+        <a:solidFill>
+          <a:schemeClr val="bg1"/>
+        </a:solidFill>
+        <a:effectLst/>
+      </p:bgPr>
+    </p:bg>
+    <p:spTree>
+      <p:nvGrpSpPr>
+        <p:cNvPr id="1" name=""/>
+        <p:cNvGrpSpPr/>
+        <p:nvPr/>
+      </p:nvGrpSpPr>
+      <p:grpSpPr>
+        <a:xfrm>
+          <a:off x="0" y="0"/>
+          <a:ext cx="0" cy="0"/>
+          <a:chOff x="0" y="0"/>
+          <a:chExt cx="0" cy="0"/>
+        </a:xfrm>
+      </p:grpSpPr>
+      <p:sp>
+        <p:nvSpPr>
+          <p:cNvPr id="8" name="Rectangle 7">
+            <a:extLst>
+              <a:ext uri="{FF2B5EF4-FFF2-40B4-BE49-F238E27FC236}">
+                <a16:creationId xmlns:a16="http://schemas.microsoft.com/office/drawing/2014/main" id="{33801627-6861-4EA9-BE98-E0CE33A894D9}"/>
+              </a:ext>
+              <a:ext uri="{C183D7F6-B498-43B3-948B-1728B52AA6E4}">
+                <adec:decorative xmlns:adec="http://schemas.microsoft.com/office/drawing/2017/decorative" val="1"/>
+              </a:ext>
+            </a:extLst>
+          </p:cNvPr>
+          <p:cNvSpPr>
+            <a:spLocks noGrp="1" noRot="1" noChangeAspect="1" noMove="1" noResize="1" noEditPoints="1" noAdjustHandles="1" noChangeArrowheads="1" noChangeShapeType="1" noTextEdit="1"/>
+          </p:cNvSpPr>
+          <p:nvPr>
+            <p:extLst>
+              <p:ext uri="{386F3935-93C4-4BCD-93E2-E3B085C9AB24}">
+                <p16:designElem xmlns:p16="http://schemas.microsoft.com/office/powerpoint/2015/main" val="1"/>
+              </p:ext>
+            </p:extLst>
+          </p:nvPr>
+        </p:nvSpPr>
+        <p:spPr>
+          <a:xfrm>
+            <a:off x="1" y="0"/>
+            <a:ext cx="643466" cy="6858000"/>
+          </a:xfrm>
+          <a:prstGeom prst="rect">
+            <a:avLst/>
+          </a:prstGeom>
+          <a:solidFill>
+            <a:srgbClr val="0D0D0D"/>
+          </a:solidFill>
+          <a:ln>
+            <a:noFill/>
+          </a:ln>
+        </p:spPr>
+        <p:style>
+          <a:lnRef idx="2">
+            <a:schemeClr val="accent1">
+              <a:shade val="50000"/>
+            </a:schemeClr>
+          </a:lnRef>
+          <a:fillRef idx="1">
+            <a:schemeClr val="accent1"/>
+          </a:fillRef>
+          <a:effectRef idx="0">
+            <a:schemeClr val="accent1"/>
+          </a:effectRef>
+          <a:fontRef idx="minor">
+            <a:schemeClr val="lt1"/>
+          </a:fontRef>
+        </p:style>
+        <p:txBody>
+          <a:bodyPr rtlCol="0" anchor="ctr"/>
+          <a:lstStyle/>
+          <a:p>
+            <a:pPr algn="ctr"/>
+            <a:endParaRPr lang="en-US"/>
+          </a:p>
+        </p:txBody>
+      </p:sp>
+      <p:sp>
+        <p:nvSpPr>
+          <p:cNvPr id="10" name="Rectangle 9">
+            <a:extLst>
+              <a:ext uri="{FF2B5EF4-FFF2-40B4-BE49-F238E27FC236}">
+                <a16:creationId xmlns:a16="http://schemas.microsoft.com/office/drawing/2014/main" id="{93C1483F-490E-4C8A-8765-1F8AF0C67D5F}"/>
+              </a:ext>
+              <a:ext uri="{C183D7F6-B498-43B3-948B-1728B52AA6E4}">
+                <adec:decorative xmlns:adec="http://schemas.microsoft.com/office/drawing/2017/decorative" val="1"/>
+              </a:ext>
+            </a:extLst>
+          </p:cNvPr>
+          <p:cNvSpPr>
+            <a:spLocks noGrp="1" noRot="1" noChangeAspect="1" noMove="1" noResize="1" noEditPoints="1" noAdjustHandles="1" noChangeArrowheads="1" noChangeShapeType="1" noTextEdit="1"/>
+          </p:cNvSpPr>
+          <p:nvPr>
+            <p:extLst>
+              <p:ext uri="{386F3935-93C4-4BCD-93E2-E3B085C9AB24}">
+                <p16:designElem xmlns:p16="http://schemas.microsoft.com/office/powerpoint/2015/main" val="1"/>
+              </p:ext>
+            </p:extLst>
+          </p:nvPr>
+        </p:nvSpPr>
+        <p:spPr>
+          <a:xfrm>
+            <a:off x="643466" y="0"/>
+            <a:ext cx="3736189" cy="6858000"/>
+          </a:xfrm>
+          <a:prstGeom prst="rect">
+            <a:avLst/>
+          </a:prstGeom>
+          <a:solidFill>
+            <a:srgbClr val="292929"/>
+          </a:solidFill>
+          <a:ln>
+            <a:noFill/>
+          </a:ln>
+        </p:spPr>
+        <p:style>
+          <a:lnRef idx="2">
+            <a:schemeClr val="accent1">
+              <a:shade val="50000"/>
+            </a:schemeClr>
+          </a:lnRef>
+          <a:fillRef idx="1">
+            <a:schemeClr val="accent1"/>
+          </a:fillRef>
+          <a:effectRef idx="0">
+            <a:schemeClr val="accent1"/>
+          </a:effectRef>
+          <a:fontRef idx="minor">
+            <a:schemeClr val="lt1"/>
+          </a:fontRef>
+        </p:style>
+        <p:txBody>
+          <a:bodyPr rtlCol="0" anchor="ctr"/>
+          <a:lstStyle/>
+          <a:p>
+            <a:pPr algn="ctr"/>
+            <a:endParaRPr lang="en-US"/>
+          </a:p>
+        </p:txBody>
+      </p:sp>
+      <p:sp>
+        <p:nvSpPr>
+          <p:cNvPr id="2" name="Titel 1">
+            <a:extLst>
+              <a:ext uri="{FF2B5EF4-FFF2-40B4-BE49-F238E27FC236}">
+                <a16:creationId xmlns:a16="http://schemas.microsoft.com/office/drawing/2014/main" id="{084D98EA-66CF-4F5F-9E2A-4B03A441BEB9}"/>
+              </a:ext>
+            </a:extLst>
+          </p:cNvPr>
+          <p:cNvSpPr>
+            <a:spLocks noGrp="1"/>
+          </p:cNvSpPr>
+          <p:nvPr>
+            <p:ph type="title"/>
+          </p:nvPr>
+        </p:nvSpPr>
+        <p:spPr>
+          <a:xfrm>
+            <a:off x="965198" y="643466"/>
+            <a:ext cx="3092718" cy="5528734"/>
+          </a:xfrm>
+          <a:noFill/>
+        </p:spPr>
+        <p:txBody>
+          <a:bodyPr anchor="t">
+            <a:normAutofit/>
+          </a:bodyPr>
+          <a:lstStyle/>
+          <a:p>
+            <a:r>
+              <a:rPr lang="de-DE" sz="2800" dirty="0">
+                <a:solidFill>
+                  <a:srgbClr val="FFFFFF"/>
+                </a:solidFill>
+              </a:rPr>
+              <a:t>Evaluation</a:t>
+            </a:r>
+            <a:br>
+              <a:rPr lang="de-DE" sz="2800" dirty="0">
+                <a:solidFill>
+                  <a:srgbClr val="FFFFFF"/>
+                </a:solidFill>
+              </a:rPr>
+            </a:br>
+            <a:r>
+              <a:rPr lang="de-DE" sz="2800" dirty="0">
+                <a:solidFill>
+                  <a:srgbClr val="FFFFFF"/>
+                </a:solidFill>
+              </a:rPr>
+              <a:t>(</a:t>
+            </a:r>
+            <a:r>
+              <a:rPr lang="de-DE" sz="2800" dirty="0" err="1">
+                <a:solidFill>
+                  <a:srgbClr val="FFFFFF"/>
+                </a:solidFill>
+              </a:rPr>
+              <a:t>to</a:t>
+            </a:r>
+            <a:r>
+              <a:rPr lang="de-DE" sz="2800" dirty="0">
+                <a:solidFill>
+                  <a:srgbClr val="FFFFFF"/>
+                </a:solidFill>
+              </a:rPr>
+              <a:t> do)</a:t>
+            </a:r>
+          </a:p>
+        </p:txBody>
+      </p:sp>
+      <p:sp useBgFill="1">
+        <p:nvSpPr>
+          <p:cNvPr id="12" name="Rectangle 11">
+            <a:extLst>
+              <a:ext uri="{FF2B5EF4-FFF2-40B4-BE49-F238E27FC236}">
+                <a16:creationId xmlns:a16="http://schemas.microsoft.com/office/drawing/2014/main" id="{0249BF42-D05C-4553-9417-7B8695759291}"/>
+              </a:ext>
+              <a:ext uri="{C183D7F6-B498-43B3-948B-1728B52AA6E4}">
+                <adec:decorative xmlns:adec="http://schemas.microsoft.com/office/drawing/2017/decorative" val="1"/>
+              </a:ext>
+            </a:extLst>
+          </p:cNvPr>
+          <p:cNvSpPr>
+            <a:spLocks noGrp="1" noRot="1" noChangeAspect="1" noMove="1" noResize="1" noEditPoints="1" noAdjustHandles="1" noChangeArrowheads="1" noChangeShapeType="1" noTextEdit="1"/>
+          </p:cNvSpPr>
+          <p:nvPr>
+            <p:extLst>
+              <p:ext uri="{386F3935-93C4-4BCD-93E2-E3B085C9AB24}">
+                <p16:designElem xmlns:p16="http://schemas.microsoft.com/office/powerpoint/2015/main" val="1"/>
+              </p:ext>
+            </p:extLst>
+          </p:nvPr>
+        </p:nvSpPr>
+        <p:spPr>
+          <a:xfrm>
+            <a:off x="4379654" y="0"/>
+            <a:ext cx="6913185" cy="6858000"/>
+          </a:xfrm>
+          <a:prstGeom prst="rect">
+            <a:avLst/>
+          </a:prstGeom>
+          <a:ln>
+            <a:noFill/>
+          </a:ln>
+        </p:spPr>
+        <p:style>
+          <a:lnRef idx="2">
+            <a:schemeClr val="accent1">
+              <a:shade val="50000"/>
+            </a:schemeClr>
+          </a:lnRef>
+          <a:fillRef idx="1">
+            <a:schemeClr val="accent1"/>
+          </a:fillRef>
+          <a:effectRef idx="0">
+            <a:schemeClr val="accent1"/>
+          </a:effectRef>
+          <a:fontRef idx="minor">
+            <a:schemeClr val="lt1"/>
+          </a:fontRef>
+        </p:style>
+        <p:txBody>
+          <a:bodyPr rtlCol="0" anchor="ctr"/>
+          <a:lstStyle/>
+          <a:p>
+            <a:pPr algn="ctr"/>
+            <a:endParaRPr lang="en-US"/>
+          </a:p>
+        </p:txBody>
+      </p:sp>
+      <p:sp>
+        <p:nvSpPr>
+          <p:cNvPr id="13" name="Inhaltsplatzhalter 2">
+            <a:extLst>
+              <a:ext uri="{FF2B5EF4-FFF2-40B4-BE49-F238E27FC236}">
+                <a16:creationId xmlns:a16="http://schemas.microsoft.com/office/drawing/2014/main" id="{5D98CB0D-C00E-4ECA-B926-D323B162B34E}"/>
+              </a:ext>
+            </a:extLst>
+          </p:cNvPr>
+          <p:cNvSpPr txBox="1">
+            <a:spLocks/>
+          </p:cNvSpPr>
+          <p:nvPr/>
+        </p:nvSpPr>
+        <p:spPr>
+          <a:xfrm>
+            <a:off x="4701386" y="643466"/>
+            <a:ext cx="6525416" cy="6017107"/>
+          </a:xfrm>
+          <a:prstGeom prst="rect">
+            <a:avLst/>
+          </a:prstGeom>
+        </p:spPr>
+        <p:txBody>
+          <a:bodyPr vert="horz" lIns="91440" tIns="45720" rIns="91440" bIns="45720" rtlCol="0">
+            <a:normAutofit/>
+          </a:bodyPr>
+          <a:lstStyle>
+            <a:lvl1pPr marL="182880" indent="-182880" algn="l" defTabSz="914400" rtl="0" eaLnBrk="1" latinLnBrk="0" hangingPunct="1">
+              <a:lnSpc>
+                <a:spcPct val="95000"/>
+              </a:lnSpc>
+              <a:spcBef>
+                <a:spcPts val="1400"/>
+              </a:spcBef>
+              <a:spcAft>
+                <a:spcPts val="200"/>
+              </a:spcAft>
+              <a:buClr>
+                <a:schemeClr val="accent1"/>
+              </a:buClr>
+              <a:buSzPct val="80000"/>
+              <a:buFont typeface="Arial" pitchFamily="34" charset="0"/>
+              <a:buChar char="•"/>
+              <a:defRPr sz="1800" kern="1200" spc="10" baseline="0">
+                <a:solidFill>
+                  <a:schemeClr val="tx1"/>
+                </a:solidFill>
+                <a:latin typeface="+mn-lt"/>
+                <a:ea typeface="+mn-ea"/>
+                <a:cs typeface="+mn-cs"/>
+              </a:defRPr>
+            </a:lvl1pPr>
+            <a:lvl2pPr marL="457200" indent="-182880" algn="l" defTabSz="914400" rtl="0" eaLnBrk="1" latinLnBrk="0" hangingPunct="1">
+              <a:lnSpc>
+                <a:spcPct val="90000"/>
+              </a:lnSpc>
+              <a:spcBef>
+                <a:spcPts val="300"/>
+              </a:spcBef>
+              <a:spcAft>
+                <a:spcPts val="300"/>
+              </a:spcAft>
+              <a:buClr>
+                <a:schemeClr val="accent1"/>
+              </a:buClr>
+              <a:buFont typeface="Wingdings 2" pitchFamily="18" charset="2"/>
+              <a:buChar char=""/>
+              <a:defRPr sz="1600" kern="1200">
+                <a:solidFill>
+                  <a:schemeClr val="tx1">
+                    <a:lumMod val="85000"/>
+                    <a:lumOff val="15000"/>
+                  </a:schemeClr>
+                </a:solidFill>
+                <a:latin typeface="+mn-lt"/>
+                <a:ea typeface="+mn-ea"/>
+                <a:cs typeface="+mn-cs"/>
+              </a:defRPr>
+            </a:lvl2pPr>
+            <a:lvl3pPr marL="731520" indent="-182880" algn="l" defTabSz="914400" rtl="0" eaLnBrk="1" latinLnBrk="0" hangingPunct="1">
+              <a:lnSpc>
+                <a:spcPct val="90000"/>
+              </a:lnSpc>
+              <a:spcBef>
+                <a:spcPts val="300"/>
+              </a:spcBef>
+              <a:spcAft>
+                <a:spcPts val="300"/>
+              </a:spcAft>
+              <a:buClr>
+                <a:schemeClr val="accent1"/>
+              </a:buClr>
+              <a:buFont typeface="Wingdings 2" pitchFamily="18" charset="2"/>
+              <a:buChar char=""/>
+              <a:defRPr sz="1400" kern="1200">
+                <a:solidFill>
+                  <a:schemeClr val="tx1">
+                    <a:lumMod val="85000"/>
+                    <a:lumOff val="15000"/>
+                  </a:schemeClr>
+                </a:solidFill>
+                <a:latin typeface="+mn-lt"/>
+                <a:ea typeface="+mn-ea"/>
+                <a:cs typeface="+mn-cs"/>
+              </a:defRPr>
+            </a:lvl3pPr>
+            <a:lvl4pPr marL="1005840" indent="-182880" algn="l" defTabSz="914400" rtl="0" eaLnBrk="1" latinLnBrk="0" hangingPunct="1">
+              <a:lnSpc>
+                <a:spcPct val="90000"/>
+              </a:lnSpc>
+              <a:spcBef>
+                <a:spcPts val="300"/>
+              </a:spcBef>
+              <a:spcAft>
+                <a:spcPts val="300"/>
+              </a:spcAft>
+              <a:buClr>
+                <a:schemeClr val="accent1"/>
+              </a:buClr>
+              <a:buFont typeface="Wingdings 2" pitchFamily="18" charset="2"/>
+              <a:buChar char=""/>
+              <a:defRPr sz="1400" kern="1200">
+                <a:solidFill>
+                  <a:schemeClr val="tx1">
+                    <a:lumMod val="85000"/>
+                    <a:lumOff val="15000"/>
+                  </a:schemeClr>
+                </a:solidFill>
+                <a:latin typeface="+mn-lt"/>
+                <a:ea typeface="+mn-ea"/>
+                <a:cs typeface="+mn-cs"/>
+              </a:defRPr>
+            </a:lvl4pPr>
+            <a:lvl5pPr marL="1280160" indent="-182880" algn="l" defTabSz="914400" rtl="0" eaLnBrk="1" latinLnBrk="0" hangingPunct="1">
+              <a:lnSpc>
+                <a:spcPct val="90000"/>
+              </a:lnSpc>
+              <a:spcBef>
+                <a:spcPts val="300"/>
+              </a:spcBef>
+              <a:spcAft>
+                <a:spcPts val="300"/>
+              </a:spcAft>
+              <a:buClr>
+                <a:schemeClr val="accent1"/>
+              </a:buClr>
+              <a:buFont typeface="Wingdings 2" pitchFamily="18" charset="2"/>
+              <a:buChar char=""/>
+              <a:defRPr sz="1400" kern="1200">
+                <a:solidFill>
+                  <a:schemeClr val="tx1">
+                    <a:lumMod val="85000"/>
+                    <a:lumOff val="15000"/>
+                  </a:schemeClr>
+                </a:solidFill>
+                <a:latin typeface="+mn-lt"/>
+                <a:ea typeface="+mn-ea"/>
+                <a:cs typeface="+mn-cs"/>
+              </a:defRPr>
+            </a:lvl5pPr>
+            <a:lvl6pPr marL="1600000" indent="-228600" algn="l" defTabSz="914400" rtl="0" eaLnBrk="1" latinLnBrk="0" hangingPunct="1">
+              <a:lnSpc>
+                <a:spcPct val="90000"/>
+              </a:lnSpc>
+              <a:spcBef>
+                <a:spcPts val="300"/>
+              </a:spcBef>
+              <a:spcAft>
+                <a:spcPts val="300"/>
+              </a:spcAft>
+              <a:buClr>
+                <a:schemeClr val="accent1"/>
+              </a:buClr>
+              <a:buFont typeface="Wingdings 2" pitchFamily="18" charset="2"/>
+              <a:buChar char=""/>
+              <a:defRPr sz="1400" kern="1200">
+                <a:solidFill>
+                  <a:schemeClr val="tx1">
+                    <a:lumMod val="85000"/>
+                    <a:lumOff val="15000"/>
+                  </a:schemeClr>
+                </a:solidFill>
+                <a:latin typeface="+mn-lt"/>
+                <a:ea typeface="+mn-ea"/>
+                <a:cs typeface="+mn-cs"/>
+              </a:defRPr>
+            </a:lvl6pPr>
+            <a:lvl7pPr marL="1900000" indent="-228600" algn="l" defTabSz="914400" rtl="0" eaLnBrk="1" latinLnBrk="0" hangingPunct="1">
+              <a:lnSpc>
+                <a:spcPct val="90000"/>
+              </a:lnSpc>
+              <a:spcBef>
+                <a:spcPts val="300"/>
+              </a:spcBef>
+              <a:spcAft>
+                <a:spcPts val="300"/>
+              </a:spcAft>
+              <a:buClr>
+                <a:schemeClr val="accent1"/>
+              </a:buClr>
+              <a:buFont typeface="Wingdings 2" pitchFamily="18" charset="2"/>
+              <a:buChar char=""/>
+              <a:defRPr sz="1400" kern="1200">
+                <a:solidFill>
+                  <a:schemeClr val="tx1">
+                    <a:lumMod val="85000"/>
+                    <a:lumOff val="15000"/>
+                  </a:schemeClr>
+                </a:solidFill>
+                <a:latin typeface="+mn-lt"/>
+                <a:ea typeface="+mn-ea"/>
+                <a:cs typeface="+mn-cs"/>
+              </a:defRPr>
+            </a:lvl7pPr>
+            <a:lvl8pPr marL="2200000" indent="-228600" algn="l" defTabSz="914400" rtl="0" eaLnBrk="1" latinLnBrk="0" hangingPunct="1">
+              <a:lnSpc>
+                <a:spcPct val="90000"/>
+              </a:lnSpc>
+              <a:spcBef>
+                <a:spcPts val="300"/>
+              </a:spcBef>
+              <a:spcAft>
+                <a:spcPts val="300"/>
+              </a:spcAft>
+              <a:buClr>
+                <a:schemeClr val="accent1"/>
+              </a:buClr>
+              <a:buFont typeface="Wingdings 2" pitchFamily="18" charset="2"/>
+              <a:buChar char=""/>
+              <a:defRPr sz="1400" kern="1200">
+                <a:solidFill>
+                  <a:schemeClr val="tx1">
+                    <a:lumMod val="85000"/>
+                    <a:lumOff val="15000"/>
+                  </a:schemeClr>
+                </a:solidFill>
+                <a:latin typeface="+mn-lt"/>
+                <a:ea typeface="+mn-ea"/>
+                <a:cs typeface="+mn-cs"/>
+              </a:defRPr>
+            </a:lvl8pPr>
+            <a:lvl9pPr marL="2500000" indent="-228600" algn="l" defTabSz="914400" rtl="0" eaLnBrk="1" latinLnBrk="0" hangingPunct="1">
+              <a:lnSpc>
+                <a:spcPct val="90000"/>
+              </a:lnSpc>
+              <a:spcBef>
+                <a:spcPts val="300"/>
+              </a:spcBef>
+              <a:spcAft>
+                <a:spcPts val="300"/>
+              </a:spcAft>
+              <a:buClr>
+                <a:schemeClr val="accent1"/>
+              </a:buClr>
+              <a:buFont typeface="Wingdings 2" pitchFamily="18" charset="2"/>
+              <a:buChar char=""/>
+              <a:defRPr sz="1400" kern="1200">
+                <a:solidFill>
+                  <a:schemeClr val="tx1">
+                    <a:lumMod val="85000"/>
+                    <a:lumOff val="15000"/>
+                  </a:schemeClr>
+                </a:solidFill>
+                <a:latin typeface="+mn-lt"/>
+                <a:ea typeface="+mn-ea"/>
+                <a:cs typeface="+mn-cs"/>
+              </a:defRPr>
+            </a:lvl9pPr>
+          </a:lstStyle>
+          <a:p>
+            <a:r>
+              <a:rPr lang="de-DE" sz="2400" dirty="0"/>
+              <a:t>Bewerte die Ergebnisse</a:t>
+            </a:r>
+          </a:p>
+          <a:p>
+            <a:r>
+              <a:rPr lang="de-DE" sz="2400" dirty="0"/>
+              <a:t>Prüfe den Modellierungsprozess</a:t>
+            </a:r>
+          </a:p>
+          <a:p>
+            <a:r>
+              <a:rPr lang="de-DE" sz="2400" dirty="0"/>
+              <a:t>Lege nächste Schritte fest (Verbesserungen, </a:t>
+            </a:r>
+            <a:r>
+              <a:rPr lang="de-DE" sz="2400" dirty="0" err="1"/>
+              <a:t>Paramteranpassungen</a:t>
+            </a:r>
+            <a:r>
+              <a:rPr lang="de-DE" sz="2400" dirty="0"/>
+              <a:t>, …)</a:t>
+            </a:r>
+          </a:p>
+          <a:p>
+            <a:endParaRPr lang="de-DE" sz="2400" dirty="0"/>
+          </a:p>
+          <a:p>
+            <a:pPr marL="0" indent="0">
+              <a:buNone/>
+            </a:pPr>
+            <a:endParaRPr lang="de-DE" sz="2400" dirty="0"/>
+          </a:p>
+          <a:p>
+            <a:endParaRPr lang="de-DE" sz="2400" dirty="0"/>
+          </a:p>
+          <a:p>
+            <a:endParaRPr lang="de-DE" sz="2400" dirty="0"/>
+          </a:p>
+          <a:p>
+            <a:endParaRPr lang="de-DE" sz="2400" dirty="0"/>
+          </a:p>
+          <a:p>
+            <a:endParaRPr lang="de-DE" sz="2400" dirty="0"/>
+          </a:p>
+          <a:p>
+            <a:endParaRPr lang="de-DE" sz="2400" dirty="0"/>
+          </a:p>
+          <a:p>
+            <a:endParaRPr lang="de-DE" sz="2400" dirty="0"/>
+          </a:p>
+          <a:p>
+            <a:endParaRPr lang="de-DE" sz="2400" dirty="0"/>
+          </a:p>
+          <a:p>
+            <a:endParaRPr lang="de-DE" sz="2400" dirty="0"/>
+          </a:p>
+          <a:p>
+            <a:endParaRPr lang="de-DE" sz="2400" dirty="0"/>
+          </a:p>
+          <a:p>
+            <a:endParaRPr lang="de-DE" sz="2400" dirty="0"/>
+          </a:p>
+          <a:p>
+            <a:endParaRPr lang="de-DE" sz="2400" dirty="0"/>
+          </a:p>
+          <a:p>
+            <a:endParaRPr lang="de-DE" sz="2400" dirty="0"/>
+          </a:p>
+          <a:p>
+            <a:endParaRPr lang="de-DE" sz="2400" dirty="0"/>
+          </a:p>
+          <a:p>
+            <a:endParaRPr lang="de-DE" sz="2400" dirty="0"/>
+          </a:p>
+          <a:p>
+            <a:endParaRPr lang="de-DE" sz="2400" dirty="0"/>
+          </a:p>
+          <a:p>
+            <a:endParaRPr lang="de-DE" sz="2400" dirty="0"/>
+          </a:p>
+          <a:p>
+            <a:pPr marL="0" indent="0">
+              <a:buNone/>
+            </a:pPr>
+            <a:endParaRPr lang="de-DE" sz="2400" dirty="0"/>
+          </a:p>
+          <a:p>
+            <a:endParaRPr lang="de-DE" sz="2400" dirty="0"/>
+          </a:p>
+        </p:txBody>
+      </p:sp>
+    </p:spTree>
+    <p:extLst>
+      <p:ext uri="{BB962C8B-B14F-4D97-AF65-F5344CB8AC3E}">
+        <p14:creationId xmlns:p14="http://schemas.microsoft.com/office/powerpoint/2010/main" val="1193097347"/>
+      </p:ext>
+    </p:extLst>
+  </p:cSld>
+  <p:clrMapOvr>
+    <a:masterClrMapping/>
+  </p:clrMapOvr>
+</p:sld>
+</file>
+
+<file path=ppt/slides/slide14.xml><?xml version="1.0" encoding="utf-8"?>
+<p:sld xmlns:a="http://schemas.openxmlformats.org/drawingml/2006/main" xmlns:r="http://schemas.openxmlformats.org/officeDocument/2006/relationships" xmlns:p="http://schemas.openxmlformats.org/presentationml/2006/main">
+  <p:cSld>
+    <p:bg>
+      <p:bgPr>
+        <a:solidFill>
+          <a:schemeClr val="bg1"/>
+        </a:solidFill>
+        <a:effectLst/>
+      </p:bgPr>
+    </p:bg>
+    <p:spTree>
+      <p:nvGrpSpPr>
+        <p:cNvPr id="1" name=""/>
+        <p:cNvGrpSpPr/>
+        <p:nvPr/>
+      </p:nvGrpSpPr>
+      <p:grpSpPr>
+        <a:xfrm>
+          <a:off x="0" y="0"/>
+          <a:ext cx="0" cy="0"/>
+          <a:chOff x="0" y="0"/>
+          <a:chExt cx="0" cy="0"/>
+        </a:xfrm>
+      </p:grpSpPr>
+      <p:sp>
+        <p:nvSpPr>
+          <p:cNvPr id="8" name="Rectangle 7">
+            <a:extLst>
+              <a:ext uri="{FF2B5EF4-FFF2-40B4-BE49-F238E27FC236}">
+                <a16:creationId xmlns:a16="http://schemas.microsoft.com/office/drawing/2014/main" id="{33801627-6861-4EA9-BE98-E0CE33A894D9}"/>
+              </a:ext>
+              <a:ext uri="{C183D7F6-B498-43B3-948B-1728B52AA6E4}">
+                <adec:decorative xmlns:adec="http://schemas.microsoft.com/office/drawing/2017/decorative" val="1"/>
+              </a:ext>
+            </a:extLst>
+          </p:cNvPr>
+          <p:cNvSpPr>
+            <a:spLocks noGrp="1" noRot="1" noChangeAspect="1" noMove="1" noResize="1" noEditPoints="1" noAdjustHandles="1" noChangeArrowheads="1" noChangeShapeType="1" noTextEdit="1"/>
+          </p:cNvSpPr>
+          <p:nvPr>
+            <p:extLst>
+              <p:ext uri="{386F3935-93C4-4BCD-93E2-E3B085C9AB24}">
+                <p16:designElem xmlns:p16="http://schemas.microsoft.com/office/powerpoint/2015/main" val="1"/>
+              </p:ext>
+            </p:extLst>
+          </p:nvPr>
+        </p:nvSpPr>
+        <p:spPr>
+          <a:xfrm>
+            <a:off x="1" y="0"/>
+            <a:ext cx="643466" cy="6858000"/>
+          </a:xfrm>
+          <a:prstGeom prst="rect">
+            <a:avLst/>
+          </a:prstGeom>
+          <a:solidFill>
+            <a:srgbClr val="0D0D0D"/>
+          </a:solidFill>
+          <a:ln>
+            <a:noFill/>
+          </a:ln>
+        </p:spPr>
+        <p:style>
+          <a:lnRef idx="2">
+            <a:schemeClr val="accent1">
+              <a:shade val="50000"/>
+            </a:schemeClr>
+          </a:lnRef>
+          <a:fillRef idx="1">
+            <a:schemeClr val="accent1"/>
+          </a:fillRef>
+          <a:effectRef idx="0">
+            <a:schemeClr val="accent1"/>
+          </a:effectRef>
+          <a:fontRef idx="minor">
+            <a:schemeClr val="lt1"/>
+          </a:fontRef>
+        </p:style>
+        <p:txBody>
+          <a:bodyPr rtlCol="0" anchor="ctr"/>
+          <a:lstStyle/>
+          <a:p>
+            <a:pPr algn="ctr"/>
+            <a:endParaRPr lang="en-US"/>
+          </a:p>
+        </p:txBody>
+      </p:sp>
+      <p:sp>
+        <p:nvSpPr>
+          <p:cNvPr id="10" name="Rectangle 9">
+            <a:extLst>
+              <a:ext uri="{FF2B5EF4-FFF2-40B4-BE49-F238E27FC236}">
+                <a16:creationId xmlns:a16="http://schemas.microsoft.com/office/drawing/2014/main" id="{93C1483F-490E-4C8A-8765-1F8AF0C67D5F}"/>
+              </a:ext>
+              <a:ext uri="{C183D7F6-B498-43B3-948B-1728B52AA6E4}">
+                <adec:decorative xmlns:adec="http://schemas.microsoft.com/office/drawing/2017/decorative" val="1"/>
+              </a:ext>
+            </a:extLst>
+          </p:cNvPr>
+          <p:cNvSpPr>
+            <a:spLocks noGrp="1" noRot="1" noChangeAspect="1" noMove="1" noResize="1" noEditPoints="1" noAdjustHandles="1" noChangeArrowheads="1" noChangeShapeType="1" noTextEdit="1"/>
+          </p:cNvSpPr>
+          <p:nvPr>
+            <p:extLst>
+              <p:ext uri="{386F3935-93C4-4BCD-93E2-E3B085C9AB24}">
+                <p16:designElem xmlns:p16="http://schemas.microsoft.com/office/powerpoint/2015/main" val="1"/>
+              </p:ext>
+            </p:extLst>
+          </p:nvPr>
+        </p:nvSpPr>
+        <p:spPr>
+          <a:xfrm>
+            <a:off x="643466" y="0"/>
+            <a:ext cx="3736189" cy="6858000"/>
+          </a:xfrm>
+          <a:prstGeom prst="rect">
+            <a:avLst/>
+          </a:prstGeom>
+          <a:solidFill>
+            <a:srgbClr val="292929"/>
+          </a:solidFill>
+          <a:ln>
+            <a:noFill/>
+          </a:ln>
+        </p:spPr>
+        <p:style>
+          <a:lnRef idx="2">
+            <a:schemeClr val="accent1">
+              <a:shade val="50000"/>
+            </a:schemeClr>
+          </a:lnRef>
+          <a:fillRef idx="1">
+            <a:schemeClr val="accent1"/>
+          </a:fillRef>
+          <a:effectRef idx="0">
+            <a:schemeClr val="accent1"/>
+          </a:effectRef>
+          <a:fontRef idx="minor">
+            <a:schemeClr val="lt1"/>
+          </a:fontRef>
+        </p:style>
+        <p:txBody>
+          <a:bodyPr rtlCol="0" anchor="ctr"/>
+          <a:lstStyle/>
+          <a:p>
+            <a:pPr algn="ctr"/>
+            <a:endParaRPr lang="en-US"/>
+          </a:p>
+        </p:txBody>
+      </p:sp>
+      <p:sp>
+        <p:nvSpPr>
+          <p:cNvPr id="2" name="Titel 1">
+            <a:extLst>
+              <a:ext uri="{FF2B5EF4-FFF2-40B4-BE49-F238E27FC236}">
+                <a16:creationId xmlns:a16="http://schemas.microsoft.com/office/drawing/2014/main" id="{084D98EA-66CF-4F5F-9E2A-4B03A441BEB9}"/>
+              </a:ext>
+            </a:extLst>
+          </p:cNvPr>
+          <p:cNvSpPr>
+            <a:spLocks noGrp="1"/>
+          </p:cNvSpPr>
+          <p:nvPr>
+            <p:ph type="title"/>
+          </p:nvPr>
+        </p:nvSpPr>
+        <p:spPr>
+          <a:xfrm>
+            <a:off x="965198" y="643466"/>
+            <a:ext cx="3092718" cy="5528734"/>
+          </a:xfrm>
+          <a:noFill/>
+        </p:spPr>
+        <p:txBody>
+          <a:bodyPr anchor="t">
+            <a:normAutofit/>
+          </a:bodyPr>
+          <a:lstStyle/>
+          <a:p>
+            <a:r>
+              <a:rPr lang="de-DE" sz="2800" dirty="0" err="1">
+                <a:solidFill>
+                  <a:srgbClr val="FFFFFF"/>
+                </a:solidFill>
+              </a:rPr>
+              <a:t>Deployment</a:t>
+            </a:r>
+            <a:br>
+              <a:rPr lang="de-DE" sz="2800" dirty="0">
+                <a:solidFill>
+                  <a:srgbClr val="FFFFFF"/>
+                </a:solidFill>
+              </a:rPr>
+            </a:br>
+            <a:r>
+              <a:rPr lang="de-DE" sz="2800" dirty="0">
+                <a:solidFill>
+                  <a:srgbClr val="FFFFFF"/>
+                </a:solidFill>
+              </a:rPr>
+              <a:t>(</a:t>
+            </a:r>
+            <a:r>
+              <a:rPr lang="de-DE" sz="2800" dirty="0" err="1">
+                <a:solidFill>
+                  <a:srgbClr val="FFFFFF"/>
+                </a:solidFill>
+              </a:rPr>
+              <a:t>to</a:t>
+            </a:r>
+            <a:r>
+              <a:rPr lang="de-DE" sz="2800" dirty="0">
+                <a:solidFill>
+                  <a:srgbClr val="FFFFFF"/>
+                </a:solidFill>
+              </a:rPr>
+              <a:t> do)</a:t>
+            </a:r>
+          </a:p>
+        </p:txBody>
+      </p:sp>
+      <p:sp useBgFill="1">
+        <p:nvSpPr>
+          <p:cNvPr id="12" name="Rectangle 11">
+            <a:extLst>
+              <a:ext uri="{FF2B5EF4-FFF2-40B4-BE49-F238E27FC236}">
+                <a16:creationId xmlns:a16="http://schemas.microsoft.com/office/drawing/2014/main" id="{0249BF42-D05C-4553-9417-7B8695759291}"/>
+              </a:ext>
+              <a:ext uri="{C183D7F6-B498-43B3-948B-1728B52AA6E4}">
+                <adec:decorative xmlns:adec="http://schemas.microsoft.com/office/drawing/2017/decorative" val="1"/>
+              </a:ext>
+            </a:extLst>
+          </p:cNvPr>
+          <p:cNvSpPr>
+            <a:spLocks noGrp="1" noRot="1" noChangeAspect="1" noMove="1" noResize="1" noEditPoints="1" noAdjustHandles="1" noChangeArrowheads="1" noChangeShapeType="1" noTextEdit="1"/>
+          </p:cNvSpPr>
+          <p:nvPr>
+            <p:extLst>
+              <p:ext uri="{386F3935-93C4-4BCD-93E2-E3B085C9AB24}">
+                <p16:designElem xmlns:p16="http://schemas.microsoft.com/office/powerpoint/2015/main" val="1"/>
+              </p:ext>
+            </p:extLst>
+          </p:nvPr>
+        </p:nvSpPr>
+        <p:spPr>
+          <a:xfrm>
+            <a:off x="4379654" y="0"/>
+            <a:ext cx="6913185" cy="6858000"/>
+          </a:xfrm>
+          <a:prstGeom prst="rect">
+            <a:avLst/>
+          </a:prstGeom>
+          <a:ln>
+            <a:noFill/>
+          </a:ln>
+        </p:spPr>
+        <p:style>
+          <a:lnRef idx="2">
+            <a:schemeClr val="accent1">
+              <a:shade val="50000"/>
+            </a:schemeClr>
+          </a:lnRef>
+          <a:fillRef idx="1">
+            <a:schemeClr val="accent1"/>
+          </a:fillRef>
+          <a:effectRef idx="0">
+            <a:schemeClr val="accent1"/>
+          </a:effectRef>
+          <a:fontRef idx="minor">
+            <a:schemeClr val="lt1"/>
+          </a:fontRef>
+        </p:style>
+        <p:txBody>
+          <a:bodyPr rtlCol="0" anchor="ctr"/>
+          <a:lstStyle/>
+          <a:p>
+            <a:pPr algn="ctr"/>
+            <a:endParaRPr lang="en-US"/>
+          </a:p>
+        </p:txBody>
+      </p:sp>
+      <p:sp>
+        <p:nvSpPr>
+          <p:cNvPr id="13" name="Inhaltsplatzhalter 2">
+            <a:extLst>
+              <a:ext uri="{FF2B5EF4-FFF2-40B4-BE49-F238E27FC236}">
+                <a16:creationId xmlns:a16="http://schemas.microsoft.com/office/drawing/2014/main" id="{5D98CB0D-C00E-4ECA-B926-D323B162B34E}"/>
+              </a:ext>
+            </a:extLst>
+          </p:cNvPr>
+          <p:cNvSpPr txBox="1">
+            <a:spLocks/>
+          </p:cNvSpPr>
+          <p:nvPr/>
+        </p:nvSpPr>
+        <p:spPr>
+          <a:xfrm>
+            <a:off x="4701386" y="643466"/>
+            <a:ext cx="6525416" cy="6017107"/>
+          </a:xfrm>
+          <a:prstGeom prst="rect">
+            <a:avLst/>
+          </a:prstGeom>
+        </p:spPr>
+        <p:txBody>
+          <a:bodyPr vert="horz" lIns="91440" tIns="45720" rIns="91440" bIns="45720" rtlCol="0">
+            <a:normAutofit/>
+          </a:bodyPr>
+          <a:lstStyle>
+            <a:lvl1pPr marL="182880" indent="-182880" algn="l" defTabSz="914400" rtl="0" eaLnBrk="1" latinLnBrk="0" hangingPunct="1">
+              <a:lnSpc>
+                <a:spcPct val="95000"/>
+              </a:lnSpc>
+              <a:spcBef>
+                <a:spcPts val="1400"/>
+              </a:spcBef>
+              <a:spcAft>
+                <a:spcPts val="200"/>
+              </a:spcAft>
+              <a:buClr>
+                <a:schemeClr val="accent1"/>
+              </a:buClr>
+              <a:buSzPct val="80000"/>
+              <a:buFont typeface="Arial" pitchFamily="34" charset="0"/>
+              <a:buChar char="•"/>
+              <a:defRPr sz="1800" kern="1200" spc="10" baseline="0">
+                <a:solidFill>
+                  <a:schemeClr val="tx1"/>
+                </a:solidFill>
+                <a:latin typeface="+mn-lt"/>
+                <a:ea typeface="+mn-ea"/>
+                <a:cs typeface="+mn-cs"/>
+              </a:defRPr>
+            </a:lvl1pPr>
+            <a:lvl2pPr marL="457200" indent="-182880" algn="l" defTabSz="914400" rtl="0" eaLnBrk="1" latinLnBrk="0" hangingPunct="1">
+              <a:lnSpc>
+                <a:spcPct val="90000"/>
+              </a:lnSpc>
+              <a:spcBef>
+                <a:spcPts val="300"/>
+              </a:spcBef>
+              <a:spcAft>
+                <a:spcPts val="300"/>
+              </a:spcAft>
+              <a:buClr>
+                <a:schemeClr val="accent1"/>
+              </a:buClr>
+              <a:buFont typeface="Wingdings 2" pitchFamily="18" charset="2"/>
+              <a:buChar char=""/>
+              <a:defRPr sz="1600" kern="1200">
+                <a:solidFill>
+                  <a:schemeClr val="tx1">
+                    <a:lumMod val="85000"/>
+                    <a:lumOff val="15000"/>
+                  </a:schemeClr>
+                </a:solidFill>
+                <a:latin typeface="+mn-lt"/>
+                <a:ea typeface="+mn-ea"/>
+                <a:cs typeface="+mn-cs"/>
+              </a:defRPr>
+            </a:lvl2pPr>
+            <a:lvl3pPr marL="731520" indent="-182880" algn="l" defTabSz="914400" rtl="0" eaLnBrk="1" latinLnBrk="0" hangingPunct="1">
+              <a:lnSpc>
+                <a:spcPct val="90000"/>
+              </a:lnSpc>
+              <a:spcBef>
+                <a:spcPts val="300"/>
+              </a:spcBef>
+              <a:spcAft>
+                <a:spcPts val="300"/>
+              </a:spcAft>
+              <a:buClr>
+                <a:schemeClr val="accent1"/>
+              </a:buClr>
+              <a:buFont typeface="Wingdings 2" pitchFamily="18" charset="2"/>
+              <a:buChar char=""/>
+              <a:defRPr sz="1400" kern="1200">
+                <a:solidFill>
+                  <a:schemeClr val="tx1">
+                    <a:lumMod val="85000"/>
+                    <a:lumOff val="15000"/>
+                  </a:schemeClr>
+                </a:solidFill>
+                <a:latin typeface="+mn-lt"/>
+                <a:ea typeface="+mn-ea"/>
+                <a:cs typeface="+mn-cs"/>
+              </a:defRPr>
+            </a:lvl3pPr>
+            <a:lvl4pPr marL="1005840" indent="-182880" algn="l" defTabSz="914400" rtl="0" eaLnBrk="1" latinLnBrk="0" hangingPunct="1">
+              <a:lnSpc>
+                <a:spcPct val="90000"/>
+              </a:lnSpc>
+              <a:spcBef>
+                <a:spcPts val="300"/>
+              </a:spcBef>
+              <a:spcAft>
+                <a:spcPts val="300"/>
+              </a:spcAft>
+              <a:buClr>
+                <a:schemeClr val="accent1"/>
+              </a:buClr>
+              <a:buFont typeface="Wingdings 2" pitchFamily="18" charset="2"/>
+              <a:buChar char=""/>
+              <a:defRPr sz="1400" kern="1200">
+                <a:solidFill>
+                  <a:schemeClr val="tx1">
+                    <a:lumMod val="85000"/>
+                    <a:lumOff val="15000"/>
+                  </a:schemeClr>
+                </a:solidFill>
+                <a:latin typeface="+mn-lt"/>
+                <a:ea typeface="+mn-ea"/>
+                <a:cs typeface="+mn-cs"/>
+              </a:defRPr>
+            </a:lvl4pPr>
+            <a:lvl5pPr marL="1280160" indent="-182880" algn="l" defTabSz="914400" rtl="0" eaLnBrk="1" latinLnBrk="0" hangingPunct="1">
+              <a:lnSpc>
+                <a:spcPct val="90000"/>
+              </a:lnSpc>
+              <a:spcBef>
+                <a:spcPts val="300"/>
+              </a:spcBef>
+              <a:spcAft>
+                <a:spcPts val="300"/>
+              </a:spcAft>
+              <a:buClr>
+                <a:schemeClr val="accent1"/>
+              </a:buClr>
+              <a:buFont typeface="Wingdings 2" pitchFamily="18" charset="2"/>
+              <a:buChar char=""/>
+              <a:defRPr sz="1400" kern="1200">
+                <a:solidFill>
+                  <a:schemeClr val="tx1">
+                    <a:lumMod val="85000"/>
+                    <a:lumOff val="15000"/>
+                  </a:schemeClr>
+                </a:solidFill>
+                <a:latin typeface="+mn-lt"/>
+                <a:ea typeface="+mn-ea"/>
+                <a:cs typeface="+mn-cs"/>
+              </a:defRPr>
+            </a:lvl5pPr>
+            <a:lvl6pPr marL="1600000" indent="-228600" algn="l" defTabSz="914400" rtl="0" eaLnBrk="1" latinLnBrk="0" hangingPunct="1">
+              <a:lnSpc>
+                <a:spcPct val="90000"/>
+              </a:lnSpc>
+              <a:spcBef>
+                <a:spcPts val="300"/>
+              </a:spcBef>
+              <a:spcAft>
+                <a:spcPts val="300"/>
+              </a:spcAft>
+              <a:buClr>
+                <a:schemeClr val="accent1"/>
+              </a:buClr>
+              <a:buFont typeface="Wingdings 2" pitchFamily="18" charset="2"/>
+              <a:buChar char=""/>
+              <a:defRPr sz="1400" kern="1200">
+                <a:solidFill>
+                  <a:schemeClr val="tx1">
+                    <a:lumMod val="85000"/>
+                    <a:lumOff val="15000"/>
+                  </a:schemeClr>
+                </a:solidFill>
+                <a:latin typeface="+mn-lt"/>
+                <a:ea typeface="+mn-ea"/>
+                <a:cs typeface="+mn-cs"/>
+              </a:defRPr>
+            </a:lvl6pPr>
+            <a:lvl7pPr marL="1900000" indent="-228600" algn="l" defTabSz="914400" rtl="0" eaLnBrk="1" latinLnBrk="0" hangingPunct="1">
+              <a:lnSpc>
+                <a:spcPct val="90000"/>
+              </a:lnSpc>
+              <a:spcBef>
+                <a:spcPts val="300"/>
+              </a:spcBef>
+              <a:spcAft>
+                <a:spcPts val="300"/>
+              </a:spcAft>
+              <a:buClr>
+                <a:schemeClr val="accent1"/>
+              </a:buClr>
+              <a:buFont typeface="Wingdings 2" pitchFamily="18" charset="2"/>
+              <a:buChar char=""/>
+              <a:defRPr sz="1400" kern="1200">
+                <a:solidFill>
+                  <a:schemeClr val="tx1">
+                    <a:lumMod val="85000"/>
+                    <a:lumOff val="15000"/>
+                  </a:schemeClr>
+                </a:solidFill>
+                <a:latin typeface="+mn-lt"/>
+                <a:ea typeface="+mn-ea"/>
+                <a:cs typeface="+mn-cs"/>
+              </a:defRPr>
+            </a:lvl7pPr>
+            <a:lvl8pPr marL="2200000" indent="-228600" algn="l" defTabSz="914400" rtl="0" eaLnBrk="1" latinLnBrk="0" hangingPunct="1">
+              <a:lnSpc>
+                <a:spcPct val="90000"/>
+              </a:lnSpc>
+              <a:spcBef>
+                <a:spcPts val="300"/>
+              </a:spcBef>
+              <a:spcAft>
+                <a:spcPts val="300"/>
+              </a:spcAft>
+              <a:buClr>
+                <a:schemeClr val="accent1"/>
+              </a:buClr>
+              <a:buFont typeface="Wingdings 2" pitchFamily="18" charset="2"/>
+              <a:buChar char=""/>
+              <a:defRPr sz="1400" kern="1200">
+                <a:solidFill>
+                  <a:schemeClr val="tx1">
+                    <a:lumMod val="85000"/>
+                    <a:lumOff val="15000"/>
+                  </a:schemeClr>
+                </a:solidFill>
+                <a:latin typeface="+mn-lt"/>
+                <a:ea typeface="+mn-ea"/>
+                <a:cs typeface="+mn-cs"/>
+              </a:defRPr>
+            </a:lvl8pPr>
+            <a:lvl9pPr marL="2500000" indent="-228600" algn="l" defTabSz="914400" rtl="0" eaLnBrk="1" latinLnBrk="0" hangingPunct="1">
+              <a:lnSpc>
+                <a:spcPct val="90000"/>
+              </a:lnSpc>
+              <a:spcBef>
+                <a:spcPts val="300"/>
+              </a:spcBef>
+              <a:spcAft>
+                <a:spcPts val="300"/>
+              </a:spcAft>
+              <a:buClr>
+                <a:schemeClr val="accent1"/>
+              </a:buClr>
+              <a:buFont typeface="Wingdings 2" pitchFamily="18" charset="2"/>
+              <a:buChar char=""/>
+              <a:defRPr sz="1400" kern="1200">
+                <a:solidFill>
+                  <a:schemeClr val="tx1">
+                    <a:lumMod val="85000"/>
+                    <a:lumOff val="15000"/>
+                  </a:schemeClr>
+                </a:solidFill>
+                <a:latin typeface="+mn-lt"/>
+                <a:ea typeface="+mn-ea"/>
+                <a:cs typeface="+mn-cs"/>
+              </a:defRPr>
+            </a:lvl9pPr>
+          </a:lstStyle>
+          <a:p>
+            <a:r>
+              <a:rPr lang="de-DE" sz="2400" dirty="0"/>
               <a:t>Erstelle Plan für Verteilung</a:t>
             </a:r>
           </a:p>
@@ -5952,7 +7730,7 @@
 </p:sld>
 </file>
 
-<file path=ppt/slides/slide13.xml><?xml version="1.0" encoding="utf-8"?>
+<file path=ppt/slides/slide15.xml><?xml version="1.0" encoding="utf-8"?>
 <p:sld xmlns:a="http://schemas.openxmlformats.org/drawingml/2006/main" xmlns:r="http://schemas.openxmlformats.org/officeDocument/2006/relationships" xmlns:p="http://schemas.openxmlformats.org/presentationml/2006/main">
   <p:cSld>
     <p:bg>
@@ -7128,31 +8906,31 @@
               <a:buNone/>
             </a:pPr>
             <a:r>
-              <a:rPr lang="de-DE" sz="2400"/>
+              <a:rPr lang="de-DE" sz="2400" dirty="0"/>
               <a:t>Problematik</a:t>
             </a:r>
           </a:p>
           <a:p>
             <a:r>
-              <a:rPr lang="de-DE" sz="2400"/>
+              <a:rPr lang="de-DE" sz="2400" dirty="0"/>
               <a:t>Asymmetrische Informationsketten</a:t>
             </a:r>
           </a:p>
           <a:p>
             <a:r>
-              <a:rPr lang="de-DE" sz="2400"/>
+              <a:rPr lang="de-DE" sz="2400" dirty="0"/>
               <a:t>Defensive vs. offensive Bewertung</a:t>
             </a:r>
           </a:p>
           <a:p>
             <a:r>
-              <a:rPr lang="de-DE" sz="2400"/>
+              <a:rPr lang="de-DE" sz="2400" dirty="0"/>
               <a:t>Reparaturkosten überschreiten Fahrzeugwert</a:t>
             </a:r>
           </a:p>
           <a:p>
             <a:r>
-              <a:rPr lang="de-DE" sz="2400"/>
+              <a:rPr lang="de-DE" sz="2400" dirty="0"/>
               <a:t>Unattraktives Bestandsangebot</a:t>
             </a:r>
           </a:p>
@@ -7720,6 +9498,30 @@
           <a:p>
             <a:endParaRPr lang="de-DE" sz="2400" dirty="0"/>
           </a:p>
+          <a:p>
+            <a:pPr marL="0" indent="0">
+              <a:buNone/>
+            </a:pPr>
+            <a:r>
+              <a:rPr lang="de-DE" sz="2400" dirty="0"/>
+              <a:t>Warum hilft Datenanalyse?</a:t>
+            </a:r>
+          </a:p>
+          <a:p>
+            <a:r>
+              <a:rPr lang="de-DE" sz="2400" dirty="0"/>
+              <a:t>Muster / Zusammenhänge</a:t>
+            </a:r>
+          </a:p>
+          <a:p>
+            <a:r>
+              <a:rPr lang="de-DE" sz="2400" dirty="0"/>
+              <a:t>Objektive Einschätzung anhand von Kennzahlen</a:t>
+            </a:r>
+          </a:p>
+          <a:p>
+            <a:endParaRPr lang="de-DE" sz="2400" dirty="0"/>
+          </a:p>
         </p:txBody>
       </p:sp>
     </p:spTree>
@@ -8280,12 +10082,8 @@
           </a:p>
           <a:p>
             <a:r>
-              <a:rPr lang="de-DE" sz="2400" dirty="0" err="1"/>
-              <a:t>Predictive</a:t>
-            </a:r>
-            <a:r>
               <a:rPr lang="de-DE" sz="2400" dirty="0"/>
-              <a:t> Analytics zur Vorhersage von Good / Bad Buy</a:t>
+              <a:t>Entwicklung eines Models zur Vorhersage von Good / Bad Buy</a:t>
             </a:r>
           </a:p>
           <a:p>
@@ -8871,12 +10669,6 @@
             </a:r>
           </a:p>
           <a:p>
-            <a:pPr marL="0" indent="0">
-              <a:buNone/>
-            </a:pPr>
-            <a:endParaRPr lang="de-DE" sz="2400" dirty="0"/>
-          </a:p>
-          <a:p>
             <a:endParaRPr lang="de-DE" sz="2400" dirty="0"/>
           </a:p>
         </p:txBody>
@@ -8896,7 +10688,7 @@
           <p:nvPr/>
         </p:nvPicPr>
         <p:blipFill>
-          <a:blip r:embed="rId2"/>
+          <a:blip r:embed="rId3"/>
           <a:stretch>
             <a:fillRect/>
           </a:stretch>
@@ -10238,7 +12030,7 @@
           <p:nvPr/>
         </p:nvPicPr>
         <p:blipFill rotWithShape="1">
-          <a:blip r:embed="rId2">
+          <a:blip r:embed="rId3">
             <a:extLst>
               <a:ext uri="{28A0092B-C50C-407E-A947-70E740481C1C}">
                 <a14:useLocalDpi xmlns:a14="http://schemas.microsoft.com/office/drawing/2010/main" val="0"/>
@@ -11446,7 +13238,7 @@
           <p:nvPr/>
         </p:nvPicPr>
         <p:blipFill>
-          <a:blip r:embed="rId2"/>
+          <a:blip r:embed="rId3"/>
           <a:stretch>
             <a:fillRect/>
           </a:stretch>
@@ -11660,53 +13452,7 @@
                   <a:srgbClr val="FFFFFF"/>
                 </a:solidFill>
               </a:rPr>
-              <a:t>Data </a:t>
-            </a:r>
-            <a:br>
-              <a:rPr lang="de-DE" sz="2800" dirty="0">
-                <a:solidFill>
-                  <a:srgbClr val="FFFFFF"/>
-                </a:solidFill>
-              </a:rPr>
-            </a:br>
-            <a:r>
-              <a:rPr lang="de-DE" sz="2800" dirty="0">
-                <a:solidFill>
-                  <a:srgbClr val="FFFFFF"/>
-                </a:solidFill>
-              </a:rPr>
-              <a:t>Preparation</a:t>
-            </a:r>
-            <a:br>
-              <a:rPr lang="de-DE" sz="2800" dirty="0">
-                <a:solidFill>
-                  <a:srgbClr val="FFFFFF"/>
-                </a:solidFill>
-              </a:rPr>
-            </a:br>
-            <a:r>
-              <a:rPr lang="de-DE" sz="2800" dirty="0">
-                <a:solidFill>
-                  <a:srgbClr val="FFFFFF"/>
-                </a:solidFill>
-              </a:rPr>
-              <a:t>(</a:t>
-            </a:r>
-            <a:r>
-              <a:rPr lang="de-DE" sz="2800" dirty="0" err="1">
-                <a:solidFill>
-                  <a:srgbClr val="FFFFFF"/>
-                </a:solidFill>
-              </a:rPr>
-              <a:t>to</a:t>
-            </a:r>
-            <a:r>
-              <a:rPr lang="de-DE" sz="2800" dirty="0">
-                <a:solidFill>
-                  <a:srgbClr val="FFFFFF"/>
-                </a:solidFill>
-              </a:rPr>
-              <a:t> do)</a:t>
+              <a:t>Data Understanding</a:t>
             </a:r>
           </a:p>
         </p:txBody>
@@ -12042,31 +13788,20 @@
             </a:lvl9pPr>
           </a:lstStyle>
           <a:p>
+            <a:pPr marL="0" indent="0">
+              <a:buFont typeface="Arial" pitchFamily="34" charset="0"/>
+              <a:buNone/>
+            </a:pPr>
             <a:r>
               <a:rPr lang="de-DE" sz="2400" dirty="0"/>
-              <a:t>Entferne nicht relevante Daten (PLZ, …)</a:t>
+              <a:t>Data Interpretation</a:t>
             </a:r>
           </a:p>
           <a:p>
             <a:r>
               <a:rPr lang="de-DE" sz="2400" dirty="0"/>
-              <a:t>Bereinige Datensatz</a:t>
-            </a:r>
-          </a:p>
-          <a:p>
-            <a:r>
-              <a:rPr lang="de-DE" sz="2400" dirty="0"/>
-              <a:t>Formatiere die Daten</a:t>
-            </a:r>
-          </a:p>
-          <a:p>
-            <a:r>
-              <a:rPr lang="de-DE" sz="2400" dirty="0"/>
-              <a:t>Führe Over- / Undersampling durch</a:t>
-            </a:r>
-          </a:p>
-          <a:p>
-            <a:endParaRPr lang="de-DE" sz="2400" dirty="0"/>
+              <a:t>Vermutung: Anteil Fehlkäufe steigen mit höherem Fahrzeugalter</a:t>
+            </a:r>
           </a:p>
           <a:p>
             <a:pPr marL="0" indent="0">
@@ -12133,10 +13868,40 @@
           </a:p>
         </p:txBody>
       </p:sp>
+      <p:pic>
+        <p:nvPicPr>
+          <p:cNvPr id="4" name="Grafik 3">
+            <a:extLst>
+              <a:ext uri="{FF2B5EF4-FFF2-40B4-BE49-F238E27FC236}">
+                <a16:creationId xmlns:a16="http://schemas.microsoft.com/office/drawing/2014/main" id="{670B14D9-6673-4594-85B4-0593369278A9}"/>
+              </a:ext>
+            </a:extLst>
+          </p:cNvPr>
+          <p:cNvPicPr>
+            <a:picLocks noChangeAspect="1"/>
+          </p:cNvPicPr>
+          <p:nvPr/>
+        </p:nvPicPr>
+        <p:blipFill>
+          <a:blip r:embed="rId3"/>
+          <a:stretch>
+            <a:fillRect/>
+          </a:stretch>
+        </p:blipFill>
+        <p:spPr>
+          <a:xfrm>
+            <a:off x="4635349" y="2217300"/>
+            <a:ext cx="6266160" cy="3830765"/>
+          </a:xfrm>
+          <a:prstGeom prst="rect">
+            <a:avLst/>
+          </a:prstGeom>
+        </p:spPr>
+      </p:pic>
     </p:spTree>
     <p:extLst>
       <p:ext uri="{BB962C8B-B14F-4D97-AF65-F5344CB8AC3E}">
-        <p14:creationId xmlns:p14="http://schemas.microsoft.com/office/powerpoint/2010/main" val="1178940815"/>
+        <p14:creationId xmlns:p14="http://schemas.microsoft.com/office/powerpoint/2010/main" val="3241659740"/>
       </p:ext>
     </p:extLst>
   </p:cSld>
